--- a/presentation.pptx
+++ b/presentation.pptx
@@ -288,7 +288,7 @@
           <a:p>
             <a:fld id="{9E016143-E03C-4CFD-AFDC-14E5BDEA754C}" type="datetimeFigureOut">
               <a:rPr lang="en-US" dirty="0"/>
-              <a:t>1/14/2017</a:t>
+              <a:t>1/15/2017</a:t>
             </a:fld>
             <a:endParaRPr lang="en-US" dirty="0"/>
           </a:p>
@@ -512,7 +512,7 @@
           <a:p>
             <a:fld id="{C033E54A-A8CA-48C1-9504-691B58049D29}" type="datetimeFigureOut">
               <a:rPr lang="en-US" dirty="0"/>
-              <a:t>1/14/2017</a:t>
+              <a:t>1/15/2017</a:t>
             </a:fld>
             <a:endParaRPr lang="en-US" dirty="0"/>
           </a:p>
@@ -687,7 +687,7 @@
           <a:p>
             <a:fld id="{B5F6C806-BBF7-471C-9527-881CE2266695}" type="datetimeFigureOut">
               <a:rPr lang="en-US" dirty="0"/>
-              <a:t>1/14/2017</a:t>
+              <a:t>1/15/2017</a:t>
             </a:fld>
             <a:endParaRPr lang="en-US" dirty="0"/>
           </a:p>
@@ -852,7 +852,7 @@
           <a:p>
             <a:fld id="{78C94063-DF36-4330-A365-08DA1FA5B7D6}" type="datetimeFigureOut">
               <a:rPr lang="en-US" dirty="0"/>
-              <a:t>1/14/2017</a:t>
+              <a:t>1/15/2017</a:t>
             </a:fld>
             <a:endParaRPr lang="en-US" dirty="0"/>
           </a:p>
@@ -1101,7 +1101,7 @@
           <a:p>
             <a:fld id="{908A7C6C-0F39-4D70-8E8D-FE5B9C95FA73}" type="datetimeFigureOut">
               <a:rPr lang="en-US" dirty="0"/>
-              <a:t>1/14/2017</a:t>
+              <a:t>1/15/2017</a:t>
             </a:fld>
             <a:endParaRPr lang="en-US" dirty="0"/>
           </a:p>
@@ -1422,7 +1422,7 @@
           <a:p>
             <a:fld id="{DFCFA4AC-08CC-42CE-BD01-C191750A04EC}" type="datetimeFigureOut">
               <a:rPr lang="en-US" dirty="0"/>
-              <a:t>1/14/2017</a:t>
+              <a:t>1/15/2017</a:t>
             </a:fld>
             <a:endParaRPr lang="en-US" dirty="0"/>
           </a:p>
@@ -1868,7 +1868,7 @@
           <a:p>
             <a:fld id="{1BA7A723-92A7-435B-B681-F25B092FEFEB}" type="datetimeFigureOut">
               <a:rPr lang="en-US" dirty="0"/>
-              <a:t>1/14/2017</a:t>
+              <a:t>1/15/2017</a:t>
             </a:fld>
             <a:endParaRPr lang="en-US" dirty="0"/>
           </a:p>
@@ -1981,7 +1981,7 @@
           <a:p>
             <a:fld id="{4F170639-886C-4FCF-9EAB-ABB5DA3F3F4A}" type="datetimeFigureOut">
               <a:rPr lang="en-US" dirty="0"/>
-              <a:t>1/14/2017</a:t>
+              <a:t>1/15/2017</a:t>
             </a:fld>
             <a:endParaRPr lang="en-US" dirty="0"/>
           </a:p>
@@ -2071,7 +2071,7 @@
           <a:p>
             <a:fld id="{22230651-31F4-45D2-98AE-A2108F41BC07}" type="datetimeFigureOut">
               <a:rPr lang="en-US" dirty="0"/>
-              <a:t>1/14/2017</a:t>
+              <a:t>1/15/2017</a:t>
             </a:fld>
             <a:endParaRPr lang="en-US" dirty="0"/>
           </a:p>
@@ -2353,7 +2353,7 @@
           <a:p>
             <a:fld id="{6F53789A-C914-4DB1-8815-80B5EC7335C5}" type="datetimeFigureOut">
               <a:rPr lang="en-US" dirty="0"/>
-              <a:t>1/14/2017</a:t>
+              <a:t>1/15/2017</a:t>
             </a:fld>
             <a:endParaRPr lang="en-US" dirty="0"/>
           </a:p>
@@ -2673,7 +2673,7 @@
           <a:p>
             <a:fld id="{5E6440AA-91A0-436F-8FDB-C0F939DCAE21}" type="datetimeFigureOut">
               <a:rPr lang="en-US" dirty="0"/>
-              <a:t>1/14/2017</a:t>
+              <a:t>1/15/2017</a:t>
             </a:fld>
             <a:endParaRPr lang="en-US" dirty="0"/>
           </a:p>
@@ -2922,7 +2922,7 @@
           <a:p>
             <a:fld id="{0E59FD0C-5451-4CA0-86AF-E70AE3279989}" type="datetimeFigureOut">
               <a:rPr lang="en-US" dirty="0"/>
-              <a:t>1/14/2017</a:t>
+              <a:t>1/15/2017</a:t>
             </a:fld>
             <a:endParaRPr lang="en-US" dirty="0"/>
           </a:p>
@@ -3525,11 +3525,7 @@
             </a:r>
             <a:r>
               <a:rPr lang="en-US" altLang="zh-TW" dirty="0" smtClean="0"/>
-              <a:t>	</a:t>
-            </a:r>
-            <a:r>
-              <a:rPr lang="en-US" altLang="zh-TW" dirty="0" smtClean="0"/>
-              <a:t>B03902015 </a:t>
+              <a:t>	B03902015 </a:t>
             </a:r>
             <a:r>
               <a:rPr lang="zh-TW" altLang="en-US" dirty="0" smtClean="0"/>
@@ -3537,11 +3533,7 @@
             </a:r>
             <a:r>
               <a:rPr lang="en-US" altLang="zh-TW" dirty="0" smtClean="0"/>
-              <a:t>	</a:t>
-            </a:r>
-            <a:r>
-              <a:rPr lang="en-US" altLang="zh-TW" dirty="0" smtClean="0"/>
-              <a:t>B03902086 </a:t>
+              <a:t>	B03902086 </a:t>
             </a:r>
             <a:r>
               <a:rPr lang="zh-TW" altLang="en-US" dirty="0" smtClean="0"/>
@@ -3903,7 +3895,6 @@
               <a:rPr lang="en-US" altLang="zh-TW" dirty="0" smtClean="0"/>
               <a:t>clementi_op36_no6_mv1</a:t>
             </a:r>
-            <a:endParaRPr lang="en-US" altLang="zh-TW" dirty="0" smtClean="0"/>
           </a:p>
           <a:p>
             <a:r>
@@ -6034,6 +6025,39 @@
           </a:p>
         </p:txBody>
       </p:sp>
+      <p:pic>
+        <p:nvPicPr>
+          <p:cNvPr id="4" name="in0">
+            <a:hlinkClick r:id="" action="ppaction://media"/>
+          </p:cNvPr>
+          <p:cNvPicPr>
+            <a:picLocks noChangeAspect="1"/>
+          </p:cNvPicPr>
+          <p:nvPr>
+            <a:audioFile r:link="rId2"/>
+            <p:extLst>
+              <p:ext uri="{DAA4B4D4-6D71-4841-9C94-3DE7FCFB9230}">
+                <p14:media xmlns:p14="http://schemas.microsoft.com/office/powerpoint/2010/main" r:embed="rId1"/>
+              </p:ext>
+            </p:extLst>
+          </p:nvPr>
+        </p:nvPicPr>
+        <p:blipFill>
+          <a:blip r:embed="rId4"/>
+          <a:stretch>
+            <a:fillRect/>
+          </a:stretch>
+        </p:blipFill>
+        <p:spPr>
+          <a:xfrm>
+            <a:off x="5892800" y="3225800"/>
+            <a:ext cx="406400" cy="406400"/>
+          </a:xfrm>
+          <a:prstGeom prst="rect">
+            <a:avLst/>
+          </a:prstGeom>
+        </p:spPr>
+      </p:pic>
     </p:spTree>
     <p:extLst>
       <p:ext uri="{BB962C8B-B14F-4D97-AF65-F5344CB8AC3E}">
@@ -6047,7 +6071,87 @@
   <p:timing>
     <p:tnLst>
       <p:par>
-        <p:cTn id="1" dur="indefinite" restart="never" nodeType="tmRoot"/>
+        <p:cTn id="1" dur="indefinite" restart="never" nodeType="tmRoot">
+          <p:childTnLst>
+            <p:seq concurrent="1" nextAc="seek">
+              <p:cTn id="2" restart="whenNotActive" fill="hold" evtFilter="cancelBubble" nodeType="interactiveSeq">
+                <p:stCondLst>
+                  <p:cond evt="onClick" delay="0">
+                    <p:tgtEl>
+                      <p:spTgt spid="4"/>
+                    </p:tgtEl>
+                  </p:cond>
+                </p:stCondLst>
+                <p:endSync evt="end" delay="0">
+                  <p:rtn val="all"/>
+                </p:endSync>
+                <p:childTnLst>
+                  <p:par>
+                    <p:cTn id="3" fill="hold">
+                      <p:stCondLst>
+                        <p:cond delay="0"/>
+                      </p:stCondLst>
+                      <p:childTnLst>
+                        <p:par>
+                          <p:cTn id="4" fill="hold">
+                            <p:stCondLst>
+                              <p:cond delay="0"/>
+                            </p:stCondLst>
+                            <p:childTnLst>
+                              <p:par>
+                                <p:cTn id="5" presetID="1" presetClass="mediacall" presetSubtype="0" fill="hold" nodeType="clickEffect">
+                                  <p:stCondLst>
+                                    <p:cond delay="0"/>
+                                  </p:stCondLst>
+                                  <p:childTnLst>
+                                    <p:cmd type="call" cmd="playFrom(0.0)">
+                                      <p:cBhvr>
+                                        <p:cTn id="6" dur="5000" fill="hold"/>
+                                        <p:tgtEl>
+                                          <p:spTgt spid="4"/>
+                                        </p:tgtEl>
+                                      </p:cBhvr>
+                                    </p:cmd>
+                                  </p:childTnLst>
+                                </p:cTn>
+                              </p:par>
+                            </p:childTnLst>
+                          </p:cTn>
+                        </p:par>
+                      </p:childTnLst>
+                    </p:cTn>
+                  </p:par>
+                </p:childTnLst>
+              </p:cTn>
+              <p:nextCondLst>
+                <p:cond evt="onClick" delay="0">
+                  <p:tgtEl>
+                    <p:spTgt spid="4"/>
+                  </p:tgtEl>
+                </p:cond>
+              </p:nextCondLst>
+            </p:seq>
+            <p:audio>
+              <p:cMediaNode vol="80000">
+                <p:cTn id="7" fill="hold" display="0">
+                  <p:stCondLst>
+                    <p:cond delay="indefinite"/>
+                  </p:stCondLst>
+                  <p:endCondLst>
+                    <p:cond evt="onStopAudio" delay="0">
+                      <p:tgtEl>
+                        <p:sldTgt/>
+                      </p:tgtEl>
+                    </p:cond>
+                  </p:endCondLst>
+                </p:cTn>
+                <p:tgtEl>
+                  <p:spTgt spid="4"/>
+                </p:tgtEl>
+              </p:cMediaNode>
+            </p:audio>
+          </p:childTnLst>
+        </p:cTn>
       </p:par>
     </p:tnLst>
   </p:timing>

--- a/presentation.pptx
+++ b/presentation.pptx
@@ -12,8 +12,11 @@
     <p:sldId id="259" r:id="rId6"/>
     <p:sldId id="260" r:id="rId7"/>
     <p:sldId id="261" r:id="rId8"/>
-    <p:sldId id="263" r:id="rId9"/>
-    <p:sldId id="264" r:id="rId10"/>
+    <p:sldId id="265" r:id="rId9"/>
+    <p:sldId id="266" r:id="rId10"/>
+    <p:sldId id="267" r:id="rId11"/>
+    <p:sldId id="263" r:id="rId12"/>
+    <p:sldId id="264" r:id="rId13"/>
   </p:sldIdLst>
   <p:sldSz cx="12192000" cy="6858000"/>
   <p:notesSz cx="6858000" cy="9144000"/>
@@ -3563,6 +3566,254 @@
 </p:sld>
 </file>
 
+<file path=ppt/slides/slide10.xml><?xml version="1.0" encoding="utf-8"?>
+<p:sld xmlns:a="http://schemas.openxmlformats.org/drawingml/2006/main" xmlns:r="http://schemas.openxmlformats.org/officeDocument/2006/relationships" xmlns:p="http://schemas.openxmlformats.org/presentationml/2006/main">
+  <p:cSld>
+    <p:spTree>
+      <p:nvGrpSpPr>
+        <p:cNvPr id="1" name=""/>
+        <p:cNvGrpSpPr/>
+        <p:nvPr/>
+      </p:nvGrpSpPr>
+      <p:grpSpPr>
+        <a:xfrm>
+          <a:off x="0" y="0"/>
+          <a:ext cx="0" cy="0"/>
+          <a:chOff x="0" y="0"/>
+          <a:chExt cx="0" cy="0"/>
+        </a:xfrm>
+      </p:grpSpPr>
+      <p:sp>
+        <p:nvSpPr>
+          <p:cNvPr id="2" name="標題 1"/>
+          <p:cNvSpPr>
+            <a:spLocks noGrp="1"/>
+          </p:cNvSpPr>
+          <p:nvPr>
+            <p:ph type="title"/>
+          </p:nvPr>
+        </p:nvSpPr>
+        <p:spPr/>
+        <p:txBody>
+          <a:bodyPr/>
+          <a:lstStyle/>
+          <a:p>
+            <a:r>
+              <a:rPr lang="en-US" altLang="zh-TW" dirty="0" smtClean="0"/>
+              <a:t>A Remark</a:t>
+            </a:r>
+            <a:endParaRPr lang="zh-TW" altLang="en-US" dirty="0"/>
+          </a:p>
+        </p:txBody>
+      </p:sp>
+      <p:sp>
+        <p:nvSpPr>
+          <p:cNvPr id="3" name="內容版面配置區 2"/>
+          <p:cNvSpPr>
+            <a:spLocks noGrp="1"/>
+          </p:cNvSpPr>
+          <p:nvPr>
+            <p:ph idx="1"/>
+          </p:nvPr>
+        </p:nvSpPr>
+        <p:spPr/>
+        <p:txBody>
+          <a:bodyPr/>
+          <a:lstStyle/>
+          <a:p>
+            <a:r>
+              <a:rPr lang="en-US" altLang="zh-TW" dirty="0" smtClean="0"/>
+              <a:t>Our proposed model is good at connecting angles of a </a:t>
+            </a:r>
+            <a:r>
+              <a:rPr lang="en-US" altLang="zh-TW" dirty="0"/>
+              <a:t>melody line (voice </a:t>
+            </a:r>
+            <a:r>
+              <a:rPr lang="en-US" altLang="zh-TW" dirty="0" smtClean="0"/>
+              <a:t>leading), but rarely create angles. This is the effect of maximum likelihood.</a:t>
+            </a:r>
+          </a:p>
+          <a:p>
+            <a:r>
+              <a:rPr lang="en-US" altLang="zh-TW" dirty="0" smtClean="0"/>
+              <a:t>However, angles are often characteristics of a work, and are that how people remember a song.</a:t>
+            </a:r>
+            <a:endParaRPr lang="zh-TW" altLang="en-US" dirty="0"/>
+          </a:p>
+        </p:txBody>
+      </p:sp>
+    </p:spTree>
+    <p:extLst>
+      <p:ext uri="{BB962C8B-B14F-4D97-AF65-F5344CB8AC3E}">
+        <p14:creationId xmlns:p14="http://schemas.microsoft.com/office/powerpoint/2010/main" val="2314285815"/>
+      </p:ext>
+    </p:extLst>
+  </p:cSld>
+  <p:clrMapOvr>
+    <a:masterClrMapping/>
+  </p:clrMapOvr>
+</p:sld>
+</file>
+
+<file path=ppt/slides/slide11.xml><?xml version="1.0" encoding="utf-8"?>
+<p:sld xmlns:a="http://schemas.openxmlformats.org/drawingml/2006/main" xmlns:r="http://schemas.openxmlformats.org/officeDocument/2006/relationships" xmlns:p="http://schemas.openxmlformats.org/presentationml/2006/main">
+  <p:cSld>
+    <p:spTree>
+      <p:nvGrpSpPr>
+        <p:cNvPr id="1" name=""/>
+        <p:cNvGrpSpPr/>
+        <p:nvPr/>
+      </p:nvGrpSpPr>
+      <p:grpSpPr>
+        <a:xfrm>
+          <a:off x="0" y="0"/>
+          <a:ext cx="0" cy="0"/>
+          <a:chOff x="0" y="0"/>
+          <a:chExt cx="0" cy="0"/>
+        </a:xfrm>
+      </p:grpSpPr>
+      <p:sp>
+        <p:nvSpPr>
+          <p:cNvPr id="2" name="標題 1"/>
+          <p:cNvSpPr>
+            <a:spLocks noGrp="1"/>
+          </p:cNvSpPr>
+          <p:nvPr>
+            <p:ph type="title"/>
+          </p:nvPr>
+        </p:nvSpPr>
+        <p:spPr/>
+        <p:txBody>
+          <a:bodyPr/>
+          <a:lstStyle/>
+          <a:p>
+            <a:r>
+              <a:rPr lang="en-US" altLang="zh-TW" i="1" dirty="0" smtClean="0"/>
+              <a:t>Questions</a:t>
+            </a:r>
+            <a:endParaRPr lang="zh-TW" altLang="en-US" i="1" dirty="0"/>
+          </a:p>
+        </p:txBody>
+      </p:sp>
+      <p:sp>
+        <p:nvSpPr>
+          <p:cNvPr id="3" name="內容版面配置區 2"/>
+          <p:cNvSpPr>
+            <a:spLocks noGrp="1"/>
+          </p:cNvSpPr>
+          <p:nvPr>
+            <p:ph idx="1"/>
+          </p:nvPr>
+        </p:nvSpPr>
+        <p:spPr/>
+        <p:txBody>
+          <a:bodyPr/>
+          <a:lstStyle/>
+          <a:p>
+            <a:endParaRPr lang="zh-TW" altLang="en-US" dirty="0"/>
+          </a:p>
+        </p:txBody>
+      </p:sp>
+    </p:spTree>
+    <p:extLst>
+      <p:ext uri="{BB962C8B-B14F-4D97-AF65-F5344CB8AC3E}">
+        <p14:creationId xmlns:p14="http://schemas.microsoft.com/office/powerpoint/2010/main" val="2221333472"/>
+      </p:ext>
+    </p:extLst>
+  </p:cSld>
+  <p:clrMapOvr>
+    <a:masterClrMapping/>
+  </p:clrMapOvr>
+  <p:timing>
+    <p:tnLst>
+      <p:par>
+        <p:cTn id="1" dur="indefinite" restart="never" nodeType="tmRoot"/>
+      </p:par>
+    </p:tnLst>
+  </p:timing>
+</p:sld>
+</file>
+
+<file path=ppt/slides/slide12.xml><?xml version="1.0" encoding="utf-8"?>
+<p:sld xmlns:a="http://schemas.openxmlformats.org/drawingml/2006/main" xmlns:r="http://schemas.openxmlformats.org/officeDocument/2006/relationships" xmlns:p="http://schemas.openxmlformats.org/presentationml/2006/main">
+  <p:cSld>
+    <p:spTree>
+      <p:nvGrpSpPr>
+        <p:cNvPr id="1" name=""/>
+        <p:cNvGrpSpPr/>
+        <p:nvPr/>
+      </p:nvGrpSpPr>
+      <p:grpSpPr>
+        <a:xfrm>
+          <a:off x="0" y="0"/>
+          <a:ext cx="0" cy="0"/>
+          <a:chOff x="0" y="0"/>
+          <a:chExt cx="0" cy="0"/>
+        </a:xfrm>
+      </p:grpSpPr>
+      <p:sp>
+        <p:nvSpPr>
+          <p:cNvPr id="4" name="標題 3"/>
+          <p:cNvSpPr>
+            <a:spLocks noGrp="1"/>
+          </p:cNvSpPr>
+          <p:nvPr>
+            <p:ph type="ctrTitle"/>
+          </p:nvPr>
+        </p:nvSpPr>
+        <p:spPr/>
+        <p:txBody>
+          <a:bodyPr/>
+          <a:lstStyle/>
+          <a:p>
+            <a:r>
+              <a:rPr lang="en-US" altLang="zh-TW" i="1" dirty="0" smtClean="0"/>
+              <a:t>Thank You</a:t>
+            </a:r>
+            <a:endParaRPr lang="zh-TW" altLang="en-US" i="1" dirty="0"/>
+          </a:p>
+        </p:txBody>
+      </p:sp>
+      <p:sp>
+        <p:nvSpPr>
+          <p:cNvPr id="5" name="副標題 4"/>
+          <p:cNvSpPr>
+            <a:spLocks noGrp="1"/>
+          </p:cNvSpPr>
+          <p:nvPr>
+            <p:ph type="subTitle" idx="1"/>
+          </p:nvPr>
+        </p:nvSpPr>
+        <p:spPr/>
+        <p:txBody>
+          <a:bodyPr/>
+          <a:lstStyle/>
+          <a:p>
+            <a:endParaRPr lang="zh-TW" altLang="en-US"/>
+          </a:p>
+        </p:txBody>
+      </p:sp>
+    </p:spTree>
+    <p:extLst>
+      <p:ext uri="{BB962C8B-B14F-4D97-AF65-F5344CB8AC3E}">
+        <p14:creationId xmlns:p14="http://schemas.microsoft.com/office/powerpoint/2010/main" val="1151059677"/>
+      </p:ext>
+    </p:extLst>
+  </p:cSld>
+  <p:clrMapOvr>
+    <a:masterClrMapping/>
+  </p:clrMapOvr>
+  <p:timing>
+    <p:tnLst>
+      <p:par>
+        <p:cTn id="1" dur="indefinite" restart="never" nodeType="tmRoot"/>
+      </p:par>
+    </p:tnLst>
+  </p:timing>
+</p:sld>
+</file>
+
 <file path=ppt/slides/slide2.xml><?xml version="1.0" encoding="utf-8"?>
 <p:sld xmlns:a="http://schemas.openxmlformats.org/drawingml/2006/main" xmlns:r="http://schemas.openxmlformats.org/officeDocument/2006/relationships" xmlns:p="http://schemas.openxmlformats.org/presentationml/2006/main">
   <p:cSld>
@@ -3776,11 +4027,20 @@
           <a:p>
             <a:r>
               <a:rPr lang="en-US" altLang="zh-TW" dirty="0" smtClean="0"/>
-              <a:t>Assign values (output) to variables in a 2-by-N grid MRF, given some variables (input) fixed</a:t>
-            </a:r>
-          </a:p>
-          <a:p>
-            <a:endParaRPr lang="zh-TW" altLang="en-US" dirty="0"/>
+              <a:t>Assign values (output) to variables in a 2-by-N grid MRF, given some variables (input) </a:t>
+            </a:r>
+            <a:r>
+              <a:rPr lang="en-US" altLang="zh-TW" dirty="0" smtClean="0"/>
+              <a:t>fixed</a:t>
+            </a:r>
+            <a:endParaRPr lang="en-US" altLang="zh-TW" dirty="0"/>
+          </a:p>
+          <a:p>
+            <a:r>
+              <a:rPr lang="en-US" altLang="zh-TW" dirty="0" smtClean="0"/>
+              <a:t>Define “unit”</a:t>
+            </a:r>
+            <a:endParaRPr lang="en-US" altLang="zh-TW" dirty="0" smtClean="0"/>
           </a:p>
         </p:txBody>
       </p:sp>
@@ -3800,7 +4060,7 @@
         </p:blipFill>
         <p:spPr>
           <a:xfrm>
-            <a:off x="1261872" y="2957245"/>
+            <a:off x="1261872" y="3020307"/>
             <a:ext cx="5514975" cy="1114425"/>
           </a:xfrm>
           <a:prstGeom prst="rect">
@@ -3885,48 +4145,77 @@
           <a:p>
             <a:r>
               <a:rPr lang="en-US" altLang="zh-TW" dirty="0" smtClean="0"/>
-              <a:t>clementi_op36_no1_mv1 </a:t>
+              <a:t>C</a:t>
+            </a:r>
+            <a:r>
+              <a:rPr lang="en-US" altLang="zh-TW" dirty="0" smtClean="0"/>
+              <a:t>lementi op36</a:t>
+            </a:r>
+            <a:endParaRPr lang="en-US" altLang="zh-TW" dirty="0" smtClean="0"/>
+          </a:p>
+          <a:p>
+            <a:r>
+              <a:rPr lang="en-US" altLang="zh-TW" dirty="0" smtClean="0"/>
+              <a:t>imslp.org/wiki/12_Sonatinas</a:t>
             </a:r>
             <a:r>
               <a:rPr lang="en-US" altLang="zh-TW" dirty="0"/>
-              <a:t>to </a:t>
+              <a:t>_(Clementi,_</a:t>
+            </a:r>
+            <a:r>
+              <a:rPr lang="en-US" altLang="zh-TW" dirty="0" err="1"/>
+              <a:t>Muzio</a:t>
             </a:r>
             <a:r>
               <a:rPr lang="en-US" altLang="zh-TW" dirty="0" smtClean="0"/>
-              <a:t>clementi_op36_no6_mv1</a:t>
-            </a:r>
-          </a:p>
-          <a:p>
-            <a:r>
-              <a:rPr lang="en-US" altLang="zh-TW" dirty="0"/>
-              <a:t>IMSLP400313-PMLP648020-Clementi_-_</a:t>
-            </a:r>
+              <a:t>)</a:t>
+            </a:r>
+          </a:p>
+          <a:p>
+            <a:endParaRPr lang="en-US" altLang="zh-TW" dirty="0"/>
+          </a:p>
+          <a:p>
+            <a:endParaRPr lang="en-US" altLang="zh-TW" dirty="0" smtClean="0"/>
+          </a:p>
+          <a:p>
+            <a:endParaRPr lang="en-US" altLang="zh-TW" dirty="0"/>
+          </a:p>
+          <a:p>
+            <a:endParaRPr lang="en-US" altLang="zh-TW" dirty="0" smtClean="0"/>
+          </a:p>
+          <a:p>
             <a:r>
               <a:rPr lang="en-US" altLang="zh-TW" dirty="0" smtClean="0"/>
-              <a:t>Sonatinas</a:t>
-            </a:r>
-            <a:endParaRPr lang="zh-TW" altLang="en-US" dirty="0"/>
+              <a:t>Each line in the text file is a unit.</a:t>
+            </a:r>
+            <a:endParaRPr lang="en-US" altLang="zh-TW" dirty="0"/>
           </a:p>
         </p:txBody>
       </p:sp>
       <p:pic>
         <p:nvPicPr>
-          <p:cNvPr id="6" name="圖片 5"/>
+          <p:cNvPr id="4" name="圖片 3"/>
           <p:cNvPicPr>
             <a:picLocks noChangeAspect="1"/>
           </p:cNvPicPr>
           <p:nvPr/>
         </p:nvPicPr>
         <p:blipFill>
-          <a:blip r:embed="rId2"/>
+          <a:blip r:embed="rId2">
+            <a:extLst>
+              <a:ext uri="{28A0092B-C50C-407E-A947-70E740481C1C}">
+                <a14:useLocalDpi xmlns:a14="http://schemas.microsoft.com/office/drawing/2010/main" val="0"/>
+              </a:ext>
+            </a:extLst>
+          </a:blip>
           <a:stretch>
             <a:fillRect/>
           </a:stretch>
         </p:blipFill>
         <p:spPr>
           <a:xfrm>
-            <a:off x="501777" y="2729536"/>
-            <a:ext cx="10115550" cy="4048125"/>
+            <a:off x="620111" y="2854735"/>
+            <a:ext cx="10155726" cy="1542521"/>
           </a:xfrm>
           <a:prstGeom prst="rect">
             <a:avLst/>
@@ -3993,8 +4282,8 @@
           </a:p>
         </p:txBody>
       </p:sp>
-      <mc:AlternateContent xmlns:mc="http://schemas.openxmlformats.org/markup-compatibility/2006" xmlns:a14="http://schemas.microsoft.com/office/drawing/2010/main">
-        <mc:Choice Requires="a14">
+      <mc:AlternateContent xmlns:mc="http://schemas.openxmlformats.org/markup-compatibility/2006">
+        <mc:Choice xmlns:a14="http://schemas.microsoft.com/office/drawing/2010/main" Requires="a14">
           <p:sp>
             <p:nvSpPr>
               <p:cNvPr id="3" name="內容版面配置區 2"/>
@@ -5382,6 +5671,14 @@
                     </m:nary>
                   </m:oMath>
                 </a14:m>
+                <a:r>
+                  <a:rPr lang="en-US" altLang="zh-TW" dirty="0" smtClean="0">
+                    <a:solidFill>
+                      <a:schemeClr val="tx1"/>
+                    </a:solidFill>
+                  </a:rPr>
+                  <a:t>, a paradox and a complement</a:t>
+                </a:r>
                 <a:endParaRPr lang="en-US" altLang="zh-TW" dirty="0" smtClean="0">
                   <a:solidFill>
                     <a:schemeClr val="tx1"/>
@@ -5404,15 +5701,19 @@
                 </a:pPr>
                 <a:r>
                   <a:rPr lang="en-US" altLang="zh-TW" dirty="0" smtClean="0"/>
-                  <a:t>Note that all probabilities are based </a:t>
-                </a:r>
-                <a:r>
-                  <a:rPr lang="en-US" altLang="zh-TW" dirty="0"/>
-                  <a:t>on regularize </a:t>
+                  <a:t>A</a:t>
                 </a:r>
                 <a:r>
                   <a:rPr lang="en-US" altLang="zh-TW" dirty="0" smtClean="0"/>
-                  <a:t>counts</a:t>
+                  <a:t>ll </a:t>
+                </a:r>
+                <a:r>
+                  <a:rPr lang="en-US" altLang="zh-TW" dirty="0" smtClean="0"/>
+                  <a:t>probabilities </a:t>
+                </a:r>
+                <a:r>
+                  <a:rPr lang="en-US" altLang="zh-TW" dirty="0" smtClean="0"/>
+                  <a:t>comes from fractional counts.</a:t>
                 </a:r>
                 <a:endParaRPr lang="en-US" altLang="zh-TW" dirty="0"/>
               </a:p>
@@ -5484,7 +5785,7 @@
             </p:txBody>
           </p:sp>
         </mc:Choice>
-        <mc:Fallback xmlns="">
+        <mc:Fallback>
           <p:sp>
             <p:nvSpPr>
               <p:cNvPr id="3" name="內容版面配置區 2"/>
@@ -5602,315 +5903,114 @@
           </a:p>
         </p:txBody>
       </p:sp>
-      <mc:AlternateContent xmlns:mc="http://schemas.openxmlformats.org/markup-compatibility/2006" xmlns:a14="http://schemas.microsoft.com/office/drawing/2010/main">
-        <mc:Choice Requires="a14">
-          <p:sp>
-            <p:nvSpPr>
-              <p:cNvPr id="3" name="內容版面配置區 2"/>
-              <p:cNvSpPr>
-                <a:spLocks noGrp="1"/>
-              </p:cNvSpPr>
-              <p:nvPr>
-                <p:ph idx="1"/>
-              </p:nvPr>
-            </p:nvSpPr>
-            <p:spPr/>
-            <p:txBody>
-              <a:bodyPr>
-                <a:normAutofit/>
-              </a:bodyPr>
-              <a:lstStyle/>
-              <a:p>
-                <a:endParaRPr lang="en-US" altLang="zh-TW" dirty="0" smtClean="0"/>
-              </a:p>
-              <a:p>
-                <a:endParaRPr lang="en-US" altLang="zh-TW" dirty="0"/>
-              </a:p>
-              <a:p>
-                <a:endParaRPr lang="en-US" altLang="zh-TW" dirty="0" smtClean="0"/>
-              </a:p>
-              <a:p>
-                <a:endParaRPr lang="en-US" altLang="zh-TW" dirty="0"/>
-              </a:p>
-              <a:p>
-                <a:pPr marL="0" indent="0">
-                  <a:buNone/>
-                </a:pPr>
-                <a:endParaRPr lang="en-US" altLang="zh-TW" dirty="0" smtClean="0"/>
-              </a:p>
-              <a:p>
-                <a:r>
-                  <a:rPr lang="en-US" altLang="zh-TW" dirty="0" smtClean="0"/>
-                  <a:t>Melody Node: </a:t>
-                </a:r>
-                <a14:m>
-                  <m:oMath xmlns:m="http://schemas.openxmlformats.org/officeDocument/2006/math">
-                    <m:sSup>
-                      <m:sSupPr>
-                        <m:ctrlPr>
-                          <a:rPr lang="en-US" altLang="zh-TW" b="0" i="1" smtClean="0">
-                            <a:latin typeface="Cambria Math" panose="02040503050406030204" pitchFamily="18" charset="0"/>
-                          </a:rPr>
-                        </m:ctrlPr>
-                      </m:sSupPr>
-                      <m:e>
-                        <m:r>
-                          <a:rPr lang="en-US" altLang="zh-TW" b="0" i="1" smtClean="0">
-                            <a:latin typeface="Cambria Math" panose="02040503050406030204" pitchFamily="18" charset="0"/>
-                          </a:rPr>
-                          <m:t>𝑁</m:t>
-                        </m:r>
-                      </m:e>
-                      <m:sup>
-                        <m:r>
-                          <a:rPr lang="en-US" altLang="zh-TW" b="0" i="1" smtClean="0">
-                            <a:latin typeface="Cambria Math" panose="02040503050406030204" pitchFamily="18" charset="0"/>
-                          </a:rPr>
-                          <m:t>4</m:t>
-                        </m:r>
-                      </m:sup>
-                    </m:sSup>
-                  </m:oMath>
-                </a14:m>
-                <a:r>
-                  <a:rPr lang="en-US" altLang="zh-TW" dirty="0" smtClean="0"/>
-                  <a:t> different values, where </a:t>
-                </a:r>
-                <a14:m>
-                  <m:oMath xmlns:m="http://schemas.openxmlformats.org/officeDocument/2006/math">
-                    <m:r>
-                      <a:rPr lang="en-US" altLang="zh-TW" i="1">
-                        <a:latin typeface="Cambria Math" panose="02040503050406030204" pitchFamily="18" charset="0"/>
-                      </a:rPr>
-                      <m:t>𝑁</m:t>
-                    </m:r>
-                  </m:oMath>
-                </a14:m>
-                <a:r>
-                  <a:rPr lang="en-US" altLang="zh-TW" dirty="0" smtClean="0"/>
-                  <a:t> is the range of the melody</a:t>
-                </a:r>
-              </a:p>
-              <a:p>
-                <a:r>
-                  <a:rPr lang="en-US" altLang="zh-TW" dirty="0" smtClean="0"/>
-                  <a:t>Chord Node: </a:t>
-                </a:r>
-                <a14:m>
-                  <m:oMath xmlns:m="http://schemas.openxmlformats.org/officeDocument/2006/math">
-                    <m:r>
-                      <a:rPr lang="en-US" altLang="zh-TW" b="0" i="1" smtClean="0">
-                        <a:latin typeface="Cambria Math" panose="02040503050406030204" pitchFamily="18" charset="0"/>
-                      </a:rPr>
-                      <m:t>5</m:t>
-                    </m:r>
-                  </m:oMath>
-                </a14:m>
-                <a:r>
-                  <a:rPr lang="en-US" altLang="zh-TW" dirty="0" smtClean="0"/>
-                  <a:t> different values (</a:t>
-                </a:r>
-                <a14:m>
-                  <m:oMath xmlns:m="http://schemas.openxmlformats.org/officeDocument/2006/math">
-                    <m:r>
-                      <a:rPr lang="en-US" altLang="zh-TW" b="0" i="1" smtClean="0">
-                        <a:latin typeface="Cambria Math" panose="02040503050406030204" pitchFamily="18" charset="0"/>
-                      </a:rPr>
-                      <m:t>𝐶</m:t>
-                    </m:r>
-                  </m:oMath>
-                </a14:m>
-                <a:r>
-                  <a:rPr lang="en-US" altLang="zh-TW" dirty="0" smtClean="0"/>
-                  <a:t>, </a:t>
-                </a:r>
-                <a14:m>
-                  <m:oMath xmlns:m="http://schemas.openxmlformats.org/officeDocument/2006/math">
-                    <m:sSub>
-                      <m:sSubPr>
-                        <m:ctrlPr>
-                          <a:rPr lang="en-US" altLang="zh-TW" b="0" i="1" smtClean="0">
-                            <a:latin typeface="Cambria Math" panose="02040503050406030204" pitchFamily="18" charset="0"/>
-                          </a:rPr>
-                        </m:ctrlPr>
-                      </m:sSubPr>
-                      <m:e>
-                        <m:r>
-                          <a:rPr lang="en-US" altLang="zh-TW" b="0" i="1" smtClean="0">
-                            <a:latin typeface="Cambria Math" panose="02040503050406030204" pitchFamily="18" charset="0"/>
-                          </a:rPr>
-                          <m:t>𝐷</m:t>
-                        </m:r>
-                      </m:e>
-                      <m:sub>
-                        <m:r>
-                          <a:rPr lang="en-US" altLang="zh-TW" b="0" i="1" smtClean="0">
-                            <a:latin typeface="Cambria Math" panose="02040503050406030204" pitchFamily="18" charset="0"/>
-                          </a:rPr>
-                          <m:t>𝑚</m:t>
-                        </m:r>
-                      </m:sub>
-                    </m:sSub>
-                  </m:oMath>
-                </a14:m>
-                <a:r>
-                  <a:rPr lang="en-US" altLang="zh-TW" dirty="0" smtClean="0"/>
-                  <a:t>, </a:t>
-                </a:r>
-                <a14:m>
-                  <m:oMath xmlns:m="http://schemas.openxmlformats.org/officeDocument/2006/math">
-                    <m:r>
-                      <a:rPr lang="en-US" altLang="zh-TW" b="0" i="1" smtClean="0">
-                        <a:latin typeface="Cambria Math" panose="02040503050406030204" pitchFamily="18" charset="0"/>
-                      </a:rPr>
-                      <m:t>𝐹</m:t>
-                    </m:r>
-                  </m:oMath>
-                </a14:m>
-                <a:r>
-                  <a:rPr lang="en-US" altLang="zh-TW" dirty="0" smtClean="0"/>
-                  <a:t>, </a:t>
-                </a:r>
-                <a14:m>
-                  <m:oMath xmlns:m="http://schemas.openxmlformats.org/officeDocument/2006/math">
-                    <m:r>
-                      <a:rPr lang="en-US" altLang="zh-TW" b="0" i="1" smtClean="0">
-                        <a:latin typeface="Cambria Math" panose="02040503050406030204" pitchFamily="18" charset="0"/>
-                      </a:rPr>
-                      <m:t>𝐺</m:t>
-                    </m:r>
-                  </m:oMath>
-                </a14:m>
-                <a:r>
-                  <a:rPr lang="en-US" altLang="zh-TW" dirty="0" smtClean="0"/>
-                  <a:t>, </a:t>
-                </a:r>
-                <a14:m>
-                  <m:oMath xmlns:m="http://schemas.openxmlformats.org/officeDocument/2006/math">
-                    <m:sSub>
-                      <m:sSubPr>
-                        <m:ctrlPr>
-                          <a:rPr lang="en-US" altLang="zh-TW" b="0" i="1" smtClean="0">
-                            <a:latin typeface="Cambria Math" panose="02040503050406030204" pitchFamily="18" charset="0"/>
-                          </a:rPr>
-                        </m:ctrlPr>
-                      </m:sSubPr>
-                      <m:e>
-                        <m:r>
-                          <a:rPr lang="en-US" altLang="zh-TW" b="0" i="1" smtClean="0">
-                            <a:latin typeface="Cambria Math" panose="02040503050406030204" pitchFamily="18" charset="0"/>
-                          </a:rPr>
-                          <m:t>𝐴</m:t>
-                        </m:r>
-                      </m:e>
-                      <m:sub>
-                        <m:r>
-                          <a:rPr lang="en-US" altLang="zh-TW" b="0" i="1" smtClean="0">
-                            <a:latin typeface="Cambria Math" panose="02040503050406030204" pitchFamily="18" charset="0"/>
-                          </a:rPr>
-                          <m:t>𝑚</m:t>
-                        </m:r>
-                      </m:sub>
-                    </m:sSub>
-                  </m:oMath>
-                </a14:m>
-                <a:r>
-                  <a:rPr lang="en-US" altLang="zh-TW" dirty="0" smtClean="0"/>
-                  <a:t>)</a:t>
-                </a:r>
-              </a:p>
-              <a:p>
-                <a:r>
-                  <a:rPr lang="en-US" altLang="zh-TW" dirty="0" smtClean="0"/>
-                  <a:t>New Node: </a:t>
-                </a:r>
-                <a14:m>
-                  <m:oMath xmlns:m="http://schemas.openxmlformats.org/officeDocument/2006/math">
-                    <m:r>
-                      <a:rPr lang="en-US" altLang="zh-TW" b="0" i="1" smtClean="0">
-                        <a:latin typeface="Cambria Math" panose="02040503050406030204" pitchFamily="18" charset="0"/>
-                      </a:rPr>
-                      <m:t>5</m:t>
-                    </m:r>
-                    <m:sSup>
-                      <m:sSupPr>
-                        <m:ctrlPr>
-                          <a:rPr lang="en-US" altLang="zh-TW" b="0" i="1" smtClean="0">
-                            <a:latin typeface="Cambria Math" panose="02040503050406030204" pitchFamily="18" charset="0"/>
-                          </a:rPr>
-                        </m:ctrlPr>
-                      </m:sSupPr>
-                      <m:e>
-                        <m:r>
-                          <a:rPr lang="en-US" altLang="zh-TW" b="0" i="1" smtClean="0">
-                            <a:latin typeface="Cambria Math" panose="02040503050406030204" pitchFamily="18" charset="0"/>
-                          </a:rPr>
-                          <m:t>𝑁</m:t>
-                        </m:r>
-                      </m:e>
-                      <m:sup>
-                        <m:r>
-                          <a:rPr lang="en-US" altLang="zh-TW" b="0" i="1" smtClean="0">
-                            <a:latin typeface="Cambria Math" panose="02040503050406030204" pitchFamily="18" charset="0"/>
-                          </a:rPr>
-                          <m:t>4</m:t>
-                        </m:r>
-                      </m:sup>
-                    </m:sSup>
-                  </m:oMath>
-                </a14:m>
-                <a:r>
-                  <a:rPr lang="en-US" altLang="zh-TW" dirty="0" smtClean="0"/>
-                  <a:t> different values</a:t>
-                </a:r>
-              </a:p>
-              <a:p>
-                <a:pPr marL="0" indent="0">
-                  <a:buNone/>
-                </a:pPr>
-                <a:r>
-                  <a:rPr lang="en-US" altLang="zh-TW" dirty="0" smtClean="0"/>
-                  <a:t>The converted graph can be solved using dynamic-programming</a:t>
-                </a:r>
-                <a:endParaRPr lang="zh-TW" altLang="en-US" dirty="0"/>
-              </a:p>
-            </p:txBody>
-          </p:sp>
-        </mc:Choice>
-        <mc:Fallback xmlns="">
-          <p:sp>
-            <p:nvSpPr>
-              <p:cNvPr id="3" name="內容版面配置區 2"/>
-              <p:cNvSpPr>
-                <a:spLocks noGrp="1" noRot="1" noChangeAspect="1" noMove="1" noResize="1" noEditPoints="1" noAdjustHandles="1" noChangeArrowheads="1" noChangeShapeType="1" noTextEdit="1"/>
-              </p:cNvSpPr>
-              <p:nvPr>
-                <p:ph idx="1"/>
-              </p:nvPr>
-            </p:nvSpPr>
-            <p:spPr>
-              <a:blipFill rotWithShape="0">
-                <a:blip r:embed="rId2"/>
-                <a:stretch>
-                  <a:fillRect l="-567"/>
-                </a:stretch>
-              </a:blipFill>
-            </p:spPr>
-            <p:txBody>
-              <a:bodyPr/>
-              <a:lstStyle/>
-              <a:p>
-                <a:r>
-                  <a:rPr lang="zh-TW" altLang="en-US">
-                    <a:noFill/>
-                  </a:rPr>
-                  <a:t> </a:t>
-                </a:r>
-              </a:p>
-            </p:txBody>
-          </p:sp>
-        </mc:Fallback>
-      </mc:AlternateContent>
+      <p:sp>
+        <p:nvSpPr>
+          <p:cNvPr id="3" name="內容版面配置區 2"/>
+          <p:cNvSpPr>
+            <a:spLocks noGrp="1"/>
+          </p:cNvSpPr>
+          <p:nvPr>
+            <p:ph idx="1"/>
+          </p:nvPr>
+        </p:nvSpPr>
+        <p:spPr>
+          <a:xfrm>
+            <a:off x="1261872" y="1828800"/>
+            <a:ext cx="8595360" cy="4887310"/>
+          </a:xfrm>
+        </p:spPr>
+        <p:txBody>
+          <a:bodyPr>
+            <a:normAutofit/>
+          </a:bodyPr>
+          <a:lstStyle/>
+          <a:p>
+            <a:endParaRPr lang="en-US" altLang="zh-TW" dirty="0" smtClean="0"/>
+          </a:p>
+          <a:p>
+            <a:endParaRPr lang="en-US" altLang="zh-TW" dirty="0"/>
+          </a:p>
+          <a:p>
+            <a:endParaRPr lang="en-US" altLang="zh-TW" dirty="0" smtClean="0"/>
+          </a:p>
+          <a:p>
+            <a:endParaRPr lang="en-US" altLang="zh-TW" dirty="0"/>
+          </a:p>
+          <a:p>
+            <a:pPr marL="0" indent="0">
+              <a:buNone/>
+            </a:pPr>
+            <a:endParaRPr lang="en-US" altLang="zh-TW" dirty="0" smtClean="0"/>
+          </a:p>
+          <a:p>
+            <a:r>
+              <a:rPr lang="en-US" altLang="zh-TW" dirty="0"/>
+              <a:t>D</a:t>
+            </a:r>
+            <a:r>
+              <a:rPr lang="en-US" altLang="zh-TW" dirty="0" smtClean="0"/>
+              <a:t>omain </a:t>
+            </a:r>
+            <a:r>
+              <a:rPr lang="en-US" altLang="zh-TW" dirty="0"/>
+              <a:t>of converted </a:t>
+            </a:r>
+            <a:r>
+              <a:rPr lang="en-US" altLang="zh-TW" dirty="0" smtClean="0"/>
+              <a:t>node is M</a:t>
+            </a:r>
+            <a:r>
+              <a:rPr lang="zh-TW" altLang="en-US" dirty="0" smtClean="0"/>
+              <a:t> </a:t>
+            </a:r>
+            <a:r>
+              <a:rPr lang="en-US" altLang="zh-TW" dirty="0"/>
+              <a:t>× </a:t>
+            </a:r>
+            <a:r>
+              <a:rPr lang="en-US" altLang="zh-TW" dirty="0" smtClean="0"/>
+              <a:t>C </a:t>
+            </a:r>
+            <a:r>
+              <a:rPr lang="en-US" altLang="zh-TW" dirty="0" smtClean="0"/>
+              <a:t>where M is the domain of melody node and C the domain of chord node.</a:t>
+            </a:r>
+          </a:p>
+          <a:p>
+            <a:r>
+              <a:rPr lang="en-US" altLang="zh-TW" dirty="0" smtClean="0"/>
+              <a:t>Use variable elimination with dynamic programming to do Viterbi on the converted MRF.</a:t>
+            </a:r>
+          </a:p>
+          <a:p>
+            <a:r>
+              <a:rPr lang="en-US" altLang="zh-TW" dirty="0" smtClean="0"/>
+              <a:t>Time complexity: O(</a:t>
+            </a:r>
+            <a:r>
+              <a:rPr lang="en-US" altLang="zh-TW" dirty="0" smtClean="0"/>
+              <a:t>|M|</a:t>
+            </a:r>
+            <a:r>
+              <a:rPr lang="en-US" altLang="zh-TW" baseline="30000" dirty="0" smtClean="0"/>
+              <a:t>2</a:t>
+            </a:r>
+            <a:r>
+              <a:rPr lang="en-US" altLang="zh-TW" dirty="0" smtClean="0"/>
+              <a:t>|C|</a:t>
+            </a:r>
+            <a:r>
+              <a:rPr lang="en-US" altLang="zh-TW" baseline="30000" dirty="0" smtClean="0"/>
+              <a:t>2 </a:t>
+            </a:r>
+            <a:r>
+              <a:rPr lang="en-US" altLang="zh-TW" dirty="0" smtClean="0"/>
+              <a:t>L) where L is #unit.</a:t>
+            </a:r>
+            <a:endParaRPr lang="zh-TW" altLang="en-US" dirty="0"/>
+          </a:p>
+        </p:txBody>
+      </p:sp>
       <p:pic>
         <p:nvPicPr>
           <p:cNvPr id="5" name="圖片 4"/>
@@ -5920,7 +6020,7 @@
           <p:nvPr/>
         </p:nvPicPr>
         <p:blipFill>
-          <a:blip r:embed="rId3"/>
+          <a:blip r:embed="rId2"/>
           <a:stretch>
             <a:fillRect/>
           </a:stretch>
@@ -5995,39 +6095,421 @@
           </a:p>
         </p:txBody>
       </p:sp>
+      <p:pic>
+        <p:nvPicPr>
+          <p:cNvPr id="5" name="內容版面配置區 4"/>
+          <p:cNvPicPr>
+            <a:picLocks noGrp="1" noChangeAspect="1"/>
+          </p:cNvPicPr>
+          <p:nvPr>
+            <p:ph idx="1"/>
+          </p:nvPr>
+        </p:nvPicPr>
+        <p:blipFill>
+          <a:blip r:embed="rId8">
+            <a:extLst>
+              <a:ext uri="{28A0092B-C50C-407E-A947-70E740481C1C}">
+                <a14:useLocalDpi xmlns:a14="http://schemas.microsoft.com/office/drawing/2010/main" val="0"/>
+              </a:ext>
+            </a:extLst>
+          </a:blip>
+          <a:stretch>
+            <a:fillRect/>
+          </a:stretch>
+        </p:blipFill>
+        <p:spPr>
+          <a:xfrm>
+            <a:off x="5360904" y="1691322"/>
+            <a:ext cx="3933825" cy="971550"/>
+          </a:xfrm>
+        </p:spPr>
+      </p:pic>
       <p:sp>
         <p:nvSpPr>
-          <p:cNvPr id="3" name="內容版面配置區 2"/>
-          <p:cNvSpPr>
-            <a:spLocks noGrp="1"/>
+          <p:cNvPr id="6" name="內容版面配置區 2"/>
+          <p:cNvSpPr txBox="1">
+            <a:spLocks/>
           </p:cNvSpPr>
-          <p:nvPr>
-            <p:ph idx="1"/>
-          </p:nvPr>
+          <p:nvPr/>
         </p:nvSpPr>
-        <p:spPr/>
+        <p:spPr>
+          <a:xfrm>
+            <a:off x="1261872" y="1828800"/>
+            <a:ext cx="8595360" cy="4887310"/>
+          </a:xfrm>
+          <a:prstGeom prst="rect">
+            <a:avLst/>
+          </a:prstGeom>
+        </p:spPr>
         <p:txBody>
-          <a:bodyPr/>
-          <a:lstStyle/>
+          <a:bodyPr vert="horz" lIns="91440" tIns="45720" rIns="91440" bIns="45720" rtlCol="0">
+            <a:normAutofit/>
+          </a:bodyPr>
+          <a:lstStyle>
+            <a:lvl1pPr marL="182880" indent="-182880" algn="l" defTabSz="914400" rtl="0" eaLnBrk="1" latinLnBrk="0" hangingPunct="1">
+              <a:lnSpc>
+                <a:spcPct val="95000"/>
+              </a:lnSpc>
+              <a:spcBef>
+                <a:spcPts val="1400"/>
+              </a:spcBef>
+              <a:spcAft>
+                <a:spcPts val="200"/>
+              </a:spcAft>
+              <a:buClr>
+                <a:schemeClr val="accent1"/>
+              </a:buClr>
+              <a:buSzPct val="80000"/>
+              <a:buFont typeface="Arial" pitchFamily="34" charset="0"/>
+              <a:buChar char="•"/>
+              <a:defRPr sz="1800" kern="1200" spc="10" baseline="0">
+                <a:solidFill>
+                  <a:schemeClr val="tx1"/>
+                </a:solidFill>
+                <a:latin typeface="+mn-lt"/>
+                <a:ea typeface="+mn-ea"/>
+                <a:cs typeface="+mn-cs"/>
+              </a:defRPr>
+            </a:lvl1pPr>
+            <a:lvl2pPr marL="457200" indent="-182880" algn="l" defTabSz="914400" rtl="0" eaLnBrk="1" latinLnBrk="0" hangingPunct="1">
+              <a:lnSpc>
+                <a:spcPct val="90000"/>
+              </a:lnSpc>
+              <a:spcBef>
+                <a:spcPts val="300"/>
+              </a:spcBef>
+              <a:spcAft>
+                <a:spcPts val="300"/>
+              </a:spcAft>
+              <a:buClr>
+                <a:schemeClr val="accent1"/>
+              </a:buClr>
+              <a:buFont typeface="Wingdings 2" pitchFamily="18" charset="2"/>
+              <a:buChar char=""/>
+              <a:defRPr sz="1600" kern="1200">
+                <a:solidFill>
+                  <a:schemeClr val="tx1">
+                    <a:lumMod val="85000"/>
+                    <a:lumOff val="15000"/>
+                  </a:schemeClr>
+                </a:solidFill>
+                <a:latin typeface="+mn-lt"/>
+                <a:ea typeface="+mn-ea"/>
+                <a:cs typeface="+mn-cs"/>
+              </a:defRPr>
+            </a:lvl2pPr>
+            <a:lvl3pPr marL="731520" indent="-182880" algn="l" defTabSz="914400" rtl="0" eaLnBrk="1" latinLnBrk="0" hangingPunct="1">
+              <a:lnSpc>
+                <a:spcPct val="90000"/>
+              </a:lnSpc>
+              <a:spcBef>
+                <a:spcPts val="300"/>
+              </a:spcBef>
+              <a:spcAft>
+                <a:spcPts val="300"/>
+              </a:spcAft>
+              <a:buClr>
+                <a:schemeClr val="accent1"/>
+              </a:buClr>
+              <a:buFont typeface="Wingdings 2" pitchFamily="18" charset="2"/>
+              <a:buChar char=""/>
+              <a:defRPr sz="1400" kern="1200">
+                <a:solidFill>
+                  <a:schemeClr val="tx1">
+                    <a:lumMod val="85000"/>
+                    <a:lumOff val="15000"/>
+                  </a:schemeClr>
+                </a:solidFill>
+                <a:latin typeface="+mn-lt"/>
+                <a:ea typeface="+mn-ea"/>
+                <a:cs typeface="+mn-cs"/>
+              </a:defRPr>
+            </a:lvl3pPr>
+            <a:lvl4pPr marL="1005840" indent="-182880" algn="l" defTabSz="914400" rtl="0" eaLnBrk="1" latinLnBrk="0" hangingPunct="1">
+              <a:lnSpc>
+                <a:spcPct val="90000"/>
+              </a:lnSpc>
+              <a:spcBef>
+                <a:spcPts val="300"/>
+              </a:spcBef>
+              <a:spcAft>
+                <a:spcPts val="300"/>
+              </a:spcAft>
+              <a:buClr>
+                <a:schemeClr val="accent1"/>
+              </a:buClr>
+              <a:buFont typeface="Wingdings 2" pitchFamily="18" charset="2"/>
+              <a:buChar char=""/>
+              <a:defRPr sz="1400" kern="1200">
+                <a:solidFill>
+                  <a:schemeClr val="tx1">
+                    <a:lumMod val="85000"/>
+                    <a:lumOff val="15000"/>
+                  </a:schemeClr>
+                </a:solidFill>
+                <a:latin typeface="+mn-lt"/>
+                <a:ea typeface="+mn-ea"/>
+                <a:cs typeface="+mn-cs"/>
+              </a:defRPr>
+            </a:lvl4pPr>
+            <a:lvl5pPr marL="1280160" indent="-182880" algn="l" defTabSz="914400" rtl="0" eaLnBrk="1" latinLnBrk="0" hangingPunct="1">
+              <a:lnSpc>
+                <a:spcPct val="90000"/>
+              </a:lnSpc>
+              <a:spcBef>
+                <a:spcPts val="300"/>
+              </a:spcBef>
+              <a:spcAft>
+                <a:spcPts val="300"/>
+              </a:spcAft>
+              <a:buClr>
+                <a:schemeClr val="accent1"/>
+              </a:buClr>
+              <a:buFont typeface="Wingdings 2" pitchFamily="18" charset="2"/>
+              <a:buChar char=""/>
+              <a:defRPr sz="1400" kern="1200">
+                <a:solidFill>
+                  <a:schemeClr val="tx1">
+                    <a:lumMod val="85000"/>
+                    <a:lumOff val="15000"/>
+                  </a:schemeClr>
+                </a:solidFill>
+                <a:latin typeface="+mn-lt"/>
+                <a:ea typeface="+mn-ea"/>
+                <a:cs typeface="+mn-cs"/>
+              </a:defRPr>
+            </a:lvl5pPr>
+            <a:lvl6pPr marL="1600000" indent="-228600" algn="l" defTabSz="914400" rtl="0" eaLnBrk="1" latinLnBrk="0" hangingPunct="1">
+              <a:lnSpc>
+                <a:spcPct val="90000"/>
+              </a:lnSpc>
+              <a:spcBef>
+                <a:spcPts val="300"/>
+              </a:spcBef>
+              <a:spcAft>
+                <a:spcPts val="300"/>
+              </a:spcAft>
+              <a:buClr>
+                <a:schemeClr val="accent1"/>
+              </a:buClr>
+              <a:buFont typeface="Wingdings 2" pitchFamily="18" charset="2"/>
+              <a:buChar char=""/>
+              <a:defRPr sz="1400" kern="1200">
+                <a:solidFill>
+                  <a:schemeClr val="tx1">
+                    <a:lumMod val="85000"/>
+                    <a:lumOff val="15000"/>
+                  </a:schemeClr>
+                </a:solidFill>
+                <a:latin typeface="+mn-lt"/>
+                <a:ea typeface="+mn-ea"/>
+                <a:cs typeface="+mn-cs"/>
+              </a:defRPr>
+            </a:lvl6pPr>
+            <a:lvl7pPr marL="1900000" indent="-228600" algn="l" defTabSz="914400" rtl="0" eaLnBrk="1" latinLnBrk="0" hangingPunct="1">
+              <a:lnSpc>
+                <a:spcPct val="90000"/>
+              </a:lnSpc>
+              <a:spcBef>
+                <a:spcPts val="300"/>
+              </a:spcBef>
+              <a:spcAft>
+                <a:spcPts val="300"/>
+              </a:spcAft>
+              <a:buClr>
+                <a:schemeClr val="accent1"/>
+              </a:buClr>
+              <a:buFont typeface="Wingdings 2" pitchFamily="18" charset="2"/>
+              <a:buChar char=""/>
+              <a:defRPr sz="1400" kern="1200">
+                <a:solidFill>
+                  <a:schemeClr val="tx1">
+                    <a:lumMod val="85000"/>
+                    <a:lumOff val="15000"/>
+                  </a:schemeClr>
+                </a:solidFill>
+                <a:latin typeface="+mn-lt"/>
+                <a:ea typeface="+mn-ea"/>
+                <a:cs typeface="+mn-cs"/>
+              </a:defRPr>
+            </a:lvl7pPr>
+            <a:lvl8pPr marL="2200000" indent="-228600" algn="l" defTabSz="914400" rtl="0" eaLnBrk="1" latinLnBrk="0" hangingPunct="1">
+              <a:lnSpc>
+                <a:spcPct val="90000"/>
+              </a:lnSpc>
+              <a:spcBef>
+                <a:spcPts val="300"/>
+              </a:spcBef>
+              <a:spcAft>
+                <a:spcPts val="300"/>
+              </a:spcAft>
+              <a:buClr>
+                <a:schemeClr val="accent1"/>
+              </a:buClr>
+              <a:buFont typeface="Wingdings 2" pitchFamily="18" charset="2"/>
+              <a:buChar char=""/>
+              <a:defRPr sz="1400" kern="1200">
+                <a:solidFill>
+                  <a:schemeClr val="tx1">
+                    <a:lumMod val="85000"/>
+                    <a:lumOff val="15000"/>
+                  </a:schemeClr>
+                </a:solidFill>
+                <a:latin typeface="+mn-lt"/>
+                <a:ea typeface="+mn-ea"/>
+                <a:cs typeface="+mn-cs"/>
+              </a:defRPr>
+            </a:lvl8pPr>
+            <a:lvl9pPr marL="2500000" indent="-228600" algn="l" defTabSz="914400" rtl="0" eaLnBrk="1" latinLnBrk="0" hangingPunct="1">
+              <a:lnSpc>
+                <a:spcPct val="90000"/>
+              </a:lnSpc>
+              <a:spcBef>
+                <a:spcPts val="300"/>
+              </a:spcBef>
+              <a:spcAft>
+                <a:spcPts val="300"/>
+              </a:spcAft>
+              <a:buClr>
+                <a:schemeClr val="accent1"/>
+              </a:buClr>
+              <a:buFont typeface="Wingdings 2" pitchFamily="18" charset="2"/>
+              <a:buChar char=""/>
+              <a:defRPr sz="1400" kern="1200">
+                <a:solidFill>
+                  <a:schemeClr val="tx1">
+                    <a:lumMod val="85000"/>
+                    <a:lumOff val="15000"/>
+                  </a:schemeClr>
+                </a:solidFill>
+                <a:latin typeface="+mn-lt"/>
+                <a:ea typeface="+mn-ea"/>
+                <a:cs typeface="+mn-cs"/>
+              </a:defRPr>
+            </a:lvl9pPr>
+          </a:lstStyle>
           <a:p>
             <a:pPr marL="0" indent="0">
               <a:buNone/>
             </a:pPr>
             <a:r>
-              <a:rPr lang="en-US" altLang="zh-TW" dirty="0"/>
-              <a:t>https://www.csie.ntu.edu.tw/~</a:t>
-            </a:r>
-            <a:r>
               <a:rPr lang="en-US" altLang="zh-TW" dirty="0" smtClean="0"/>
-              <a:t>b03902086/md_experiment.html</a:t>
-            </a:r>
-            <a:endParaRPr lang="zh-TW" altLang="en-US" dirty="0"/>
+              <a:t>Input:</a:t>
+            </a:r>
+          </a:p>
+          <a:p>
+            <a:pPr marL="0" indent="0">
+              <a:buNone/>
+            </a:pPr>
+            <a:endParaRPr lang="en-US" altLang="zh-TW" dirty="0"/>
+          </a:p>
+          <a:p>
+            <a:pPr marL="0" indent="0">
+              <a:buNone/>
+            </a:pPr>
+            <a:endParaRPr lang="en-US" altLang="zh-TW" dirty="0"/>
+          </a:p>
+          <a:p>
+            <a:pPr marL="0" indent="0">
+              <a:buNone/>
+            </a:pPr>
+            <a:r>
+              <a:rPr lang="en-US" altLang="zh-TW" dirty="0" smtClean="0"/>
+              <a:t>Proposed output:</a:t>
+            </a:r>
+          </a:p>
+          <a:p>
+            <a:pPr marL="0" indent="0">
+              <a:buNone/>
+            </a:pPr>
+            <a:endParaRPr lang="en-US" altLang="zh-TW" dirty="0"/>
+          </a:p>
+          <a:p>
+            <a:pPr marL="0" indent="0">
+              <a:buNone/>
+            </a:pPr>
+            <a:endParaRPr lang="en-US" altLang="zh-TW" dirty="0"/>
+          </a:p>
+          <a:p>
+            <a:pPr marL="0" indent="0">
+              <a:buNone/>
+            </a:pPr>
+            <a:r>
+              <a:rPr lang="en-US" altLang="zh-TW" dirty="0" smtClean="0"/>
+              <a:t>Naïve output:</a:t>
+            </a:r>
+          </a:p>
+          <a:p>
+            <a:pPr marL="0" indent="0">
+              <a:buNone/>
+            </a:pPr>
+            <a:endParaRPr lang="en-US" altLang="zh-TW" dirty="0"/>
           </a:p>
         </p:txBody>
       </p:sp>
       <p:pic>
         <p:nvPicPr>
-          <p:cNvPr id="4" name="in0">
+          <p:cNvPr id="7" name="圖片 6"/>
+          <p:cNvPicPr>
+            <a:picLocks noChangeAspect="1"/>
+          </p:cNvPicPr>
+          <p:nvPr/>
+        </p:nvPicPr>
+        <p:blipFill>
+          <a:blip r:embed="rId9">
+            <a:extLst>
+              <a:ext uri="{28A0092B-C50C-407E-A947-70E740481C1C}">
+                <a14:useLocalDpi xmlns:a14="http://schemas.microsoft.com/office/drawing/2010/main" val="0"/>
+              </a:ext>
+            </a:extLst>
+          </a:blip>
+          <a:stretch>
+            <a:fillRect/>
+          </a:stretch>
+        </p:blipFill>
+        <p:spPr>
+          <a:xfrm>
+            <a:off x="5360904" y="3148086"/>
+            <a:ext cx="3933825" cy="971550"/>
+          </a:xfrm>
+          <a:prstGeom prst="rect">
+            <a:avLst/>
+          </a:prstGeom>
+        </p:spPr>
+      </p:pic>
+      <p:pic>
+        <p:nvPicPr>
+          <p:cNvPr id="8" name="圖片 7"/>
+          <p:cNvPicPr>
+            <a:picLocks noChangeAspect="1"/>
+          </p:cNvPicPr>
+          <p:nvPr/>
+        </p:nvPicPr>
+        <p:blipFill>
+          <a:blip r:embed="rId10">
+            <a:extLst>
+              <a:ext uri="{28A0092B-C50C-407E-A947-70E740481C1C}">
+                <a14:useLocalDpi xmlns:a14="http://schemas.microsoft.com/office/drawing/2010/main" val="0"/>
+              </a:ext>
+            </a:extLst>
+          </a:blip>
+          <a:stretch>
+            <a:fillRect/>
+          </a:stretch>
+        </p:blipFill>
+        <p:spPr>
+          <a:xfrm>
+            <a:off x="5360904" y="4653784"/>
+            <a:ext cx="3933825" cy="971550"/>
+          </a:xfrm>
+          <a:prstGeom prst="rect">
+            <a:avLst/>
+          </a:prstGeom>
+        </p:spPr>
+      </p:pic>
+      <p:pic>
+        <p:nvPicPr>
+          <p:cNvPr id="9" name="in0">
             <a:hlinkClick r:id="" action="ppaction://media"/>
           </p:cNvPr>
           <p:cNvPicPr>
@@ -6043,14 +6525,80 @@
           </p:nvPr>
         </p:nvPicPr>
         <p:blipFill>
-          <a:blip r:embed="rId4"/>
+          <a:blip r:embed="rId11"/>
           <a:stretch>
             <a:fillRect/>
           </a:stretch>
         </p:blipFill>
         <p:spPr>
           <a:xfrm>
-            <a:off x="5892800" y="3225800"/>
+            <a:off x="3812354" y="1855678"/>
+            <a:ext cx="406400" cy="406400"/>
+          </a:xfrm>
+          <a:prstGeom prst="rect">
+            <a:avLst/>
+          </a:prstGeom>
+        </p:spPr>
+      </p:pic>
+      <p:pic>
+        <p:nvPicPr>
+          <p:cNvPr id="10" name="out0">
+            <a:hlinkClick r:id="" action="ppaction://media"/>
+          </p:cNvPr>
+          <p:cNvPicPr>
+            <a:picLocks noChangeAspect="1"/>
+          </p:cNvPicPr>
+          <p:nvPr>
+            <a:audioFile r:link="rId4"/>
+            <p:extLst>
+              <p:ext uri="{DAA4B4D4-6D71-4841-9C94-3DE7FCFB9230}">
+                <p14:media xmlns:p14="http://schemas.microsoft.com/office/powerpoint/2010/main" r:embed="rId3"/>
+              </p:ext>
+            </p:extLst>
+          </p:nvPr>
+        </p:nvPicPr>
+        <p:blipFill>
+          <a:blip r:embed="rId11"/>
+          <a:stretch>
+            <a:fillRect/>
+          </a:stretch>
+        </p:blipFill>
+        <p:spPr>
+          <a:xfrm>
+            <a:off x="3812354" y="3414110"/>
+            <a:ext cx="406400" cy="406400"/>
+          </a:xfrm>
+          <a:prstGeom prst="rect">
+            <a:avLst/>
+          </a:prstGeom>
+        </p:spPr>
+      </p:pic>
+      <p:pic>
+        <p:nvPicPr>
+          <p:cNvPr id="11" name="out0_naive">
+            <a:hlinkClick r:id="" action="ppaction://media"/>
+          </p:cNvPr>
+          <p:cNvPicPr>
+            <a:picLocks noChangeAspect="1"/>
+          </p:cNvPicPr>
+          <p:nvPr>
+            <a:audioFile r:link="rId6"/>
+            <p:extLst>
+              <p:ext uri="{DAA4B4D4-6D71-4841-9C94-3DE7FCFB9230}">
+                <p14:media xmlns:p14="http://schemas.microsoft.com/office/powerpoint/2010/main" r:embed="rId5"/>
+              </p:ext>
+            </p:extLst>
+          </p:nvPr>
+        </p:nvPicPr>
+        <p:blipFill>
+          <a:blip r:embed="rId11"/>
+          <a:stretch>
+            <a:fillRect/>
+          </a:stretch>
+        </p:blipFill>
+        <p:spPr>
+          <a:xfrm>
+            <a:off x="3812354" y="4861910"/>
             <a:ext cx="406400" cy="406400"/>
           </a:xfrm>
           <a:prstGeom prst="rect">
@@ -6078,7 +6626,7 @@
                 <p:stCondLst>
                   <p:cond evt="onClick" delay="0">
                     <p:tgtEl>
-                      <p:spTgt spid="4"/>
+                      <p:spTgt spid="9"/>
                     </p:tgtEl>
                   </p:cond>
                 </p:stCondLst>
@@ -6108,7 +6656,7 @@
                                       <p:cBhvr>
                                         <p:cTn id="6" dur="5000" fill="hold"/>
                                         <p:tgtEl>
-                                          <p:spTgt spid="4"/>
+                                          <p:spTgt spid="9"/>
                                         </p:tgtEl>
                                       </p:cBhvr>
                                     </p:cmd>
@@ -6126,7 +6674,7 @@
               <p:nextCondLst>
                 <p:cond evt="onClick" delay="0">
                   <p:tgtEl>
-                    <p:spTgt spid="4"/>
+                    <p:spTgt spid="9"/>
                   </p:tgtEl>
                 </p:cond>
               </p:nextCondLst>
@@ -6146,7 +6694,161 @@
                   </p:endCondLst>
                 </p:cTn>
                 <p:tgtEl>
-                  <p:spTgt spid="4"/>
+                  <p:spTgt spid="9"/>
+                </p:tgtEl>
+              </p:cMediaNode>
+            </p:audio>
+            <p:seq concurrent="1" nextAc="seek">
+              <p:cTn id="8" restart="whenNotActive" fill="hold" evtFilter="cancelBubble" nodeType="interactiveSeq">
+                <p:stCondLst>
+                  <p:cond evt="onClick" delay="0">
+                    <p:tgtEl>
+                      <p:spTgt spid="10"/>
+                    </p:tgtEl>
+                  </p:cond>
+                </p:stCondLst>
+                <p:endSync evt="end" delay="0">
+                  <p:rtn val="all"/>
+                </p:endSync>
+                <p:childTnLst>
+                  <p:par>
+                    <p:cTn id="9" fill="hold">
+                      <p:stCondLst>
+                        <p:cond delay="0"/>
+                      </p:stCondLst>
+                      <p:childTnLst>
+                        <p:par>
+                          <p:cTn id="10" fill="hold">
+                            <p:stCondLst>
+                              <p:cond delay="0"/>
+                            </p:stCondLst>
+                            <p:childTnLst>
+                              <p:par>
+                                <p:cTn id="11" presetID="1" presetClass="mediacall" presetSubtype="0" fill="hold" nodeType="clickEffect">
+                                  <p:stCondLst>
+                                    <p:cond delay="0"/>
+                                  </p:stCondLst>
+                                  <p:childTnLst>
+                                    <p:cmd type="call" cmd="playFrom(0.0)">
+                                      <p:cBhvr>
+                                        <p:cTn id="12" dur="5000" fill="hold"/>
+                                        <p:tgtEl>
+                                          <p:spTgt spid="10"/>
+                                        </p:tgtEl>
+                                      </p:cBhvr>
+                                    </p:cmd>
+                                  </p:childTnLst>
+                                </p:cTn>
+                              </p:par>
+                            </p:childTnLst>
+                          </p:cTn>
+                        </p:par>
+                      </p:childTnLst>
+                    </p:cTn>
+                  </p:par>
+                </p:childTnLst>
+              </p:cTn>
+              <p:nextCondLst>
+                <p:cond evt="onClick" delay="0">
+                  <p:tgtEl>
+                    <p:spTgt spid="10"/>
+                  </p:tgtEl>
+                </p:cond>
+              </p:nextCondLst>
+            </p:seq>
+            <p:audio>
+              <p:cMediaNode vol="80000">
+                <p:cTn id="13" fill="hold" display="0">
+                  <p:stCondLst>
+                    <p:cond delay="indefinite"/>
+                  </p:stCondLst>
+                  <p:endCondLst>
+                    <p:cond evt="onStopAudio" delay="0">
+                      <p:tgtEl>
+                        <p:sldTgt/>
+                      </p:tgtEl>
+                    </p:cond>
+                  </p:endCondLst>
+                </p:cTn>
+                <p:tgtEl>
+                  <p:spTgt spid="10"/>
+                </p:tgtEl>
+              </p:cMediaNode>
+            </p:audio>
+            <p:seq concurrent="1" nextAc="seek">
+              <p:cTn id="14" restart="whenNotActive" fill="hold" evtFilter="cancelBubble" nodeType="interactiveSeq">
+                <p:stCondLst>
+                  <p:cond evt="onClick" delay="0">
+                    <p:tgtEl>
+                      <p:spTgt spid="11"/>
+                    </p:tgtEl>
+                  </p:cond>
+                </p:stCondLst>
+                <p:endSync evt="end" delay="0">
+                  <p:rtn val="all"/>
+                </p:endSync>
+                <p:childTnLst>
+                  <p:par>
+                    <p:cTn id="15" fill="hold">
+                      <p:stCondLst>
+                        <p:cond delay="0"/>
+                      </p:stCondLst>
+                      <p:childTnLst>
+                        <p:par>
+                          <p:cTn id="16" fill="hold">
+                            <p:stCondLst>
+                              <p:cond delay="0"/>
+                            </p:stCondLst>
+                            <p:childTnLst>
+                              <p:par>
+                                <p:cTn id="17" presetID="1" presetClass="mediacall" presetSubtype="0" fill="hold" nodeType="clickEffect">
+                                  <p:stCondLst>
+                                    <p:cond delay="0"/>
+                                  </p:stCondLst>
+                                  <p:childTnLst>
+                                    <p:cmd type="call" cmd="playFrom(0.0)">
+                                      <p:cBhvr>
+                                        <p:cTn id="18" dur="5000" fill="hold"/>
+                                        <p:tgtEl>
+                                          <p:spTgt spid="11"/>
+                                        </p:tgtEl>
+                                      </p:cBhvr>
+                                    </p:cmd>
+                                  </p:childTnLst>
+                                </p:cTn>
+                              </p:par>
+                            </p:childTnLst>
+                          </p:cTn>
+                        </p:par>
+                      </p:childTnLst>
+                    </p:cTn>
+                  </p:par>
+                </p:childTnLst>
+              </p:cTn>
+              <p:nextCondLst>
+                <p:cond evt="onClick" delay="0">
+                  <p:tgtEl>
+                    <p:spTgt spid="11"/>
+                  </p:tgtEl>
+                </p:cond>
+              </p:nextCondLst>
+            </p:seq>
+            <p:audio>
+              <p:cMediaNode vol="80000">
+                <p:cTn id="19" fill="hold" display="0">
+                  <p:stCondLst>
+                    <p:cond delay="indefinite"/>
+                  </p:stCondLst>
+                  <p:endCondLst>
+                    <p:cond evt="onStopAudio" delay="0">
+                      <p:tgtEl>
+                        <p:sldTgt/>
+                      </p:tgtEl>
+                    </p:cond>
+                  </p:endCondLst>
+                </p:cTn>
+                <p:tgtEl>
+                  <p:spTgt spid="11"/>
                 </p:tgtEl>
               </p:cMediaNode>
             </p:audio>
@@ -6192,7 +6894,7 @@
           <a:p>
             <a:r>
               <a:rPr lang="en-US" altLang="zh-TW" i="1" dirty="0" smtClean="0"/>
-              <a:t>Questions</a:t>
+              <a:t>Experiments</a:t>
             </a:r>
             <a:endParaRPr lang="zh-TW" altLang="en-US" i="1" dirty="0"/>
           </a:p>
@@ -6200,27 +6902,568 @@
       </p:sp>
       <p:sp>
         <p:nvSpPr>
-          <p:cNvPr id="3" name="內容版面配置區 2"/>
-          <p:cNvSpPr>
-            <a:spLocks noGrp="1"/>
+          <p:cNvPr id="6" name="內容版面配置區 2"/>
+          <p:cNvSpPr txBox="1">
+            <a:spLocks/>
           </p:cNvSpPr>
-          <p:nvPr>
-            <p:ph idx="1"/>
-          </p:nvPr>
+          <p:nvPr/>
         </p:nvSpPr>
-        <p:spPr/>
+        <p:spPr>
+          <a:xfrm>
+            <a:off x="1261872" y="1828800"/>
+            <a:ext cx="8595360" cy="4887310"/>
+          </a:xfrm>
+          <a:prstGeom prst="rect">
+            <a:avLst/>
+          </a:prstGeom>
+        </p:spPr>
         <p:txBody>
-          <a:bodyPr/>
-          <a:lstStyle/>
-          <a:p>
-            <a:endParaRPr lang="zh-TW" altLang="en-US" dirty="0"/>
+          <a:bodyPr vert="horz" lIns="91440" tIns="45720" rIns="91440" bIns="45720" rtlCol="0">
+            <a:normAutofit/>
+          </a:bodyPr>
+          <a:lstStyle>
+            <a:lvl1pPr marL="182880" indent="-182880" algn="l" defTabSz="914400" rtl="0" eaLnBrk="1" latinLnBrk="0" hangingPunct="1">
+              <a:lnSpc>
+                <a:spcPct val="95000"/>
+              </a:lnSpc>
+              <a:spcBef>
+                <a:spcPts val="1400"/>
+              </a:spcBef>
+              <a:spcAft>
+                <a:spcPts val="200"/>
+              </a:spcAft>
+              <a:buClr>
+                <a:schemeClr val="accent1"/>
+              </a:buClr>
+              <a:buSzPct val="80000"/>
+              <a:buFont typeface="Arial" pitchFamily="34" charset="0"/>
+              <a:buChar char="•"/>
+              <a:defRPr sz="1800" kern="1200" spc="10" baseline="0">
+                <a:solidFill>
+                  <a:schemeClr val="tx1"/>
+                </a:solidFill>
+                <a:latin typeface="+mn-lt"/>
+                <a:ea typeface="+mn-ea"/>
+                <a:cs typeface="+mn-cs"/>
+              </a:defRPr>
+            </a:lvl1pPr>
+            <a:lvl2pPr marL="457200" indent="-182880" algn="l" defTabSz="914400" rtl="0" eaLnBrk="1" latinLnBrk="0" hangingPunct="1">
+              <a:lnSpc>
+                <a:spcPct val="90000"/>
+              </a:lnSpc>
+              <a:spcBef>
+                <a:spcPts val="300"/>
+              </a:spcBef>
+              <a:spcAft>
+                <a:spcPts val="300"/>
+              </a:spcAft>
+              <a:buClr>
+                <a:schemeClr val="accent1"/>
+              </a:buClr>
+              <a:buFont typeface="Wingdings 2" pitchFamily="18" charset="2"/>
+              <a:buChar char=""/>
+              <a:defRPr sz="1600" kern="1200">
+                <a:solidFill>
+                  <a:schemeClr val="tx1">
+                    <a:lumMod val="85000"/>
+                    <a:lumOff val="15000"/>
+                  </a:schemeClr>
+                </a:solidFill>
+                <a:latin typeface="+mn-lt"/>
+                <a:ea typeface="+mn-ea"/>
+                <a:cs typeface="+mn-cs"/>
+              </a:defRPr>
+            </a:lvl2pPr>
+            <a:lvl3pPr marL="731520" indent="-182880" algn="l" defTabSz="914400" rtl="0" eaLnBrk="1" latinLnBrk="0" hangingPunct="1">
+              <a:lnSpc>
+                <a:spcPct val="90000"/>
+              </a:lnSpc>
+              <a:spcBef>
+                <a:spcPts val="300"/>
+              </a:spcBef>
+              <a:spcAft>
+                <a:spcPts val="300"/>
+              </a:spcAft>
+              <a:buClr>
+                <a:schemeClr val="accent1"/>
+              </a:buClr>
+              <a:buFont typeface="Wingdings 2" pitchFamily="18" charset="2"/>
+              <a:buChar char=""/>
+              <a:defRPr sz="1400" kern="1200">
+                <a:solidFill>
+                  <a:schemeClr val="tx1">
+                    <a:lumMod val="85000"/>
+                    <a:lumOff val="15000"/>
+                  </a:schemeClr>
+                </a:solidFill>
+                <a:latin typeface="+mn-lt"/>
+                <a:ea typeface="+mn-ea"/>
+                <a:cs typeface="+mn-cs"/>
+              </a:defRPr>
+            </a:lvl3pPr>
+            <a:lvl4pPr marL="1005840" indent="-182880" algn="l" defTabSz="914400" rtl="0" eaLnBrk="1" latinLnBrk="0" hangingPunct="1">
+              <a:lnSpc>
+                <a:spcPct val="90000"/>
+              </a:lnSpc>
+              <a:spcBef>
+                <a:spcPts val="300"/>
+              </a:spcBef>
+              <a:spcAft>
+                <a:spcPts val="300"/>
+              </a:spcAft>
+              <a:buClr>
+                <a:schemeClr val="accent1"/>
+              </a:buClr>
+              <a:buFont typeface="Wingdings 2" pitchFamily="18" charset="2"/>
+              <a:buChar char=""/>
+              <a:defRPr sz="1400" kern="1200">
+                <a:solidFill>
+                  <a:schemeClr val="tx1">
+                    <a:lumMod val="85000"/>
+                    <a:lumOff val="15000"/>
+                  </a:schemeClr>
+                </a:solidFill>
+                <a:latin typeface="+mn-lt"/>
+                <a:ea typeface="+mn-ea"/>
+                <a:cs typeface="+mn-cs"/>
+              </a:defRPr>
+            </a:lvl4pPr>
+            <a:lvl5pPr marL="1280160" indent="-182880" algn="l" defTabSz="914400" rtl="0" eaLnBrk="1" latinLnBrk="0" hangingPunct="1">
+              <a:lnSpc>
+                <a:spcPct val="90000"/>
+              </a:lnSpc>
+              <a:spcBef>
+                <a:spcPts val="300"/>
+              </a:spcBef>
+              <a:spcAft>
+                <a:spcPts val="300"/>
+              </a:spcAft>
+              <a:buClr>
+                <a:schemeClr val="accent1"/>
+              </a:buClr>
+              <a:buFont typeface="Wingdings 2" pitchFamily="18" charset="2"/>
+              <a:buChar char=""/>
+              <a:defRPr sz="1400" kern="1200">
+                <a:solidFill>
+                  <a:schemeClr val="tx1">
+                    <a:lumMod val="85000"/>
+                    <a:lumOff val="15000"/>
+                  </a:schemeClr>
+                </a:solidFill>
+                <a:latin typeface="+mn-lt"/>
+                <a:ea typeface="+mn-ea"/>
+                <a:cs typeface="+mn-cs"/>
+              </a:defRPr>
+            </a:lvl5pPr>
+            <a:lvl6pPr marL="1600000" indent="-228600" algn="l" defTabSz="914400" rtl="0" eaLnBrk="1" latinLnBrk="0" hangingPunct="1">
+              <a:lnSpc>
+                <a:spcPct val="90000"/>
+              </a:lnSpc>
+              <a:spcBef>
+                <a:spcPts val="300"/>
+              </a:spcBef>
+              <a:spcAft>
+                <a:spcPts val="300"/>
+              </a:spcAft>
+              <a:buClr>
+                <a:schemeClr val="accent1"/>
+              </a:buClr>
+              <a:buFont typeface="Wingdings 2" pitchFamily="18" charset="2"/>
+              <a:buChar char=""/>
+              <a:defRPr sz="1400" kern="1200">
+                <a:solidFill>
+                  <a:schemeClr val="tx1">
+                    <a:lumMod val="85000"/>
+                    <a:lumOff val="15000"/>
+                  </a:schemeClr>
+                </a:solidFill>
+                <a:latin typeface="+mn-lt"/>
+                <a:ea typeface="+mn-ea"/>
+                <a:cs typeface="+mn-cs"/>
+              </a:defRPr>
+            </a:lvl6pPr>
+            <a:lvl7pPr marL="1900000" indent="-228600" algn="l" defTabSz="914400" rtl="0" eaLnBrk="1" latinLnBrk="0" hangingPunct="1">
+              <a:lnSpc>
+                <a:spcPct val="90000"/>
+              </a:lnSpc>
+              <a:spcBef>
+                <a:spcPts val="300"/>
+              </a:spcBef>
+              <a:spcAft>
+                <a:spcPts val="300"/>
+              </a:spcAft>
+              <a:buClr>
+                <a:schemeClr val="accent1"/>
+              </a:buClr>
+              <a:buFont typeface="Wingdings 2" pitchFamily="18" charset="2"/>
+              <a:buChar char=""/>
+              <a:defRPr sz="1400" kern="1200">
+                <a:solidFill>
+                  <a:schemeClr val="tx1">
+                    <a:lumMod val="85000"/>
+                    <a:lumOff val="15000"/>
+                  </a:schemeClr>
+                </a:solidFill>
+                <a:latin typeface="+mn-lt"/>
+                <a:ea typeface="+mn-ea"/>
+                <a:cs typeface="+mn-cs"/>
+              </a:defRPr>
+            </a:lvl7pPr>
+            <a:lvl8pPr marL="2200000" indent="-228600" algn="l" defTabSz="914400" rtl="0" eaLnBrk="1" latinLnBrk="0" hangingPunct="1">
+              <a:lnSpc>
+                <a:spcPct val="90000"/>
+              </a:lnSpc>
+              <a:spcBef>
+                <a:spcPts val="300"/>
+              </a:spcBef>
+              <a:spcAft>
+                <a:spcPts val="300"/>
+              </a:spcAft>
+              <a:buClr>
+                <a:schemeClr val="accent1"/>
+              </a:buClr>
+              <a:buFont typeface="Wingdings 2" pitchFamily="18" charset="2"/>
+              <a:buChar char=""/>
+              <a:defRPr sz="1400" kern="1200">
+                <a:solidFill>
+                  <a:schemeClr val="tx1">
+                    <a:lumMod val="85000"/>
+                    <a:lumOff val="15000"/>
+                  </a:schemeClr>
+                </a:solidFill>
+                <a:latin typeface="+mn-lt"/>
+                <a:ea typeface="+mn-ea"/>
+                <a:cs typeface="+mn-cs"/>
+              </a:defRPr>
+            </a:lvl8pPr>
+            <a:lvl9pPr marL="2500000" indent="-228600" algn="l" defTabSz="914400" rtl="0" eaLnBrk="1" latinLnBrk="0" hangingPunct="1">
+              <a:lnSpc>
+                <a:spcPct val="90000"/>
+              </a:lnSpc>
+              <a:spcBef>
+                <a:spcPts val="300"/>
+              </a:spcBef>
+              <a:spcAft>
+                <a:spcPts val="300"/>
+              </a:spcAft>
+              <a:buClr>
+                <a:schemeClr val="accent1"/>
+              </a:buClr>
+              <a:buFont typeface="Wingdings 2" pitchFamily="18" charset="2"/>
+              <a:buChar char=""/>
+              <a:defRPr sz="1400" kern="1200">
+                <a:solidFill>
+                  <a:schemeClr val="tx1">
+                    <a:lumMod val="85000"/>
+                    <a:lumOff val="15000"/>
+                  </a:schemeClr>
+                </a:solidFill>
+                <a:latin typeface="+mn-lt"/>
+                <a:ea typeface="+mn-ea"/>
+                <a:cs typeface="+mn-cs"/>
+              </a:defRPr>
+            </a:lvl9pPr>
+          </a:lstStyle>
+          <a:p>
+            <a:pPr marL="0" indent="0">
+              <a:buNone/>
+            </a:pPr>
+            <a:r>
+              <a:rPr lang="en-US" altLang="zh-TW" dirty="0" smtClean="0"/>
+              <a:t>Input:</a:t>
+            </a:r>
+          </a:p>
+          <a:p>
+            <a:pPr marL="0" indent="0">
+              <a:buNone/>
+            </a:pPr>
+            <a:endParaRPr lang="en-US" altLang="zh-TW" dirty="0"/>
+          </a:p>
+          <a:p>
+            <a:pPr marL="0" indent="0">
+              <a:buNone/>
+            </a:pPr>
+            <a:endParaRPr lang="en-US" altLang="zh-TW" dirty="0"/>
+          </a:p>
+          <a:p>
+            <a:pPr marL="0" indent="0">
+              <a:buNone/>
+            </a:pPr>
+            <a:r>
+              <a:rPr lang="en-US" altLang="zh-TW" dirty="0" smtClean="0"/>
+              <a:t>Proposed output:</a:t>
+            </a:r>
+          </a:p>
+          <a:p>
+            <a:pPr marL="0" indent="0">
+              <a:buNone/>
+            </a:pPr>
+            <a:endParaRPr lang="en-US" altLang="zh-TW" dirty="0"/>
+          </a:p>
+          <a:p>
+            <a:pPr marL="0" indent="0">
+              <a:buNone/>
+            </a:pPr>
+            <a:endParaRPr lang="en-US" altLang="zh-TW" dirty="0"/>
+          </a:p>
+          <a:p>
+            <a:pPr marL="0" indent="0">
+              <a:buNone/>
+            </a:pPr>
+            <a:r>
+              <a:rPr lang="en-US" altLang="zh-TW" dirty="0" smtClean="0"/>
+              <a:t>Naïve output:</a:t>
+            </a:r>
+          </a:p>
+          <a:p>
+            <a:pPr marL="0" indent="0">
+              <a:buNone/>
+            </a:pPr>
+            <a:endParaRPr lang="en-US" altLang="zh-TW" dirty="0" smtClean="0"/>
+          </a:p>
+          <a:p>
+            <a:pPr marL="0" indent="0">
+              <a:buNone/>
+            </a:pPr>
+            <a:endParaRPr lang="en-US" altLang="zh-TW" dirty="0"/>
+          </a:p>
+          <a:p>
+            <a:pPr marL="0" indent="0">
+              <a:buNone/>
+            </a:pPr>
+            <a:r>
+              <a:rPr lang="en-US" altLang="zh-TW" dirty="0" smtClean="0"/>
+              <a:t>Original:</a:t>
+            </a:r>
+            <a:endParaRPr lang="en-US" altLang="zh-TW" dirty="0"/>
           </a:p>
         </p:txBody>
       </p:sp>
+      <p:pic>
+        <p:nvPicPr>
+          <p:cNvPr id="4" name="內容版面配置區 3"/>
+          <p:cNvPicPr>
+            <a:picLocks noGrp="1" noChangeAspect="1"/>
+          </p:cNvPicPr>
+          <p:nvPr>
+            <p:ph idx="1"/>
+          </p:nvPr>
+        </p:nvPicPr>
+        <p:blipFill>
+          <a:blip r:embed="rId10">
+            <a:extLst>
+              <a:ext uri="{28A0092B-C50C-407E-A947-70E740481C1C}">
+                <a14:useLocalDpi xmlns:a14="http://schemas.microsoft.com/office/drawing/2010/main" val="0"/>
+              </a:ext>
+            </a:extLst>
+          </a:blip>
+          <a:stretch>
+            <a:fillRect/>
+          </a:stretch>
+        </p:blipFill>
+        <p:spPr>
+          <a:xfrm>
+            <a:off x="5570062" y="1270909"/>
+            <a:ext cx="4238625" cy="1657350"/>
+          </a:xfrm>
+        </p:spPr>
+      </p:pic>
+      <p:pic>
+        <p:nvPicPr>
+          <p:cNvPr id="12" name="圖片 11"/>
+          <p:cNvPicPr>
+            <a:picLocks noChangeAspect="1"/>
+          </p:cNvPicPr>
+          <p:nvPr/>
+        </p:nvPicPr>
+        <p:blipFill>
+          <a:blip r:embed="rId11">
+            <a:extLst>
+              <a:ext uri="{28A0092B-C50C-407E-A947-70E740481C1C}">
+                <a14:useLocalDpi xmlns:a14="http://schemas.microsoft.com/office/drawing/2010/main" val="0"/>
+              </a:ext>
+            </a:extLst>
+          </a:blip>
+          <a:stretch>
+            <a:fillRect/>
+          </a:stretch>
+        </p:blipFill>
+        <p:spPr>
+          <a:xfrm>
+            <a:off x="5064251" y="2928259"/>
+            <a:ext cx="5248275" cy="1657350"/>
+          </a:xfrm>
+          <a:prstGeom prst="rect">
+            <a:avLst/>
+          </a:prstGeom>
+        </p:spPr>
+      </p:pic>
+      <p:pic>
+        <p:nvPicPr>
+          <p:cNvPr id="13" name="圖片 12"/>
+          <p:cNvPicPr>
+            <a:picLocks noChangeAspect="1"/>
+          </p:cNvPicPr>
+          <p:nvPr/>
+        </p:nvPicPr>
+        <p:blipFill>
+          <a:blip r:embed="rId12">
+            <a:extLst>
+              <a:ext uri="{28A0092B-C50C-407E-A947-70E740481C1C}">
+                <a14:useLocalDpi xmlns:a14="http://schemas.microsoft.com/office/drawing/2010/main" val="0"/>
+              </a:ext>
+            </a:extLst>
+          </a:blip>
+          <a:stretch>
+            <a:fillRect/>
+          </a:stretch>
+        </p:blipFill>
+        <p:spPr>
+          <a:xfrm>
+            <a:off x="5054726" y="4585609"/>
+            <a:ext cx="5257800" cy="1657350"/>
+          </a:xfrm>
+          <a:prstGeom prst="rect">
+            <a:avLst/>
+          </a:prstGeom>
+        </p:spPr>
+      </p:pic>
+      <p:pic>
+        <p:nvPicPr>
+          <p:cNvPr id="15" name="in3">
+            <a:hlinkClick r:id="" action="ppaction://media"/>
+          </p:cNvPr>
+          <p:cNvPicPr>
+            <a:picLocks noChangeAspect="1"/>
+          </p:cNvPicPr>
+          <p:nvPr>
+            <a:audioFile r:link="rId2"/>
+            <p:extLst>
+              <p:ext uri="{DAA4B4D4-6D71-4841-9C94-3DE7FCFB9230}">
+                <p14:media xmlns:p14="http://schemas.microsoft.com/office/powerpoint/2010/main" r:embed="rId1"/>
+              </p:ext>
+            </p:extLst>
+          </p:nvPr>
+        </p:nvPicPr>
+        <p:blipFill>
+          <a:blip r:embed="rId13"/>
+          <a:stretch>
+            <a:fillRect/>
+          </a:stretch>
+        </p:blipFill>
+        <p:spPr>
+          <a:xfrm>
+            <a:off x="3622128" y="1824343"/>
+            <a:ext cx="406400" cy="406400"/>
+          </a:xfrm>
+          <a:prstGeom prst="rect">
+            <a:avLst/>
+          </a:prstGeom>
+        </p:spPr>
+      </p:pic>
+      <p:pic>
+        <p:nvPicPr>
+          <p:cNvPr id="16" name="out3">
+            <a:hlinkClick r:id="" action="ppaction://media"/>
+          </p:cNvPr>
+          <p:cNvPicPr>
+            <a:picLocks noChangeAspect="1"/>
+          </p:cNvPicPr>
+          <p:nvPr>
+            <a:audioFile r:link="rId4"/>
+            <p:extLst>
+              <p:ext uri="{DAA4B4D4-6D71-4841-9C94-3DE7FCFB9230}">
+                <p14:media xmlns:p14="http://schemas.microsoft.com/office/powerpoint/2010/main" r:embed="rId3"/>
+              </p:ext>
+            </p:extLst>
+          </p:nvPr>
+        </p:nvPicPr>
+        <p:blipFill>
+          <a:blip r:embed="rId13"/>
+          <a:stretch>
+            <a:fillRect/>
+          </a:stretch>
+        </p:blipFill>
+        <p:spPr>
+          <a:xfrm>
+            <a:off x="3634171" y="3374620"/>
+            <a:ext cx="382314" cy="382314"/>
+          </a:xfrm>
+          <a:prstGeom prst="rect">
+            <a:avLst/>
+          </a:prstGeom>
+        </p:spPr>
+      </p:pic>
+      <p:pic>
+        <p:nvPicPr>
+          <p:cNvPr id="17" name="out3_naive">
+            <a:hlinkClick r:id="" action="ppaction://media"/>
+          </p:cNvPr>
+          <p:cNvPicPr>
+            <a:picLocks noChangeAspect="1"/>
+          </p:cNvPicPr>
+          <p:nvPr>
+            <a:audioFile r:link="rId6"/>
+            <p:extLst>
+              <p:ext uri="{DAA4B4D4-6D71-4841-9C94-3DE7FCFB9230}">
+                <p14:media xmlns:p14="http://schemas.microsoft.com/office/powerpoint/2010/main" r:embed="rId5"/>
+              </p:ext>
+            </p:extLst>
+          </p:nvPr>
+        </p:nvPicPr>
+        <p:blipFill>
+          <a:blip r:embed="rId13"/>
+          <a:stretch>
+            <a:fillRect/>
+          </a:stretch>
+        </p:blipFill>
+        <p:spPr>
+          <a:xfrm>
+            <a:off x="3610085" y="4830122"/>
+            <a:ext cx="406400" cy="406400"/>
+          </a:xfrm>
+          <a:prstGeom prst="rect">
+            <a:avLst/>
+          </a:prstGeom>
+        </p:spPr>
+      </p:pic>
+      <p:pic>
+        <p:nvPicPr>
+          <p:cNvPr id="18" name="mozart_k545_example">
+            <a:hlinkClick r:id="" action="ppaction://media"/>
+          </p:cNvPr>
+          <p:cNvPicPr>
+            <a:picLocks noChangeAspect="1"/>
+          </p:cNvPicPr>
+          <p:nvPr>
+            <a:audioFile r:link="rId8"/>
+            <p:extLst>
+              <p:ext uri="{DAA4B4D4-6D71-4841-9C94-3DE7FCFB9230}">
+                <p14:media xmlns:p14="http://schemas.microsoft.com/office/powerpoint/2010/main" r:embed="rId7"/>
+              </p:ext>
+            </p:extLst>
+          </p:nvPr>
+        </p:nvPicPr>
+        <p:blipFill>
+          <a:blip r:embed="rId13"/>
+          <a:stretch>
+            <a:fillRect/>
+          </a:stretch>
+        </p:blipFill>
+        <p:spPr>
+          <a:xfrm>
+            <a:off x="3610085" y="6153113"/>
+            <a:ext cx="406400" cy="406400"/>
+          </a:xfrm>
+          <a:prstGeom prst="rect">
+            <a:avLst/>
+          </a:prstGeom>
+        </p:spPr>
+      </p:pic>
     </p:spTree>
     <p:extLst>
       <p:ext uri="{BB962C8B-B14F-4D97-AF65-F5344CB8AC3E}">
-        <p14:creationId xmlns:p14="http://schemas.microsoft.com/office/powerpoint/2010/main" val="2221333472"/>
+        <p14:creationId xmlns:p14="http://schemas.microsoft.com/office/powerpoint/2010/main" val="1198776991"/>
       </p:ext>
     </p:extLst>
   </p:cSld>
@@ -6230,7 +7473,318 @@
   <p:timing>
     <p:tnLst>
       <p:par>
-        <p:cTn id="1" dur="indefinite" restart="never" nodeType="tmRoot"/>
+        <p:cTn id="1" dur="indefinite" restart="never" nodeType="tmRoot">
+          <p:childTnLst>
+            <p:seq concurrent="1" nextAc="seek">
+              <p:cTn id="2" restart="whenNotActive" fill="hold" evtFilter="cancelBubble" nodeType="interactiveSeq">
+                <p:stCondLst>
+                  <p:cond evt="onClick" delay="0">
+                    <p:tgtEl>
+                      <p:spTgt spid="15"/>
+                    </p:tgtEl>
+                  </p:cond>
+                </p:stCondLst>
+                <p:endSync evt="end" delay="0">
+                  <p:rtn val="all"/>
+                </p:endSync>
+                <p:childTnLst>
+                  <p:par>
+                    <p:cTn id="3" fill="hold">
+                      <p:stCondLst>
+                        <p:cond delay="0"/>
+                      </p:stCondLst>
+                      <p:childTnLst>
+                        <p:par>
+                          <p:cTn id="4" fill="hold">
+                            <p:stCondLst>
+                              <p:cond delay="0"/>
+                            </p:stCondLst>
+                            <p:childTnLst>
+                              <p:par>
+                                <p:cTn id="5" presetID="1" presetClass="mediacall" presetSubtype="0" fill="hold" nodeType="clickEffect">
+                                  <p:stCondLst>
+                                    <p:cond delay="0"/>
+                                  </p:stCondLst>
+                                  <p:childTnLst>
+                                    <p:cmd type="call" cmd="playFrom(0.0)">
+                                      <p:cBhvr>
+                                        <p:cTn id="6" dur="6000" fill="hold"/>
+                                        <p:tgtEl>
+                                          <p:spTgt spid="15"/>
+                                        </p:tgtEl>
+                                      </p:cBhvr>
+                                    </p:cmd>
+                                  </p:childTnLst>
+                                </p:cTn>
+                              </p:par>
+                            </p:childTnLst>
+                          </p:cTn>
+                        </p:par>
+                      </p:childTnLst>
+                    </p:cTn>
+                  </p:par>
+                </p:childTnLst>
+              </p:cTn>
+              <p:nextCondLst>
+                <p:cond evt="onClick" delay="0">
+                  <p:tgtEl>
+                    <p:spTgt spid="15"/>
+                  </p:tgtEl>
+                </p:cond>
+              </p:nextCondLst>
+            </p:seq>
+            <p:audio>
+              <p:cMediaNode vol="80000">
+                <p:cTn id="7" fill="hold" display="0">
+                  <p:stCondLst>
+                    <p:cond delay="indefinite"/>
+                  </p:stCondLst>
+                  <p:endCondLst>
+                    <p:cond evt="onStopAudio" delay="0">
+                      <p:tgtEl>
+                        <p:sldTgt/>
+                      </p:tgtEl>
+                    </p:cond>
+                  </p:endCondLst>
+                </p:cTn>
+                <p:tgtEl>
+                  <p:spTgt spid="15"/>
+                </p:tgtEl>
+              </p:cMediaNode>
+            </p:audio>
+            <p:seq concurrent="1" nextAc="seek">
+              <p:cTn id="8" restart="whenNotActive" fill="hold" evtFilter="cancelBubble" nodeType="interactiveSeq">
+                <p:stCondLst>
+                  <p:cond evt="onClick" delay="0">
+                    <p:tgtEl>
+                      <p:spTgt spid="16"/>
+                    </p:tgtEl>
+                  </p:cond>
+                </p:stCondLst>
+                <p:endSync evt="end" delay="0">
+                  <p:rtn val="all"/>
+                </p:endSync>
+                <p:childTnLst>
+                  <p:par>
+                    <p:cTn id="9" fill="hold">
+                      <p:stCondLst>
+                        <p:cond delay="0"/>
+                      </p:stCondLst>
+                      <p:childTnLst>
+                        <p:par>
+                          <p:cTn id="10" fill="hold">
+                            <p:stCondLst>
+                              <p:cond delay="0"/>
+                            </p:stCondLst>
+                            <p:childTnLst>
+                              <p:par>
+                                <p:cTn id="11" presetID="1" presetClass="mediacall" presetSubtype="0" fill="hold" nodeType="clickEffect">
+                                  <p:stCondLst>
+                                    <p:cond delay="0"/>
+                                  </p:stCondLst>
+                                  <p:childTnLst>
+                                    <p:cmd type="call" cmd="playFrom(0.0)">
+                                      <p:cBhvr>
+                                        <p:cTn id="12" dur="6000" fill="hold"/>
+                                        <p:tgtEl>
+                                          <p:spTgt spid="16"/>
+                                        </p:tgtEl>
+                                      </p:cBhvr>
+                                    </p:cmd>
+                                  </p:childTnLst>
+                                </p:cTn>
+                              </p:par>
+                            </p:childTnLst>
+                          </p:cTn>
+                        </p:par>
+                      </p:childTnLst>
+                    </p:cTn>
+                  </p:par>
+                </p:childTnLst>
+              </p:cTn>
+              <p:nextCondLst>
+                <p:cond evt="onClick" delay="0">
+                  <p:tgtEl>
+                    <p:spTgt spid="16"/>
+                  </p:tgtEl>
+                </p:cond>
+              </p:nextCondLst>
+            </p:seq>
+            <p:audio>
+              <p:cMediaNode vol="80000">
+                <p:cTn id="13" fill="hold" display="0">
+                  <p:stCondLst>
+                    <p:cond delay="indefinite"/>
+                  </p:stCondLst>
+                  <p:endCondLst>
+                    <p:cond evt="onStopAudio" delay="0">
+                      <p:tgtEl>
+                        <p:sldTgt/>
+                      </p:tgtEl>
+                    </p:cond>
+                  </p:endCondLst>
+                </p:cTn>
+                <p:tgtEl>
+                  <p:spTgt spid="16"/>
+                </p:tgtEl>
+              </p:cMediaNode>
+            </p:audio>
+            <p:seq concurrent="1" nextAc="seek">
+              <p:cTn id="14" restart="whenNotActive" fill="hold" evtFilter="cancelBubble" nodeType="interactiveSeq">
+                <p:stCondLst>
+                  <p:cond evt="onClick" delay="0">
+                    <p:tgtEl>
+                      <p:spTgt spid="17"/>
+                    </p:tgtEl>
+                  </p:cond>
+                </p:stCondLst>
+                <p:endSync evt="end" delay="0">
+                  <p:rtn val="all"/>
+                </p:endSync>
+                <p:childTnLst>
+                  <p:par>
+                    <p:cTn id="15" fill="hold">
+                      <p:stCondLst>
+                        <p:cond delay="0"/>
+                      </p:stCondLst>
+                      <p:childTnLst>
+                        <p:par>
+                          <p:cTn id="16" fill="hold">
+                            <p:stCondLst>
+                              <p:cond delay="0"/>
+                            </p:stCondLst>
+                            <p:childTnLst>
+                              <p:par>
+                                <p:cTn id="17" presetID="1" presetClass="mediacall" presetSubtype="0" fill="hold" nodeType="clickEffect">
+                                  <p:stCondLst>
+                                    <p:cond delay="0"/>
+                                  </p:stCondLst>
+                                  <p:childTnLst>
+                                    <p:cmd type="call" cmd="playFrom(0.0)">
+                                      <p:cBhvr>
+                                        <p:cTn id="18" dur="6000" fill="hold"/>
+                                        <p:tgtEl>
+                                          <p:spTgt spid="17"/>
+                                        </p:tgtEl>
+                                      </p:cBhvr>
+                                    </p:cmd>
+                                  </p:childTnLst>
+                                </p:cTn>
+                              </p:par>
+                            </p:childTnLst>
+                          </p:cTn>
+                        </p:par>
+                      </p:childTnLst>
+                    </p:cTn>
+                  </p:par>
+                </p:childTnLst>
+              </p:cTn>
+              <p:nextCondLst>
+                <p:cond evt="onClick" delay="0">
+                  <p:tgtEl>
+                    <p:spTgt spid="17"/>
+                  </p:tgtEl>
+                </p:cond>
+              </p:nextCondLst>
+            </p:seq>
+            <p:audio>
+              <p:cMediaNode vol="80000">
+                <p:cTn id="19" fill="hold" display="0">
+                  <p:stCondLst>
+                    <p:cond delay="indefinite"/>
+                  </p:stCondLst>
+                  <p:endCondLst>
+                    <p:cond evt="onStopAudio" delay="0">
+                      <p:tgtEl>
+                        <p:sldTgt/>
+                      </p:tgtEl>
+                    </p:cond>
+                  </p:endCondLst>
+                </p:cTn>
+                <p:tgtEl>
+                  <p:spTgt spid="17"/>
+                </p:tgtEl>
+              </p:cMediaNode>
+            </p:audio>
+            <p:seq concurrent="1" nextAc="seek">
+              <p:cTn id="20" restart="whenNotActive" fill="hold" evtFilter="cancelBubble" nodeType="interactiveSeq">
+                <p:stCondLst>
+                  <p:cond evt="onClick" delay="0">
+                    <p:tgtEl>
+                      <p:spTgt spid="18"/>
+                    </p:tgtEl>
+                  </p:cond>
+                </p:stCondLst>
+                <p:endSync evt="end" delay="0">
+                  <p:rtn val="all"/>
+                </p:endSync>
+                <p:childTnLst>
+                  <p:par>
+                    <p:cTn id="21" fill="hold">
+                      <p:stCondLst>
+                        <p:cond delay="0"/>
+                      </p:stCondLst>
+                      <p:childTnLst>
+                        <p:par>
+                          <p:cTn id="22" fill="hold">
+                            <p:stCondLst>
+                              <p:cond delay="0"/>
+                            </p:stCondLst>
+                            <p:childTnLst>
+                              <p:par>
+                                <p:cTn id="23" presetID="1" presetClass="mediacall" presetSubtype="0" fill="hold" nodeType="clickEffect">
+                                  <p:stCondLst>
+                                    <p:cond delay="0"/>
+                                  </p:stCondLst>
+                                  <p:childTnLst>
+                                    <p:cmd type="call" cmd="playFrom(0.0)">
+                                      <p:cBhvr>
+                                        <p:cTn id="24" dur="17000" fill="hold"/>
+                                        <p:tgtEl>
+                                          <p:spTgt spid="18"/>
+                                        </p:tgtEl>
+                                      </p:cBhvr>
+                                    </p:cmd>
+                                  </p:childTnLst>
+                                </p:cTn>
+                              </p:par>
+                            </p:childTnLst>
+                          </p:cTn>
+                        </p:par>
+                      </p:childTnLst>
+                    </p:cTn>
+                  </p:par>
+                </p:childTnLst>
+              </p:cTn>
+              <p:nextCondLst>
+                <p:cond evt="onClick" delay="0">
+                  <p:tgtEl>
+                    <p:spTgt spid="18"/>
+                  </p:tgtEl>
+                </p:cond>
+              </p:nextCondLst>
+            </p:seq>
+            <p:audio>
+              <p:cMediaNode vol="80000">
+                <p:cTn id="25" fill="hold" display="0">
+                  <p:stCondLst>
+                    <p:cond delay="indefinite"/>
+                  </p:stCondLst>
+                  <p:endCondLst>
+                    <p:cond evt="onStopAudio" delay="0">
+                      <p:tgtEl>
+                        <p:sldTgt/>
+                      </p:tgtEl>
+                    </p:cond>
+                  </p:endCondLst>
+                </p:cTn>
+                <p:tgtEl>
+                  <p:spTgt spid="18"/>
+                </p:tgtEl>
+              </p:cMediaNode>
+            </p:audio>
+          </p:childTnLst>
+        </p:cTn>
       </p:par>
     </p:tnLst>
   </p:timing>
@@ -6256,12 +7810,12 @@
       </p:grpSpPr>
       <p:sp>
         <p:nvSpPr>
-          <p:cNvPr id="4" name="標題 3"/>
+          <p:cNvPr id="2" name="標題 1"/>
           <p:cNvSpPr>
             <a:spLocks noGrp="1"/>
           </p:cNvSpPr>
           <p:nvPr>
-            <p:ph type="ctrTitle"/>
+            <p:ph type="title"/>
           </p:nvPr>
         </p:nvSpPr>
         <p:spPr/>
@@ -6271,7 +7825,7 @@
           <a:p>
             <a:r>
               <a:rPr lang="en-US" altLang="zh-TW" i="1" dirty="0" smtClean="0"/>
-              <a:t>Thank You</a:t>
+              <a:t>Experiments</a:t>
             </a:r>
             <a:endParaRPr lang="zh-TW" altLang="en-US" i="1" dirty="0"/>
           </a:p>
@@ -6279,27 +7833,622 @@
       </p:sp>
       <p:sp>
         <p:nvSpPr>
-          <p:cNvPr id="5" name="副標題 4"/>
-          <p:cNvSpPr>
-            <a:spLocks noGrp="1"/>
+          <p:cNvPr id="6" name="內容版面配置區 2"/>
+          <p:cNvSpPr txBox="1">
+            <a:spLocks/>
           </p:cNvSpPr>
-          <p:nvPr>
-            <p:ph type="subTitle" idx="1"/>
-          </p:nvPr>
+          <p:nvPr/>
         </p:nvSpPr>
-        <p:spPr/>
+        <p:spPr>
+          <a:xfrm>
+            <a:off x="1261872" y="1828800"/>
+            <a:ext cx="8595360" cy="4887310"/>
+          </a:xfrm>
+          <a:prstGeom prst="rect">
+            <a:avLst/>
+          </a:prstGeom>
+        </p:spPr>
         <p:txBody>
-          <a:bodyPr/>
-          <a:lstStyle/>
-          <a:p>
-            <a:endParaRPr lang="zh-TW" altLang="en-US"/>
+          <a:bodyPr vert="horz" lIns="91440" tIns="45720" rIns="91440" bIns="45720" rtlCol="0">
+            <a:normAutofit/>
+          </a:bodyPr>
+          <a:lstStyle>
+            <a:lvl1pPr marL="182880" indent="-182880" algn="l" defTabSz="914400" rtl="0" eaLnBrk="1" latinLnBrk="0" hangingPunct="1">
+              <a:lnSpc>
+                <a:spcPct val="95000"/>
+              </a:lnSpc>
+              <a:spcBef>
+                <a:spcPts val="1400"/>
+              </a:spcBef>
+              <a:spcAft>
+                <a:spcPts val="200"/>
+              </a:spcAft>
+              <a:buClr>
+                <a:schemeClr val="accent1"/>
+              </a:buClr>
+              <a:buSzPct val="80000"/>
+              <a:buFont typeface="Arial" pitchFamily="34" charset="0"/>
+              <a:buChar char="•"/>
+              <a:defRPr sz="1800" kern="1200" spc="10" baseline="0">
+                <a:solidFill>
+                  <a:schemeClr val="tx1"/>
+                </a:solidFill>
+                <a:latin typeface="+mn-lt"/>
+                <a:ea typeface="+mn-ea"/>
+                <a:cs typeface="+mn-cs"/>
+              </a:defRPr>
+            </a:lvl1pPr>
+            <a:lvl2pPr marL="457200" indent="-182880" algn="l" defTabSz="914400" rtl="0" eaLnBrk="1" latinLnBrk="0" hangingPunct="1">
+              <a:lnSpc>
+                <a:spcPct val="90000"/>
+              </a:lnSpc>
+              <a:spcBef>
+                <a:spcPts val="300"/>
+              </a:spcBef>
+              <a:spcAft>
+                <a:spcPts val="300"/>
+              </a:spcAft>
+              <a:buClr>
+                <a:schemeClr val="accent1"/>
+              </a:buClr>
+              <a:buFont typeface="Wingdings 2" pitchFamily="18" charset="2"/>
+              <a:buChar char=""/>
+              <a:defRPr sz="1600" kern="1200">
+                <a:solidFill>
+                  <a:schemeClr val="tx1">
+                    <a:lumMod val="85000"/>
+                    <a:lumOff val="15000"/>
+                  </a:schemeClr>
+                </a:solidFill>
+                <a:latin typeface="+mn-lt"/>
+                <a:ea typeface="+mn-ea"/>
+                <a:cs typeface="+mn-cs"/>
+              </a:defRPr>
+            </a:lvl2pPr>
+            <a:lvl3pPr marL="731520" indent="-182880" algn="l" defTabSz="914400" rtl="0" eaLnBrk="1" latinLnBrk="0" hangingPunct="1">
+              <a:lnSpc>
+                <a:spcPct val="90000"/>
+              </a:lnSpc>
+              <a:spcBef>
+                <a:spcPts val="300"/>
+              </a:spcBef>
+              <a:spcAft>
+                <a:spcPts val="300"/>
+              </a:spcAft>
+              <a:buClr>
+                <a:schemeClr val="accent1"/>
+              </a:buClr>
+              <a:buFont typeface="Wingdings 2" pitchFamily="18" charset="2"/>
+              <a:buChar char=""/>
+              <a:defRPr sz="1400" kern="1200">
+                <a:solidFill>
+                  <a:schemeClr val="tx1">
+                    <a:lumMod val="85000"/>
+                    <a:lumOff val="15000"/>
+                  </a:schemeClr>
+                </a:solidFill>
+                <a:latin typeface="+mn-lt"/>
+                <a:ea typeface="+mn-ea"/>
+                <a:cs typeface="+mn-cs"/>
+              </a:defRPr>
+            </a:lvl3pPr>
+            <a:lvl4pPr marL="1005840" indent="-182880" algn="l" defTabSz="914400" rtl="0" eaLnBrk="1" latinLnBrk="0" hangingPunct="1">
+              <a:lnSpc>
+                <a:spcPct val="90000"/>
+              </a:lnSpc>
+              <a:spcBef>
+                <a:spcPts val="300"/>
+              </a:spcBef>
+              <a:spcAft>
+                <a:spcPts val="300"/>
+              </a:spcAft>
+              <a:buClr>
+                <a:schemeClr val="accent1"/>
+              </a:buClr>
+              <a:buFont typeface="Wingdings 2" pitchFamily="18" charset="2"/>
+              <a:buChar char=""/>
+              <a:defRPr sz="1400" kern="1200">
+                <a:solidFill>
+                  <a:schemeClr val="tx1">
+                    <a:lumMod val="85000"/>
+                    <a:lumOff val="15000"/>
+                  </a:schemeClr>
+                </a:solidFill>
+                <a:latin typeface="+mn-lt"/>
+                <a:ea typeface="+mn-ea"/>
+                <a:cs typeface="+mn-cs"/>
+              </a:defRPr>
+            </a:lvl4pPr>
+            <a:lvl5pPr marL="1280160" indent="-182880" algn="l" defTabSz="914400" rtl="0" eaLnBrk="1" latinLnBrk="0" hangingPunct="1">
+              <a:lnSpc>
+                <a:spcPct val="90000"/>
+              </a:lnSpc>
+              <a:spcBef>
+                <a:spcPts val="300"/>
+              </a:spcBef>
+              <a:spcAft>
+                <a:spcPts val="300"/>
+              </a:spcAft>
+              <a:buClr>
+                <a:schemeClr val="accent1"/>
+              </a:buClr>
+              <a:buFont typeface="Wingdings 2" pitchFamily="18" charset="2"/>
+              <a:buChar char=""/>
+              <a:defRPr sz="1400" kern="1200">
+                <a:solidFill>
+                  <a:schemeClr val="tx1">
+                    <a:lumMod val="85000"/>
+                    <a:lumOff val="15000"/>
+                  </a:schemeClr>
+                </a:solidFill>
+                <a:latin typeface="+mn-lt"/>
+                <a:ea typeface="+mn-ea"/>
+                <a:cs typeface="+mn-cs"/>
+              </a:defRPr>
+            </a:lvl5pPr>
+            <a:lvl6pPr marL="1600000" indent="-228600" algn="l" defTabSz="914400" rtl="0" eaLnBrk="1" latinLnBrk="0" hangingPunct="1">
+              <a:lnSpc>
+                <a:spcPct val="90000"/>
+              </a:lnSpc>
+              <a:spcBef>
+                <a:spcPts val="300"/>
+              </a:spcBef>
+              <a:spcAft>
+                <a:spcPts val="300"/>
+              </a:spcAft>
+              <a:buClr>
+                <a:schemeClr val="accent1"/>
+              </a:buClr>
+              <a:buFont typeface="Wingdings 2" pitchFamily="18" charset="2"/>
+              <a:buChar char=""/>
+              <a:defRPr sz="1400" kern="1200">
+                <a:solidFill>
+                  <a:schemeClr val="tx1">
+                    <a:lumMod val="85000"/>
+                    <a:lumOff val="15000"/>
+                  </a:schemeClr>
+                </a:solidFill>
+                <a:latin typeface="+mn-lt"/>
+                <a:ea typeface="+mn-ea"/>
+                <a:cs typeface="+mn-cs"/>
+              </a:defRPr>
+            </a:lvl6pPr>
+            <a:lvl7pPr marL="1900000" indent="-228600" algn="l" defTabSz="914400" rtl="0" eaLnBrk="1" latinLnBrk="0" hangingPunct="1">
+              <a:lnSpc>
+                <a:spcPct val="90000"/>
+              </a:lnSpc>
+              <a:spcBef>
+                <a:spcPts val="300"/>
+              </a:spcBef>
+              <a:spcAft>
+                <a:spcPts val="300"/>
+              </a:spcAft>
+              <a:buClr>
+                <a:schemeClr val="accent1"/>
+              </a:buClr>
+              <a:buFont typeface="Wingdings 2" pitchFamily="18" charset="2"/>
+              <a:buChar char=""/>
+              <a:defRPr sz="1400" kern="1200">
+                <a:solidFill>
+                  <a:schemeClr val="tx1">
+                    <a:lumMod val="85000"/>
+                    <a:lumOff val="15000"/>
+                  </a:schemeClr>
+                </a:solidFill>
+                <a:latin typeface="+mn-lt"/>
+                <a:ea typeface="+mn-ea"/>
+                <a:cs typeface="+mn-cs"/>
+              </a:defRPr>
+            </a:lvl7pPr>
+            <a:lvl8pPr marL="2200000" indent="-228600" algn="l" defTabSz="914400" rtl="0" eaLnBrk="1" latinLnBrk="0" hangingPunct="1">
+              <a:lnSpc>
+                <a:spcPct val="90000"/>
+              </a:lnSpc>
+              <a:spcBef>
+                <a:spcPts val="300"/>
+              </a:spcBef>
+              <a:spcAft>
+                <a:spcPts val="300"/>
+              </a:spcAft>
+              <a:buClr>
+                <a:schemeClr val="accent1"/>
+              </a:buClr>
+              <a:buFont typeface="Wingdings 2" pitchFamily="18" charset="2"/>
+              <a:buChar char=""/>
+              <a:defRPr sz="1400" kern="1200">
+                <a:solidFill>
+                  <a:schemeClr val="tx1">
+                    <a:lumMod val="85000"/>
+                    <a:lumOff val="15000"/>
+                  </a:schemeClr>
+                </a:solidFill>
+                <a:latin typeface="+mn-lt"/>
+                <a:ea typeface="+mn-ea"/>
+                <a:cs typeface="+mn-cs"/>
+              </a:defRPr>
+            </a:lvl8pPr>
+            <a:lvl9pPr marL="2500000" indent="-228600" algn="l" defTabSz="914400" rtl="0" eaLnBrk="1" latinLnBrk="0" hangingPunct="1">
+              <a:lnSpc>
+                <a:spcPct val="90000"/>
+              </a:lnSpc>
+              <a:spcBef>
+                <a:spcPts val="300"/>
+              </a:spcBef>
+              <a:spcAft>
+                <a:spcPts val="300"/>
+              </a:spcAft>
+              <a:buClr>
+                <a:schemeClr val="accent1"/>
+              </a:buClr>
+              <a:buFont typeface="Wingdings 2" pitchFamily="18" charset="2"/>
+              <a:buChar char=""/>
+              <a:defRPr sz="1400" kern="1200">
+                <a:solidFill>
+                  <a:schemeClr val="tx1">
+                    <a:lumMod val="85000"/>
+                    <a:lumOff val="15000"/>
+                  </a:schemeClr>
+                </a:solidFill>
+                <a:latin typeface="+mn-lt"/>
+                <a:ea typeface="+mn-ea"/>
+                <a:cs typeface="+mn-cs"/>
+              </a:defRPr>
+            </a:lvl9pPr>
+          </a:lstStyle>
+          <a:p>
+            <a:pPr marL="0" indent="0">
+              <a:buNone/>
+            </a:pPr>
+            <a:r>
+              <a:rPr lang="en-US" altLang="zh-TW" dirty="0" smtClean="0"/>
+              <a:t>Input:</a:t>
+            </a:r>
+          </a:p>
+          <a:p>
+            <a:pPr marL="0" indent="0">
+              <a:buNone/>
+            </a:pPr>
+            <a:endParaRPr lang="en-US" altLang="zh-TW" dirty="0"/>
+          </a:p>
+          <a:p>
+            <a:pPr marL="0" indent="0">
+              <a:buNone/>
+            </a:pPr>
+            <a:endParaRPr lang="en-US" altLang="zh-TW" dirty="0"/>
+          </a:p>
+          <a:p>
+            <a:pPr marL="0" indent="0">
+              <a:buNone/>
+            </a:pPr>
+            <a:r>
+              <a:rPr lang="en-US" altLang="zh-TW" dirty="0" smtClean="0"/>
+              <a:t>Proposed output:</a:t>
+            </a:r>
+          </a:p>
+          <a:p>
+            <a:pPr marL="0" indent="0">
+              <a:buNone/>
+            </a:pPr>
+            <a:endParaRPr lang="en-US" altLang="zh-TW" dirty="0"/>
+          </a:p>
+          <a:p>
+            <a:pPr marL="0" indent="0">
+              <a:buNone/>
+            </a:pPr>
+            <a:endParaRPr lang="en-US" altLang="zh-TW" dirty="0"/>
+          </a:p>
+          <a:p>
+            <a:pPr marL="0" indent="0">
+              <a:buNone/>
+            </a:pPr>
+            <a:r>
+              <a:rPr lang="en-US" altLang="zh-TW" dirty="0" smtClean="0"/>
+              <a:t>Naïve output:</a:t>
+            </a:r>
           </a:p>
         </p:txBody>
       </p:sp>
+      <p:pic>
+        <p:nvPicPr>
+          <p:cNvPr id="7" name="in9">
+            <a:hlinkClick r:id="" action="ppaction://media"/>
+          </p:cNvPr>
+          <p:cNvPicPr>
+            <a:picLocks noChangeAspect="1"/>
+          </p:cNvPicPr>
+          <p:nvPr>
+            <a:audioFile r:link="rId2"/>
+            <p:extLst>
+              <p:ext uri="{DAA4B4D4-6D71-4841-9C94-3DE7FCFB9230}">
+                <p14:media xmlns:p14="http://schemas.microsoft.com/office/powerpoint/2010/main" r:embed="rId1"/>
+              </p:ext>
+            </p:extLst>
+          </p:nvPr>
+        </p:nvPicPr>
+        <p:blipFill>
+          <a:blip r:embed="rId20"/>
+          <a:stretch>
+            <a:fillRect/>
+          </a:stretch>
+        </p:blipFill>
+        <p:spPr>
+          <a:xfrm>
+            <a:off x="4326977" y="1963519"/>
+            <a:ext cx="406400" cy="406400"/>
+          </a:xfrm>
+          <a:prstGeom prst="rect">
+            <a:avLst/>
+          </a:prstGeom>
+        </p:spPr>
+      </p:pic>
+      <p:pic>
+        <p:nvPicPr>
+          <p:cNvPr id="9" name="out9">
+            <a:hlinkClick r:id="" action="ppaction://media"/>
+          </p:cNvPr>
+          <p:cNvPicPr>
+            <a:picLocks noChangeAspect="1"/>
+          </p:cNvPicPr>
+          <p:nvPr>
+            <a:audioFile r:link="rId4"/>
+            <p:extLst>
+              <p:ext uri="{DAA4B4D4-6D71-4841-9C94-3DE7FCFB9230}">
+                <p14:media xmlns:p14="http://schemas.microsoft.com/office/powerpoint/2010/main" r:embed="rId3"/>
+              </p:ext>
+            </p:extLst>
+          </p:nvPr>
+        </p:nvPicPr>
+        <p:blipFill>
+          <a:blip r:embed="rId20"/>
+          <a:stretch>
+            <a:fillRect/>
+          </a:stretch>
+        </p:blipFill>
+        <p:spPr>
+          <a:xfrm>
+            <a:off x="4326977" y="3431190"/>
+            <a:ext cx="406400" cy="406400"/>
+          </a:xfrm>
+          <a:prstGeom prst="rect">
+            <a:avLst/>
+          </a:prstGeom>
+        </p:spPr>
+      </p:pic>
+      <p:pic>
+        <p:nvPicPr>
+          <p:cNvPr id="10" name="out9_naive">
+            <a:hlinkClick r:id="" action="ppaction://media"/>
+          </p:cNvPr>
+          <p:cNvPicPr>
+            <a:picLocks noChangeAspect="1"/>
+          </p:cNvPicPr>
+          <p:nvPr>
+            <a:audioFile r:link="rId6"/>
+            <p:extLst>
+              <p:ext uri="{DAA4B4D4-6D71-4841-9C94-3DE7FCFB9230}">
+                <p14:media xmlns:p14="http://schemas.microsoft.com/office/powerpoint/2010/main" r:embed="rId5"/>
+              </p:ext>
+            </p:extLst>
+          </p:nvPr>
+        </p:nvPicPr>
+        <p:blipFill>
+          <a:blip r:embed="rId20"/>
+          <a:stretch>
+            <a:fillRect/>
+          </a:stretch>
+        </p:blipFill>
+        <p:spPr>
+          <a:xfrm>
+            <a:off x="4326977" y="5042776"/>
+            <a:ext cx="406400" cy="406400"/>
+          </a:xfrm>
+          <a:prstGeom prst="rect">
+            <a:avLst/>
+          </a:prstGeom>
+        </p:spPr>
+      </p:pic>
+      <p:pic>
+        <p:nvPicPr>
+          <p:cNvPr id="11" name="in10">
+            <a:hlinkClick r:id="" action="ppaction://media"/>
+          </p:cNvPr>
+          <p:cNvPicPr>
+            <a:picLocks noChangeAspect="1"/>
+          </p:cNvPicPr>
+          <p:nvPr>
+            <a:audioFile r:link="rId8"/>
+            <p:extLst>
+              <p:ext uri="{DAA4B4D4-6D71-4841-9C94-3DE7FCFB9230}">
+                <p14:media xmlns:p14="http://schemas.microsoft.com/office/powerpoint/2010/main" r:embed="rId7"/>
+              </p:ext>
+            </p:extLst>
+          </p:nvPr>
+        </p:nvPicPr>
+        <p:blipFill>
+          <a:blip r:embed="rId20"/>
+          <a:stretch>
+            <a:fillRect/>
+          </a:stretch>
+        </p:blipFill>
+        <p:spPr>
+          <a:xfrm>
+            <a:off x="6535574" y="1963519"/>
+            <a:ext cx="406400" cy="406400"/>
+          </a:xfrm>
+          <a:prstGeom prst="rect">
+            <a:avLst/>
+          </a:prstGeom>
+        </p:spPr>
+      </p:pic>
+      <p:pic>
+        <p:nvPicPr>
+          <p:cNvPr id="14" name="out10">
+            <a:hlinkClick r:id="" action="ppaction://media"/>
+          </p:cNvPr>
+          <p:cNvPicPr>
+            <a:picLocks noChangeAspect="1"/>
+          </p:cNvPicPr>
+          <p:nvPr>
+            <a:audioFile r:link="rId10"/>
+            <p:extLst>
+              <p:ext uri="{DAA4B4D4-6D71-4841-9C94-3DE7FCFB9230}">
+                <p14:media xmlns:p14="http://schemas.microsoft.com/office/powerpoint/2010/main" r:embed="rId9"/>
+              </p:ext>
+            </p:extLst>
+          </p:nvPr>
+        </p:nvPicPr>
+        <p:blipFill>
+          <a:blip r:embed="rId20"/>
+          <a:stretch>
+            <a:fillRect/>
+          </a:stretch>
+        </p:blipFill>
+        <p:spPr>
+          <a:xfrm>
+            <a:off x="6535574" y="3458017"/>
+            <a:ext cx="406400" cy="406400"/>
+          </a:xfrm>
+          <a:prstGeom prst="rect">
+            <a:avLst/>
+          </a:prstGeom>
+        </p:spPr>
+      </p:pic>
+      <p:pic>
+        <p:nvPicPr>
+          <p:cNvPr id="19" name="out10_naive">
+            <a:hlinkClick r:id="" action="ppaction://media"/>
+          </p:cNvPr>
+          <p:cNvPicPr>
+            <a:picLocks noChangeAspect="1"/>
+          </p:cNvPicPr>
+          <p:nvPr>
+            <a:audioFile r:link="rId12"/>
+            <p:extLst>
+              <p:ext uri="{DAA4B4D4-6D71-4841-9C94-3DE7FCFB9230}">
+                <p14:media xmlns:p14="http://schemas.microsoft.com/office/powerpoint/2010/main" r:embed="rId11"/>
+              </p:ext>
+            </p:extLst>
+          </p:nvPr>
+        </p:nvPicPr>
+        <p:blipFill>
+          <a:blip r:embed="rId20"/>
+          <a:stretch>
+            <a:fillRect/>
+          </a:stretch>
+        </p:blipFill>
+        <p:spPr>
+          <a:xfrm>
+            <a:off x="6535574" y="5049401"/>
+            <a:ext cx="406400" cy="406400"/>
+          </a:xfrm>
+          <a:prstGeom prst="rect">
+            <a:avLst/>
+          </a:prstGeom>
+        </p:spPr>
+      </p:pic>
+      <p:pic>
+        <p:nvPicPr>
+          <p:cNvPr id="20" name="in12">
+            <a:hlinkClick r:id="" action="ppaction://media"/>
+          </p:cNvPr>
+          <p:cNvPicPr>
+            <a:picLocks noChangeAspect="1"/>
+          </p:cNvPicPr>
+          <p:nvPr>
+            <a:audioFile r:link="rId14"/>
+            <p:extLst>
+              <p:ext uri="{DAA4B4D4-6D71-4841-9C94-3DE7FCFB9230}">
+                <p14:media xmlns:p14="http://schemas.microsoft.com/office/powerpoint/2010/main" r:embed="rId13"/>
+              </p:ext>
+            </p:extLst>
+          </p:nvPr>
+        </p:nvPicPr>
+        <p:blipFill>
+          <a:blip r:embed="rId20"/>
+          <a:stretch>
+            <a:fillRect/>
+          </a:stretch>
+        </p:blipFill>
+        <p:spPr>
+          <a:xfrm>
+            <a:off x="8840788" y="1963519"/>
+            <a:ext cx="406400" cy="406400"/>
+          </a:xfrm>
+          <a:prstGeom prst="rect">
+            <a:avLst/>
+          </a:prstGeom>
+        </p:spPr>
+      </p:pic>
+      <p:pic>
+        <p:nvPicPr>
+          <p:cNvPr id="21" name="out12">
+            <a:hlinkClick r:id="" action="ppaction://media"/>
+          </p:cNvPr>
+          <p:cNvPicPr>
+            <a:picLocks noChangeAspect="1"/>
+          </p:cNvPicPr>
+          <p:nvPr>
+            <a:audioFile r:link="rId16"/>
+            <p:extLst>
+              <p:ext uri="{DAA4B4D4-6D71-4841-9C94-3DE7FCFB9230}">
+                <p14:media xmlns:p14="http://schemas.microsoft.com/office/powerpoint/2010/main" r:embed="rId15"/>
+              </p:ext>
+            </p:extLst>
+          </p:nvPr>
+        </p:nvPicPr>
+        <p:blipFill>
+          <a:blip r:embed="rId20"/>
+          <a:stretch>
+            <a:fillRect/>
+          </a:stretch>
+        </p:blipFill>
+        <p:spPr>
+          <a:xfrm>
+            <a:off x="8840788" y="3458017"/>
+            <a:ext cx="406400" cy="406400"/>
+          </a:xfrm>
+          <a:prstGeom prst="rect">
+            <a:avLst/>
+          </a:prstGeom>
+        </p:spPr>
+      </p:pic>
+      <p:pic>
+        <p:nvPicPr>
+          <p:cNvPr id="22" name="out12_naive">
+            <a:hlinkClick r:id="" action="ppaction://media"/>
+          </p:cNvPr>
+          <p:cNvPicPr>
+            <a:picLocks noChangeAspect="1"/>
+          </p:cNvPicPr>
+          <p:nvPr>
+            <a:audioFile r:link="rId18"/>
+            <p:extLst>
+              <p:ext uri="{DAA4B4D4-6D71-4841-9C94-3DE7FCFB9230}">
+                <p14:media xmlns:p14="http://schemas.microsoft.com/office/powerpoint/2010/main" r:embed="rId17"/>
+              </p:ext>
+            </p:extLst>
+          </p:nvPr>
+        </p:nvPicPr>
+        <p:blipFill>
+          <a:blip r:embed="rId20"/>
+          <a:stretch>
+            <a:fillRect/>
+          </a:stretch>
+        </p:blipFill>
+        <p:spPr>
+          <a:xfrm>
+            <a:off x="8831591" y="5042776"/>
+            <a:ext cx="406400" cy="406400"/>
+          </a:xfrm>
+          <a:prstGeom prst="rect">
+            <a:avLst/>
+          </a:prstGeom>
+        </p:spPr>
+      </p:pic>
     </p:spTree>
     <p:extLst>
       <p:ext uri="{BB962C8B-B14F-4D97-AF65-F5344CB8AC3E}">
-        <p14:creationId xmlns:p14="http://schemas.microsoft.com/office/powerpoint/2010/main" val="1151059677"/>
+        <p14:creationId xmlns:p14="http://schemas.microsoft.com/office/powerpoint/2010/main" val="3973022528"/>
       </p:ext>
     </p:extLst>
   </p:cSld>
@@ -6309,7 +8458,703 @@
   <p:timing>
     <p:tnLst>
       <p:par>
-        <p:cTn id="1" dur="indefinite" restart="never" nodeType="tmRoot"/>
+        <p:cTn id="1" dur="indefinite" restart="never" nodeType="tmRoot">
+          <p:childTnLst>
+            <p:seq concurrent="1" nextAc="seek">
+              <p:cTn id="2" restart="whenNotActive" fill="hold" evtFilter="cancelBubble" nodeType="interactiveSeq">
+                <p:stCondLst>
+                  <p:cond evt="onClick" delay="0">
+                    <p:tgtEl>
+                      <p:spTgt spid="7"/>
+                    </p:tgtEl>
+                  </p:cond>
+                </p:stCondLst>
+                <p:endSync evt="end" delay="0">
+                  <p:rtn val="all"/>
+                </p:endSync>
+                <p:childTnLst>
+                  <p:par>
+                    <p:cTn id="3" fill="hold">
+                      <p:stCondLst>
+                        <p:cond delay="0"/>
+                      </p:stCondLst>
+                      <p:childTnLst>
+                        <p:par>
+                          <p:cTn id="4" fill="hold">
+                            <p:stCondLst>
+                              <p:cond delay="0"/>
+                            </p:stCondLst>
+                            <p:childTnLst>
+                              <p:par>
+                                <p:cTn id="5" presetID="1" presetClass="mediacall" presetSubtype="0" fill="hold" nodeType="clickEffect">
+                                  <p:stCondLst>
+                                    <p:cond delay="0"/>
+                                  </p:stCondLst>
+                                  <p:childTnLst>
+                                    <p:cmd type="call" cmd="playFrom(0.0)">
+                                      <p:cBhvr>
+                                        <p:cTn id="6" dur="5000" fill="hold"/>
+                                        <p:tgtEl>
+                                          <p:spTgt spid="7"/>
+                                        </p:tgtEl>
+                                      </p:cBhvr>
+                                    </p:cmd>
+                                  </p:childTnLst>
+                                </p:cTn>
+                              </p:par>
+                            </p:childTnLst>
+                          </p:cTn>
+                        </p:par>
+                      </p:childTnLst>
+                    </p:cTn>
+                  </p:par>
+                </p:childTnLst>
+              </p:cTn>
+              <p:nextCondLst>
+                <p:cond evt="onClick" delay="0">
+                  <p:tgtEl>
+                    <p:spTgt spid="7"/>
+                  </p:tgtEl>
+                </p:cond>
+              </p:nextCondLst>
+            </p:seq>
+            <p:audio>
+              <p:cMediaNode vol="80000">
+                <p:cTn id="7" fill="hold" display="0">
+                  <p:stCondLst>
+                    <p:cond delay="indefinite"/>
+                  </p:stCondLst>
+                  <p:endCondLst>
+                    <p:cond evt="onStopAudio" delay="0">
+                      <p:tgtEl>
+                        <p:sldTgt/>
+                      </p:tgtEl>
+                    </p:cond>
+                  </p:endCondLst>
+                </p:cTn>
+                <p:tgtEl>
+                  <p:spTgt spid="7"/>
+                </p:tgtEl>
+              </p:cMediaNode>
+            </p:audio>
+            <p:seq concurrent="1" nextAc="seek">
+              <p:cTn id="8" restart="whenNotActive" fill="hold" evtFilter="cancelBubble" nodeType="interactiveSeq">
+                <p:stCondLst>
+                  <p:cond evt="onClick" delay="0">
+                    <p:tgtEl>
+                      <p:spTgt spid="9"/>
+                    </p:tgtEl>
+                  </p:cond>
+                </p:stCondLst>
+                <p:endSync evt="end" delay="0">
+                  <p:rtn val="all"/>
+                </p:endSync>
+                <p:childTnLst>
+                  <p:par>
+                    <p:cTn id="9" fill="hold">
+                      <p:stCondLst>
+                        <p:cond delay="0"/>
+                      </p:stCondLst>
+                      <p:childTnLst>
+                        <p:par>
+                          <p:cTn id="10" fill="hold">
+                            <p:stCondLst>
+                              <p:cond delay="0"/>
+                            </p:stCondLst>
+                            <p:childTnLst>
+                              <p:par>
+                                <p:cTn id="11" presetID="1" presetClass="mediacall" presetSubtype="0" fill="hold" nodeType="clickEffect">
+                                  <p:stCondLst>
+                                    <p:cond delay="0"/>
+                                  </p:stCondLst>
+                                  <p:childTnLst>
+                                    <p:cmd type="call" cmd="playFrom(0.0)">
+                                      <p:cBhvr>
+                                        <p:cTn id="12" dur="5000" fill="hold"/>
+                                        <p:tgtEl>
+                                          <p:spTgt spid="9"/>
+                                        </p:tgtEl>
+                                      </p:cBhvr>
+                                    </p:cmd>
+                                  </p:childTnLst>
+                                </p:cTn>
+                              </p:par>
+                            </p:childTnLst>
+                          </p:cTn>
+                        </p:par>
+                      </p:childTnLst>
+                    </p:cTn>
+                  </p:par>
+                </p:childTnLst>
+              </p:cTn>
+              <p:nextCondLst>
+                <p:cond evt="onClick" delay="0">
+                  <p:tgtEl>
+                    <p:spTgt spid="9"/>
+                  </p:tgtEl>
+                </p:cond>
+              </p:nextCondLst>
+            </p:seq>
+            <p:audio>
+              <p:cMediaNode vol="80000">
+                <p:cTn id="13" fill="hold" display="0">
+                  <p:stCondLst>
+                    <p:cond delay="indefinite"/>
+                  </p:stCondLst>
+                  <p:endCondLst>
+                    <p:cond evt="onStopAudio" delay="0">
+                      <p:tgtEl>
+                        <p:sldTgt/>
+                      </p:tgtEl>
+                    </p:cond>
+                  </p:endCondLst>
+                </p:cTn>
+                <p:tgtEl>
+                  <p:spTgt spid="9"/>
+                </p:tgtEl>
+              </p:cMediaNode>
+            </p:audio>
+            <p:seq concurrent="1" nextAc="seek">
+              <p:cTn id="14" restart="whenNotActive" fill="hold" evtFilter="cancelBubble" nodeType="interactiveSeq">
+                <p:stCondLst>
+                  <p:cond evt="onClick" delay="0">
+                    <p:tgtEl>
+                      <p:spTgt spid="10"/>
+                    </p:tgtEl>
+                  </p:cond>
+                </p:stCondLst>
+                <p:endSync evt="end" delay="0">
+                  <p:rtn val="all"/>
+                </p:endSync>
+                <p:childTnLst>
+                  <p:par>
+                    <p:cTn id="15" fill="hold">
+                      <p:stCondLst>
+                        <p:cond delay="0"/>
+                      </p:stCondLst>
+                      <p:childTnLst>
+                        <p:par>
+                          <p:cTn id="16" fill="hold">
+                            <p:stCondLst>
+                              <p:cond delay="0"/>
+                            </p:stCondLst>
+                            <p:childTnLst>
+                              <p:par>
+                                <p:cTn id="17" presetID="1" presetClass="mediacall" presetSubtype="0" fill="hold" nodeType="clickEffect">
+                                  <p:stCondLst>
+                                    <p:cond delay="0"/>
+                                  </p:stCondLst>
+                                  <p:childTnLst>
+                                    <p:cmd type="call" cmd="playFrom(0.0)">
+                                      <p:cBhvr>
+                                        <p:cTn id="18" dur="5000" fill="hold"/>
+                                        <p:tgtEl>
+                                          <p:spTgt spid="10"/>
+                                        </p:tgtEl>
+                                      </p:cBhvr>
+                                    </p:cmd>
+                                  </p:childTnLst>
+                                </p:cTn>
+                              </p:par>
+                            </p:childTnLst>
+                          </p:cTn>
+                        </p:par>
+                      </p:childTnLst>
+                    </p:cTn>
+                  </p:par>
+                </p:childTnLst>
+              </p:cTn>
+              <p:nextCondLst>
+                <p:cond evt="onClick" delay="0">
+                  <p:tgtEl>
+                    <p:spTgt spid="10"/>
+                  </p:tgtEl>
+                </p:cond>
+              </p:nextCondLst>
+            </p:seq>
+            <p:audio>
+              <p:cMediaNode vol="80000">
+                <p:cTn id="19" fill="hold" display="0">
+                  <p:stCondLst>
+                    <p:cond delay="indefinite"/>
+                  </p:stCondLst>
+                  <p:endCondLst>
+                    <p:cond evt="onStopAudio" delay="0">
+                      <p:tgtEl>
+                        <p:sldTgt/>
+                      </p:tgtEl>
+                    </p:cond>
+                  </p:endCondLst>
+                </p:cTn>
+                <p:tgtEl>
+                  <p:spTgt spid="10"/>
+                </p:tgtEl>
+              </p:cMediaNode>
+            </p:audio>
+            <p:seq concurrent="1" nextAc="seek">
+              <p:cTn id="20" restart="whenNotActive" fill="hold" evtFilter="cancelBubble" nodeType="interactiveSeq">
+                <p:stCondLst>
+                  <p:cond evt="onClick" delay="0">
+                    <p:tgtEl>
+                      <p:spTgt spid="11"/>
+                    </p:tgtEl>
+                  </p:cond>
+                </p:stCondLst>
+                <p:endSync evt="end" delay="0">
+                  <p:rtn val="all"/>
+                </p:endSync>
+                <p:childTnLst>
+                  <p:par>
+                    <p:cTn id="21" fill="hold">
+                      <p:stCondLst>
+                        <p:cond delay="0"/>
+                      </p:stCondLst>
+                      <p:childTnLst>
+                        <p:par>
+                          <p:cTn id="22" fill="hold">
+                            <p:stCondLst>
+                              <p:cond delay="0"/>
+                            </p:stCondLst>
+                            <p:childTnLst>
+                              <p:par>
+                                <p:cTn id="23" presetID="1" presetClass="mediacall" presetSubtype="0" fill="hold" nodeType="clickEffect">
+                                  <p:stCondLst>
+                                    <p:cond delay="0"/>
+                                  </p:stCondLst>
+                                  <p:childTnLst>
+                                    <p:cmd type="call" cmd="playFrom(0.0)">
+                                      <p:cBhvr>
+                                        <p:cTn id="24" dur="5000" fill="hold"/>
+                                        <p:tgtEl>
+                                          <p:spTgt spid="11"/>
+                                        </p:tgtEl>
+                                      </p:cBhvr>
+                                    </p:cmd>
+                                  </p:childTnLst>
+                                </p:cTn>
+                              </p:par>
+                            </p:childTnLst>
+                          </p:cTn>
+                        </p:par>
+                      </p:childTnLst>
+                    </p:cTn>
+                  </p:par>
+                </p:childTnLst>
+              </p:cTn>
+              <p:nextCondLst>
+                <p:cond evt="onClick" delay="0">
+                  <p:tgtEl>
+                    <p:spTgt spid="11"/>
+                  </p:tgtEl>
+                </p:cond>
+              </p:nextCondLst>
+            </p:seq>
+            <p:audio>
+              <p:cMediaNode vol="80000">
+                <p:cTn id="25" fill="hold" display="0">
+                  <p:stCondLst>
+                    <p:cond delay="indefinite"/>
+                  </p:stCondLst>
+                  <p:endCondLst>
+                    <p:cond evt="onStopAudio" delay="0">
+                      <p:tgtEl>
+                        <p:sldTgt/>
+                      </p:tgtEl>
+                    </p:cond>
+                  </p:endCondLst>
+                </p:cTn>
+                <p:tgtEl>
+                  <p:spTgt spid="11"/>
+                </p:tgtEl>
+              </p:cMediaNode>
+            </p:audio>
+            <p:seq concurrent="1" nextAc="seek">
+              <p:cTn id="26" restart="whenNotActive" fill="hold" evtFilter="cancelBubble" nodeType="interactiveSeq">
+                <p:stCondLst>
+                  <p:cond evt="onClick" delay="0">
+                    <p:tgtEl>
+                      <p:spTgt spid="14"/>
+                    </p:tgtEl>
+                  </p:cond>
+                </p:stCondLst>
+                <p:endSync evt="end" delay="0">
+                  <p:rtn val="all"/>
+                </p:endSync>
+                <p:childTnLst>
+                  <p:par>
+                    <p:cTn id="27" fill="hold">
+                      <p:stCondLst>
+                        <p:cond delay="0"/>
+                      </p:stCondLst>
+                      <p:childTnLst>
+                        <p:par>
+                          <p:cTn id="28" fill="hold">
+                            <p:stCondLst>
+                              <p:cond delay="0"/>
+                            </p:stCondLst>
+                            <p:childTnLst>
+                              <p:par>
+                                <p:cTn id="29" presetID="1" presetClass="mediacall" presetSubtype="0" fill="hold" nodeType="clickEffect">
+                                  <p:stCondLst>
+                                    <p:cond delay="0"/>
+                                  </p:stCondLst>
+                                  <p:childTnLst>
+                                    <p:cmd type="call" cmd="playFrom(0.0)">
+                                      <p:cBhvr>
+                                        <p:cTn id="30" dur="5000" fill="hold"/>
+                                        <p:tgtEl>
+                                          <p:spTgt spid="14"/>
+                                        </p:tgtEl>
+                                      </p:cBhvr>
+                                    </p:cmd>
+                                  </p:childTnLst>
+                                </p:cTn>
+                              </p:par>
+                            </p:childTnLst>
+                          </p:cTn>
+                        </p:par>
+                      </p:childTnLst>
+                    </p:cTn>
+                  </p:par>
+                </p:childTnLst>
+              </p:cTn>
+              <p:nextCondLst>
+                <p:cond evt="onClick" delay="0">
+                  <p:tgtEl>
+                    <p:spTgt spid="14"/>
+                  </p:tgtEl>
+                </p:cond>
+              </p:nextCondLst>
+            </p:seq>
+            <p:audio>
+              <p:cMediaNode vol="80000">
+                <p:cTn id="31" fill="hold" display="0">
+                  <p:stCondLst>
+                    <p:cond delay="indefinite"/>
+                  </p:stCondLst>
+                  <p:endCondLst>
+                    <p:cond evt="onStopAudio" delay="0">
+                      <p:tgtEl>
+                        <p:sldTgt/>
+                      </p:tgtEl>
+                    </p:cond>
+                  </p:endCondLst>
+                </p:cTn>
+                <p:tgtEl>
+                  <p:spTgt spid="14"/>
+                </p:tgtEl>
+              </p:cMediaNode>
+            </p:audio>
+            <p:seq concurrent="1" nextAc="seek">
+              <p:cTn id="32" restart="whenNotActive" fill="hold" evtFilter="cancelBubble" nodeType="interactiveSeq">
+                <p:stCondLst>
+                  <p:cond evt="onClick" delay="0">
+                    <p:tgtEl>
+                      <p:spTgt spid="19"/>
+                    </p:tgtEl>
+                  </p:cond>
+                </p:stCondLst>
+                <p:endSync evt="end" delay="0">
+                  <p:rtn val="all"/>
+                </p:endSync>
+                <p:childTnLst>
+                  <p:par>
+                    <p:cTn id="33" fill="hold">
+                      <p:stCondLst>
+                        <p:cond delay="0"/>
+                      </p:stCondLst>
+                      <p:childTnLst>
+                        <p:par>
+                          <p:cTn id="34" fill="hold">
+                            <p:stCondLst>
+                              <p:cond delay="0"/>
+                            </p:stCondLst>
+                            <p:childTnLst>
+                              <p:par>
+                                <p:cTn id="35" presetID="1" presetClass="mediacall" presetSubtype="0" fill="hold" nodeType="clickEffect">
+                                  <p:stCondLst>
+                                    <p:cond delay="0"/>
+                                  </p:stCondLst>
+                                  <p:childTnLst>
+                                    <p:cmd type="call" cmd="playFrom(0.0)">
+                                      <p:cBhvr>
+                                        <p:cTn id="36" dur="5000" fill="hold"/>
+                                        <p:tgtEl>
+                                          <p:spTgt spid="19"/>
+                                        </p:tgtEl>
+                                      </p:cBhvr>
+                                    </p:cmd>
+                                  </p:childTnLst>
+                                </p:cTn>
+                              </p:par>
+                            </p:childTnLst>
+                          </p:cTn>
+                        </p:par>
+                      </p:childTnLst>
+                    </p:cTn>
+                  </p:par>
+                </p:childTnLst>
+              </p:cTn>
+              <p:nextCondLst>
+                <p:cond evt="onClick" delay="0">
+                  <p:tgtEl>
+                    <p:spTgt spid="19"/>
+                  </p:tgtEl>
+                </p:cond>
+              </p:nextCondLst>
+            </p:seq>
+            <p:audio>
+              <p:cMediaNode vol="80000">
+                <p:cTn id="37" fill="hold" display="0">
+                  <p:stCondLst>
+                    <p:cond delay="indefinite"/>
+                  </p:stCondLst>
+                  <p:endCondLst>
+                    <p:cond evt="onStopAudio" delay="0">
+                      <p:tgtEl>
+                        <p:sldTgt/>
+                      </p:tgtEl>
+                    </p:cond>
+                  </p:endCondLst>
+                </p:cTn>
+                <p:tgtEl>
+                  <p:spTgt spid="19"/>
+                </p:tgtEl>
+              </p:cMediaNode>
+            </p:audio>
+            <p:seq concurrent="1" nextAc="seek">
+              <p:cTn id="38" restart="whenNotActive" fill="hold" evtFilter="cancelBubble" nodeType="interactiveSeq">
+                <p:stCondLst>
+                  <p:cond evt="onClick" delay="0">
+                    <p:tgtEl>
+                      <p:spTgt spid="20"/>
+                    </p:tgtEl>
+                  </p:cond>
+                </p:stCondLst>
+                <p:endSync evt="end" delay="0">
+                  <p:rtn val="all"/>
+                </p:endSync>
+                <p:childTnLst>
+                  <p:par>
+                    <p:cTn id="39" fill="hold">
+                      <p:stCondLst>
+                        <p:cond delay="0"/>
+                      </p:stCondLst>
+                      <p:childTnLst>
+                        <p:par>
+                          <p:cTn id="40" fill="hold">
+                            <p:stCondLst>
+                              <p:cond delay="0"/>
+                            </p:stCondLst>
+                            <p:childTnLst>
+                              <p:par>
+                                <p:cTn id="41" presetID="1" presetClass="mediacall" presetSubtype="0" fill="hold" nodeType="clickEffect">
+                                  <p:stCondLst>
+                                    <p:cond delay="0"/>
+                                  </p:stCondLst>
+                                  <p:childTnLst>
+                                    <p:cmd type="call" cmd="playFrom(0.0)">
+                                      <p:cBhvr>
+                                        <p:cTn id="42" dur="4000" fill="hold"/>
+                                        <p:tgtEl>
+                                          <p:spTgt spid="20"/>
+                                        </p:tgtEl>
+                                      </p:cBhvr>
+                                    </p:cmd>
+                                  </p:childTnLst>
+                                </p:cTn>
+                              </p:par>
+                            </p:childTnLst>
+                          </p:cTn>
+                        </p:par>
+                      </p:childTnLst>
+                    </p:cTn>
+                  </p:par>
+                </p:childTnLst>
+              </p:cTn>
+              <p:nextCondLst>
+                <p:cond evt="onClick" delay="0">
+                  <p:tgtEl>
+                    <p:spTgt spid="20"/>
+                  </p:tgtEl>
+                </p:cond>
+              </p:nextCondLst>
+            </p:seq>
+            <p:audio>
+              <p:cMediaNode vol="80000">
+                <p:cTn id="43" fill="hold" display="0">
+                  <p:stCondLst>
+                    <p:cond delay="indefinite"/>
+                  </p:stCondLst>
+                  <p:endCondLst>
+                    <p:cond evt="onStopAudio" delay="0">
+                      <p:tgtEl>
+                        <p:sldTgt/>
+                      </p:tgtEl>
+                    </p:cond>
+                  </p:endCondLst>
+                </p:cTn>
+                <p:tgtEl>
+                  <p:spTgt spid="20"/>
+                </p:tgtEl>
+              </p:cMediaNode>
+            </p:audio>
+            <p:seq concurrent="1" nextAc="seek">
+              <p:cTn id="44" restart="whenNotActive" fill="hold" evtFilter="cancelBubble" nodeType="interactiveSeq">
+                <p:stCondLst>
+                  <p:cond evt="onClick" delay="0">
+                    <p:tgtEl>
+                      <p:spTgt spid="21"/>
+                    </p:tgtEl>
+                  </p:cond>
+                </p:stCondLst>
+                <p:endSync evt="end" delay="0">
+                  <p:rtn val="all"/>
+                </p:endSync>
+                <p:childTnLst>
+                  <p:par>
+                    <p:cTn id="45" fill="hold">
+                      <p:stCondLst>
+                        <p:cond delay="0"/>
+                      </p:stCondLst>
+                      <p:childTnLst>
+                        <p:par>
+                          <p:cTn id="46" fill="hold">
+                            <p:stCondLst>
+                              <p:cond delay="0"/>
+                            </p:stCondLst>
+                            <p:childTnLst>
+                              <p:par>
+                                <p:cTn id="47" presetID="1" presetClass="mediacall" presetSubtype="0" fill="hold" nodeType="clickEffect">
+                                  <p:stCondLst>
+                                    <p:cond delay="0"/>
+                                  </p:stCondLst>
+                                  <p:childTnLst>
+                                    <p:cmd type="call" cmd="playFrom(0.0)">
+                                      <p:cBhvr>
+                                        <p:cTn id="48" dur="4000" fill="hold"/>
+                                        <p:tgtEl>
+                                          <p:spTgt spid="21"/>
+                                        </p:tgtEl>
+                                      </p:cBhvr>
+                                    </p:cmd>
+                                  </p:childTnLst>
+                                </p:cTn>
+                              </p:par>
+                            </p:childTnLst>
+                          </p:cTn>
+                        </p:par>
+                      </p:childTnLst>
+                    </p:cTn>
+                  </p:par>
+                </p:childTnLst>
+              </p:cTn>
+              <p:nextCondLst>
+                <p:cond evt="onClick" delay="0">
+                  <p:tgtEl>
+                    <p:spTgt spid="21"/>
+                  </p:tgtEl>
+                </p:cond>
+              </p:nextCondLst>
+            </p:seq>
+            <p:audio>
+              <p:cMediaNode vol="80000">
+                <p:cTn id="49" fill="hold" display="0">
+                  <p:stCondLst>
+                    <p:cond delay="indefinite"/>
+                  </p:stCondLst>
+                  <p:endCondLst>
+                    <p:cond evt="onStopAudio" delay="0">
+                      <p:tgtEl>
+                        <p:sldTgt/>
+                      </p:tgtEl>
+                    </p:cond>
+                  </p:endCondLst>
+                </p:cTn>
+                <p:tgtEl>
+                  <p:spTgt spid="21"/>
+                </p:tgtEl>
+              </p:cMediaNode>
+            </p:audio>
+            <p:seq concurrent="1" nextAc="seek">
+              <p:cTn id="50" restart="whenNotActive" fill="hold" evtFilter="cancelBubble" nodeType="interactiveSeq">
+                <p:stCondLst>
+                  <p:cond evt="onClick" delay="0">
+                    <p:tgtEl>
+                      <p:spTgt spid="22"/>
+                    </p:tgtEl>
+                  </p:cond>
+                </p:stCondLst>
+                <p:endSync evt="end" delay="0">
+                  <p:rtn val="all"/>
+                </p:endSync>
+                <p:childTnLst>
+                  <p:par>
+                    <p:cTn id="51" fill="hold">
+                      <p:stCondLst>
+                        <p:cond delay="0"/>
+                      </p:stCondLst>
+                      <p:childTnLst>
+                        <p:par>
+                          <p:cTn id="52" fill="hold">
+                            <p:stCondLst>
+                              <p:cond delay="0"/>
+                            </p:stCondLst>
+                            <p:childTnLst>
+                              <p:par>
+                                <p:cTn id="53" presetID="1" presetClass="mediacall" presetSubtype="0" fill="hold" nodeType="clickEffect">
+                                  <p:stCondLst>
+                                    <p:cond delay="0"/>
+                                  </p:stCondLst>
+                                  <p:childTnLst>
+                                    <p:cmd type="call" cmd="playFrom(0.0)">
+                                      <p:cBhvr>
+                                        <p:cTn id="54" dur="4000" fill="hold"/>
+                                        <p:tgtEl>
+                                          <p:spTgt spid="22"/>
+                                        </p:tgtEl>
+                                      </p:cBhvr>
+                                    </p:cmd>
+                                  </p:childTnLst>
+                                </p:cTn>
+                              </p:par>
+                            </p:childTnLst>
+                          </p:cTn>
+                        </p:par>
+                      </p:childTnLst>
+                    </p:cTn>
+                  </p:par>
+                </p:childTnLst>
+              </p:cTn>
+              <p:nextCondLst>
+                <p:cond evt="onClick" delay="0">
+                  <p:tgtEl>
+                    <p:spTgt spid="22"/>
+                  </p:tgtEl>
+                </p:cond>
+              </p:nextCondLst>
+            </p:seq>
+            <p:audio>
+              <p:cMediaNode vol="80000">
+                <p:cTn id="55" fill="hold" display="0">
+                  <p:stCondLst>
+                    <p:cond delay="indefinite"/>
+                  </p:stCondLst>
+                  <p:endCondLst>
+                    <p:cond evt="onStopAudio" delay="0">
+                      <p:tgtEl>
+                        <p:sldTgt/>
+                      </p:tgtEl>
+                    </p:cond>
+                  </p:endCondLst>
+                </p:cTn>
+                <p:tgtEl>
+                  <p:spTgt spid="22"/>
+                </p:tgtEl>
+              </p:cMediaNode>
+            </p:audio>
+          </p:childTnLst>
+        </p:cTn>
       </p:par>
     </p:tnLst>
   </p:timing>

--- a/presentation.pptx
+++ b/presentation.pptx
@@ -3854,43 +3854,30 @@
           </a:p>
         </p:txBody>
       </p:sp>
-      <p:sp>
-        <p:nvSpPr>
-          <p:cNvPr id="3" name="內容版面配置區 2"/>
-          <p:cNvSpPr>
-            <a:spLocks noGrp="1"/>
-          </p:cNvSpPr>
-          <p:nvPr>
-            <p:ph idx="1"/>
-          </p:nvPr>
-        </p:nvSpPr>
-        <p:spPr/>
-        <p:txBody>
-          <a:bodyPr/>
-          <a:lstStyle/>
-          <a:p>
-            <a:endParaRPr lang="zh-TW" altLang="en-US" dirty="0"/>
-          </a:p>
-        </p:txBody>
-      </p:sp>
       <p:pic>
         <p:nvPicPr>
-          <p:cNvPr id="6" name="圖片 5"/>
+          <p:cNvPr id="4" name="圖片 3"/>
           <p:cNvPicPr>
             <a:picLocks noChangeAspect="1"/>
           </p:cNvPicPr>
           <p:nvPr/>
         </p:nvPicPr>
         <p:blipFill>
-          <a:blip r:embed="rId2"/>
+          <a:blip r:embed="rId2">
+            <a:extLst>
+              <a:ext uri="{28A0092B-C50C-407E-A947-70E740481C1C}">
+                <a14:useLocalDpi xmlns:a14="http://schemas.microsoft.com/office/drawing/2010/main" val="0"/>
+              </a:ext>
+            </a:extLst>
+          </a:blip>
           <a:stretch>
             <a:fillRect/>
           </a:stretch>
         </p:blipFill>
         <p:spPr>
           <a:xfrm>
-            <a:off x="1261872" y="1828800"/>
-            <a:ext cx="9103995" cy="4380548"/>
+            <a:off x="378189" y="1890691"/>
+            <a:ext cx="10851886" cy="4226329"/>
           </a:xfrm>
           <a:prstGeom prst="rect">
             <a:avLst/>
@@ -4027,18 +4014,18 @@
           <a:p>
             <a:r>
               <a:rPr lang="en-US" altLang="zh-TW" dirty="0" smtClean="0"/>
-              <a:t>Assign values (output) to variables in a 2-by-N grid MRF, given some variables (input) </a:t>
-            </a:r>
+              <a:t>Assign values (output) to variables in a 2-by-N grid MRF, given some variables (input) fixed</a:t>
+            </a:r>
+            <a:endParaRPr lang="en-US" altLang="zh-TW" dirty="0"/>
+          </a:p>
+          <a:p>
             <a:r>
               <a:rPr lang="en-US" altLang="zh-TW" dirty="0" smtClean="0"/>
-              <a:t>fixed</a:t>
-            </a:r>
-            <a:endParaRPr lang="en-US" altLang="zh-TW" dirty="0"/>
-          </a:p>
-          <a:p>
+              <a:t>Define</a:t>
+            </a:r>
             <a:r>
               <a:rPr lang="en-US" altLang="zh-TW" dirty="0" smtClean="0"/>
-              <a:t>Define “unit”</a:t>
+              <a:t> “unit”</a:t>
             </a:r>
             <a:endParaRPr lang="en-US" altLang="zh-TW" dirty="0" smtClean="0"/>
           </a:p>
@@ -4145,13 +4132,12 @@
           <a:p>
             <a:r>
               <a:rPr lang="en-US" altLang="zh-TW" dirty="0" smtClean="0"/>
-              <a:t>C</a:t>
+              <a:t>1400 units from Clementi </a:t>
             </a:r>
             <a:r>
               <a:rPr lang="en-US" altLang="zh-TW" dirty="0" smtClean="0"/>
-              <a:t>lementi op36</a:t>
-            </a:r>
-            <a:endParaRPr lang="en-US" altLang="zh-TW" dirty="0" smtClean="0"/>
+              <a:t>op36</a:t>
+            </a:r>
           </a:p>
           <a:p>
             <a:r>
@@ -4194,7 +4180,7 @@
       </p:sp>
       <p:pic>
         <p:nvPicPr>
-          <p:cNvPr id="4" name="圖片 3"/>
+          <p:cNvPr id="5" name="圖片 4"/>
           <p:cNvPicPr>
             <a:picLocks noChangeAspect="1"/>
           </p:cNvPicPr>
@@ -4214,8 +4200,8 @@
         </p:blipFill>
         <p:spPr>
           <a:xfrm>
-            <a:off x="620111" y="2854735"/>
-            <a:ext cx="10155726" cy="1542521"/>
+            <a:off x="394497" y="2867436"/>
+            <a:ext cx="10160251" cy="1504867"/>
           </a:xfrm>
           <a:prstGeom prst="rect">
             <a:avLst/>
@@ -4282,8 +4268,8 @@
           </a:p>
         </p:txBody>
       </p:sp>
-      <mc:AlternateContent xmlns:mc="http://schemas.openxmlformats.org/markup-compatibility/2006">
-        <mc:Choice xmlns:a14="http://schemas.microsoft.com/office/drawing/2010/main" Requires="a14">
+      <mc:AlternateContent xmlns:mc="http://schemas.openxmlformats.org/markup-compatibility/2006" xmlns:a14="http://schemas.microsoft.com/office/drawing/2010/main">
+        <mc:Choice Requires="a14">
           <p:sp>
             <p:nvSpPr>
               <p:cNvPr id="3" name="內容版面配置區 2"/>
@@ -5679,11 +5665,6 @@
                   </a:rPr>
                   <a:t>, a paradox and a complement</a:t>
                 </a:r>
-                <a:endParaRPr lang="en-US" altLang="zh-TW" dirty="0" smtClean="0">
-                  <a:solidFill>
-                    <a:schemeClr val="tx1"/>
-                  </a:solidFill>
-                </a:endParaRPr>
               </a:p>
               <a:p>
                 <a:pPr marL="0" indent="0">
@@ -5701,19 +5682,7 @@
                 </a:pPr>
                 <a:r>
                   <a:rPr lang="en-US" altLang="zh-TW" dirty="0" smtClean="0"/>
-                  <a:t>A</a:t>
-                </a:r>
-                <a:r>
-                  <a:rPr lang="en-US" altLang="zh-TW" dirty="0" smtClean="0"/>
-                  <a:t>ll </a:t>
-                </a:r>
-                <a:r>
-                  <a:rPr lang="en-US" altLang="zh-TW" dirty="0" smtClean="0"/>
-                  <a:t>probabilities </a:t>
-                </a:r>
-                <a:r>
-                  <a:rPr lang="en-US" altLang="zh-TW" dirty="0" smtClean="0"/>
-                  <a:t>comes from fractional counts.</a:t>
+                  <a:t>All probabilities comes from fractional counts.</a:t>
                 </a:r>
                 <a:endParaRPr lang="en-US" altLang="zh-TW" dirty="0"/>
               </a:p>
@@ -5785,7 +5754,7 @@
             </p:txBody>
           </p:sp>
         </mc:Choice>
-        <mc:Fallback>
+        <mc:Fallback xmlns="">
           <p:sp>
             <p:nvSpPr>
               <p:cNvPr id="3" name="內容版面配置區 2"/>
@@ -5969,11 +5938,7 @@
             </a:r>
             <a:r>
               <a:rPr lang="en-US" altLang="zh-TW" dirty="0" smtClean="0"/>
-              <a:t>C </a:t>
-            </a:r>
-            <a:r>
-              <a:rPr lang="en-US" altLang="zh-TW" dirty="0" smtClean="0"/>
-              <a:t>where M is the domain of melody node and C the domain of chord node.</a:t>
+              <a:t>C where M is the domain of melody node and C the domain of chord node.</a:t>
             </a:r>
           </a:p>
           <a:p>
@@ -5985,11 +5950,7 @@
           <a:p>
             <a:r>
               <a:rPr lang="en-US" altLang="zh-TW" dirty="0" smtClean="0"/>
-              <a:t>Time complexity: O(</a:t>
-            </a:r>
-            <a:r>
-              <a:rPr lang="en-US" altLang="zh-TW" dirty="0" smtClean="0"/>
-              <a:t>|M|</a:t>
+              <a:t>Time complexity: O(|M|</a:t>
             </a:r>
             <a:r>
               <a:rPr lang="en-US" altLang="zh-TW" baseline="30000" dirty="0" smtClean="0"/>
@@ -7290,7 +7251,7 @@
         </p:blipFill>
         <p:spPr>
           <a:xfrm>
-            <a:off x="5064251" y="2928259"/>
+            <a:off x="5064251" y="2781119"/>
             <a:ext cx="5248275" cy="1657350"/>
           </a:xfrm>
           <a:prstGeom prst="rect">
@@ -7320,7 +7281,7 @@
         </p:blipFill>
         <p:spPr>
           <a:xfrm>
-            <a:off x="5054726" y="4585609"/>
+            <a:off x="5054726" y="4280808"/>
             <a:ext cx="5257800" cy="1657350"/>
           </a:xfrm>
           <a:prstGeom prst="rect">
@@ -7386,7 +7347,7 @@
         </p:blipFill>
         <p:spPr>
           <a:xfrm>
-            <a:off x="3634171" y="3374620"/>
+            <a:off x="3634171" y="3227480"/>
             <a:ext cx="382314" cy="382314"/>
           </a:xfrm>
           <a:prstGeom prst="rect">
@@ -7419,7 +7380,7 @@
         </p:blipFill>
         <p:spPr>
           <a:xfrm>
-            <a:off x="3610085" y="4830122"/>
+            <a:off x="3610085" y="4672467"/>
             <a:ext cx="406400" cy="406400"/>
           </a:xfrm>
           <a:prstGeom prst="rect">
@@ -7452,7 +7413,7 @@
         </p:blipFill>
         <p:spPr>
           <a:xfrm>
-            <a:off x="3610085" y="6153113"/>
+            <a:off x="3610085" y="6005973"/>
             <a:ext cx="406400" cy="406400"/>
           </a:xfrm>
           <a:prstGeom prst="rect">

--- a/presentation.pptx
+++ b/presentation.pptx
@@ -3429,19 +3429,19 @@
           <a:p>
             <a:r>
               <a:rPr lang="en-US" altLang="zh-TW" sz="2400" i="1" dirty="0"/>
-              <a:t>Constrained Piano-Sonata-Like </a:t>
+              <a:t>Specific Piano-</a:t>
+            </a:r>
+            <a:r>
+              <a:rPr lang="en-US" altLang="zh-TW" sz="2400" i="1" dirty="0" err="1"/>
+              <a:t>Sonatina</a:t>
+            </a:r>
+            <a:r>
+              <a:rPr lang="en-US" altLang="zh-TW" sz="2400" i="1" dirty="0"/>
+              <a:t>-Like Music Period Composition Using MRF</a:t>
             </a:r>
             <a:r>
               <a:rPr lang="en-US" altLang="zh-TW" sz="2400" i="1" dirty="0" smtClean="0"/>
-              <a:t>Music Composition </a:t>
-            </a:r>
-            <a:r>
-              <a:rPr lang="en-US" altLang="zh-TW" sz="2400" i="1" dirty="0"/>
-              <a:t>Using </a:t>
-            </a:r>
-            <a:r>
-              <a:rPr lang="en-US" altLang="zh-TW" sz="2400" i="1" dirty="0" smtClean="0"/>
-              <a:t>MRF</a:t>
+              <a:t/>
             </a:r>
             <a:br>
               <a:rPr lang="en-US" altLang="zh-TW" sz="2400" i="1" dirty="0" smtClean="0"/>
@@ -3462,11 +3462,15 @@
             </a:br>
             <a:r>
               <a:rPr lang="en-US" altLang="zh-TW" sz="2400" i="1" dirty="0" smtClean="0"/>
-              <a:t>Team - </a:t>
-            </a:r>
-            <a:r>
-              <a:rPr lang="en-US" altLang="zh-TW" sz="2400" i="1" dirty="0" err="1"/>
-              <a:t>Cucumburn</a:t>
+              <a:t>Team </a:t>
+            </a:r>
+            <a:r>
+              <a:rPr lang="en-US" altLang="zh-TW" sz="2400" i="1" dirty="0" smtClean="0"/>
+              <a:t>– </a:t>
+            </a:r>
+            <a:r>
+              <a:rPr lang="en-US" altLang="zh-TW" sz="2400" i="1" smtClean="0"/>
+              <a:t>Music composition</a:t>
             </a:r>
             <a:r>
               <a:rPr lang="en-US" altLang="zh-TW" sz="2400" i="1" dirty="0" smtClean="0"/>
@@ -4021,13 +4025,8 @@
           <a:p>
             <a:r>
               <a:rPr lang="en-US" altLang="zh-TW" dirty="0" smtClean="0"/>
-              <a:t>Define</a:t>
-            </a:r>
-            <a:r>
-              <a:rPr lang="en-US" altLang="zh-TW" dirty="0" smtClean="0"/>
-              <a:t> “unit”</a:t>
-            </a:r>
-            <a:endParaRPr lang="en-US" altLang="zh-TW" dirty="0" smtClean="0"/>
+              <a:t>Define “unit”</a:t>
+            </a:r>
           </a:p>
         </p:txBody>
       </p:sp>
@@ -4132,11 +4131,7 @@
           <a:p>
             <a:r>
               <a:rPr lang="en-US" altLang="zh-TW" dirty="0" smtClean="0"/>
-              <a:t>1400 units from Clementi </a:t>
-            </a:r>
-            <a:r>
-              <a:rPr lang="en-US" altLang="zh-TW" dirty="0" smtClean="0"/>
-              <a:t>op36</a:t>
+              <a:t>1400 units from Clementi op36</a:t>
             </a:r>
           </a:p>
           <a:p>

--- a/presentation.pptx
+++ b/presentation.pptx
@@ -3462,11 +3462,7 @@
             </a:br>
             <a:r>
               <a:rPr lang="en-US" altLang="zh-TW" sz="2400" i="1" dirty="0" smtClean="0"/>
-              <a:t>Team </a:t>
-            </a:r>
-            <a:r>
-              <a:rPr lang="en-US" altLang="zh-TW" sz="2400" i="1" dirty="0" smtClean="0"/>
-              <a:t>– </a:t>
+              <a:t>Team – </a:t>
             </a:r>
             <a:r>
               <a:rPr lang="en-US" altLang="zh-TW" sz="2400" i="1" smtClean="0"/>
@@ -3604,7 +3600,7 @@
           <a:p>
             <a:r>
               <a:rPr lang="en-US" altLang="zh-TW" dirty="0" smtClean="0"/>
-              <a:t>A Remark</a:t>
+              <a:t>Remark</a:t>
             </a:r>
             <a:endParaRPr lang="zh-TW" altLang="en-US" dirty="0"/>
           </a:p>
@@ -3641,7 +3637,15 @@
           <a:p>
             <a:r>
               <a:rPr lang="en-US" altLang="zh-TW" dirty="0" smtClean="0"/>
-              <a:t>However, angles are often characteristics of a work, and are that how people remember a song.</a:t>
+              <a:t>However, angles are often characteristics of a work, and are </a:t>
+            </a:r>
+            <a:r>
+              <a:rPr lang="en-US" altLang="zh-TW" dirty="0" smtClean="0"/>
+              <a:t>how </a:t>
+            </a:r>
+            <a:r>
+              <a:rPr lang="en-US" altLang="zh-TW" dirty="0" smtClean="0"/>
+              <a:t>people remember a song.</a:t>
             </a:r>
             <a:endParaRPr lang="zh-TW" altLang="en-US" dirty="0"/>
           </a:p>
@@ -5860,8 +5864,8 @@
           <a:lstStyle/>
           <a:p>
             <a:r>
-              <a:rPr lang="en-US" altLang="zh-TW" i="1" dirty="0"/>
-              <a:t>Viterbi</a:t>
+              <a:rPr lang="en-US" altLang="zh-TW" i="1" dirty="0" smtClean="0"/>
+              <a:t>Viterbi Algorithm</a:t>
             </a:r>
             <a:endParaRPr lang="zh-TW" altLang="en-US" i="1" dirty="0"/>
           </a:p>

--- a/presentation.pptx
+++ b/presentation.pptx
@@ -3599,10 +3599,10 @@
           <a:lstStyle/>
           <a:p>
             <a:r>
-              <a:rPr lang="en-US" altLang="zh-TW" dirty="0" smtClean="0"/>
+              <a:rPr lang="en-US" altLang="zh-TW" i="1" dirty="0" smtClean="0"/>
               <a:t>Remark</a:t>
             </a:r>
-            <a:endParaRPr lang="zh-TW" altLang="en-US" dirty="0"/>
+            <a:endParaRPr lang="zh-TW" altLang="en-US" i="1" dirty="0"/>
           </a:p>
         </p:txBody>
       </p:sp>
@@ -3637,15 +3637,7 @@
           <a:p>
             <a:r>
               <a:rPr lang="en-US" altLang="zh-TW" dirty="0" smtClean="0"/>
-              <a:t>However, angles are often characteristics of a work, and are </a:t>
-            </a:r>
-            <a:r>
-              <a:rPr lang="en-US" altLang="zh-TW" dirty="0" smtClean="0"/>
-              <a:t>how </a:t>
-            </a:r>
-            <a:r>
-              <a:rPr lang="en-US" altLang="zh-TW" dirty="0" smtClean="0"/>
-              <a:t>people remember a song.</a:t>
+              <a:t>However, angles are often characteristics of a work, and are how people remember a song.</a:t>
             </a:r>
             <a:endParaRPr lang="zh-TW" altLang="en-US" dirty="0"/>
           </a:p>

--- a/presentation.pptx
+++ b/presentation.pptx
@@ -6,8 +6,8 @@
   </p:sldMasterIdLst>
   <p:sldIdLst>
     <p:sldId id="256" r:id="rId2"/>
-    <p:sldId id="262" r:id="rId3"/>
-    <p:sldId id="257" r:id="rId4"/>
+    <p:sldId id="257" r:id="rId3"/>
+    <p:sldId id="262" r:id="rId4"/>
     <p:sldId id="258" r:id="rId5"/>
     <p:sldId id="259" r:id="rId6"/>
     <p:sldId id="260" r:id="rId7"/>
@@ -3600,7 +3600,7 @@
           <a:p>
             <a:r>
               <a:rPr lang="en-US" altLang="zh-TW" i="1" dirty="0" smtClean="0"/>
-              <a:t>Remark</a:t>
+              <a:t>Remarks</a:t>
             </a:r>
             <a:endParaRPr lang="zh-TW" altLang="en-US" i="1" dirty="0"/>
           </a:p>
@@ -3623,26 +3623,104 @@
           <a:p>
             <a:r>
               <a:rPr lang="en-US" altLang="zh-TW" dirty="0" smtClean="0"/>
-              <a:t>Our proposed model is good at connecting angles of a </a:t>
+              <a:t>The </a:t>
+            </a:r>
+            <a:r>
+              <a:rPr lang="en-US" altLang="zh-TW" dirty="0" smtClean="0"/>
+              <a:t>proposed model is good at connecting </a:t>
+            </a:r>
+            <a:r>
+              <a:rPr lang="en-US" altLang="zh-TW" dirty="0" smtClean="0"/>
+              <a:t>peaks and valleys of </a:t>
+            </a:r>
+            <a:r>
+              <a:rPr lang="en-US" altLang="zh-TW" dirty="0" smtClean="0"/>
+              <a:t>a </a:t>
             </a:r>
             <a:r>
               <a:rPr lang="en-US" altLang="zh-TW" dirty="0"/>
-              <a:t>melody line (voice </a:t>
+              <a:t>melody </a:t>
             </a:r>
             <a:r>
               <a:rPr lang="en-US" altLang="zh-TW" dirty="0" smtClean="0"/>
-              <a:t>leading), but rarely create angles. This is the effect of maximum likelihood.</a:t>
-            </a:r>
-          </a:p>
-          <a:p>
+              <a:t>line, but it </a:t>
+            </a:r>
             <a:r>
               <a:rPr lang="en-US" altLang="zh-TW" dirty="0" smtClean="0"/>
-              <a:t>However, angles are often characteristics of a work, and are how people remember a song.</a:t>
+              <a:t>rarely </a:t>
+            </a:r>
+            <a:r>
+              <a:rPr lang="en-US" altLang="zh-TW" dirty="0"/>
+              <a:t>creates peaks and </a:t>
+            </a:r>
+            <a:r>
+              <a:rPr lang="en-US" altLang="zh-TW" dirty="0" smtClean="0"/>
+              <a:t>valleys. </a:t>
+            </a:r>
+            <a:r>
+              <a:rPr lang="en-US" altLang="zh-TW" dirty="0" smtClean="0"/>
+              <a:t>This </a:t>
+            </a:r>
+            <a:r>
+              <a:rPr lang="en-US" altLang="zh-TW" dirty="0" smtClean="0"/>
+              <a:t>is the effect of maximum likelihood.</a:t>
+            </a:r>
+          </a:p>
+          <a:p>
+            <a:r>
+              <a:rPr lang="en-US" altLang="zh-TW" dirty="0" smtClean="0"/>
+              <a:t>However, </a:t>
+            </a:r>
+            <a:r>
+              <a:rPr lang="en-US" altLang="zh-TW" dirty="0"/>
+              <a:t>peaks and valleys </a:t>
+            </a:r>
+            <a:r>
+              <a:rPr lang="en-US" altLang="zh-TW" dirty="0" smtClean="0"/>
+              <a:t>of a song are </a:t>
+            </a:r>
+            <a:r>
+              <a:rPr lang="en-US" altLang="zh-TW" dirty="0" smtClean="0"/>
+              <a:t>often </a:t>
+            </a:r>
+            <a:r>
+              <a:rPr lang="en-US" altLang="zh-TW" dirty="0" smtClean="0"/>
+              <a:t>the parts by which listeners are impressed.</a:t>
             </a:r>
             <a:endParaRPr lang="zh-TW" altLang="en-US" dirty="0"/>
           </a:p>
         </p:txBody>
       </p:sp>
+      <p:pic>
+        <p:nvPicPr>
+          <p:cNvPr id="4" name="圖片 3"/>
+          <p:cNvPicPr>
+            <a:picLocks noChangeAspect="1"/>
+          </p:cNvPicPr>
+          <p:nvPr/>
+        </p:nvPicPr>
+        <p:blipFill>
+          <a:blip r:embed="rId2">
+            <a:extLst>
+              <a:ext uri="{28A0092B-C50C-407E-A947-70E740481C1C}">
+                <a14:useLocalDpi xmlns:a14="http://schemas.microsoft.com/office/drawing/2010/main" val="0"/>
+              </a:ext>
+            </a:extLst>
+          </a:blip>
+          <a:stretch>
+            <a:fillRect/>
+          </a:stretch>
+        </p:blipFill>
+        <p:spPr>
+          <a:xfrm>
+            <a:off x="1261872" y="3790362"/>
+            <a:ext cx="8651306" cy="1777765"/>
+          </a:xfrm>
+          <a:prstGeom prst="rect">
+            <a:avLst/>
+          </a:prstGeom>
+        </p:spPr>
+      </p:pic>
     </p:spTree>
     <p:extLst>
       <p:ext uri="{BB962C8B-B14F-4D97-AF65-F5344CB8AC3E}">
@@ -3693,25 +3771,6 @@
               <a:t>Questions</a:t>
             </a:r>
             <a:endParaRPr lang="zh-TW" altLang="en-US" i="1" dirty="0"/>
-          </a:p>
-        </p:txBody>
-      </p:sp>
-      <p:sp>
-        <p:nvSpPr>
-          <p:cNvPr id="3" name="內容版面配置區 2"/>
-          <p:cNvSpPr>
-            <a:spLocks noGrp="1"/>
-          </p:cNvSpPr>
-          <p:nvPr>
-            <p:ph idx="1"/>
-          </p:nvPr>
-        </p:nvSpPr>
-        <p:spPr/>
-        <p:txBody>
-          <a:bodyPr/>
-          <a:lstStyle/>
-          <a:p>
-            <a:endParaRPr lang="zh-TW" altLang="en-US" dirty="0"/>
           </a:p>
         </p:txBody>
       </p:sp>
@@ -3775,25 +3834,6 @@
           </a:p>
         </p:txBody>
       </p:sp>
-      <p:sp>
-        <p:nvSpPr>
-          <p:cNvPr id="5" name="副標題 4"/>
-          <p:cNvSpPr>
-            <a:spLocks noGrp="1"/>
-          </p:cNvSpPr>
-          <p:nvPr>
-            <p:ph type="subTitle" idx="1"/>
-          </p:nvPr>
-        </p:nvSpPr>
-        <p:spPr/>
-        <p:txBody>
-          <a:bodyPr/>
-          <a:lstStyle/>
-          <a:p>
-            <a:endParaRPr lang="zh-TW" altLang="en-US"/>
-          </a:p>
-        </p:txBody>
-      </p:sp>
     </p:spTree>
     <p:extLst>
       <p:ext uri="{BB962C8B-B14F-4D97-AF65-F5344CB8AC3E}">
@@ -3815,6 +3855,232 @@
 </file>
 
 <file path=ppt/slides/slide2.xml><?xml version="1.0" encoding="utf-8"?>
+<p:sld xmlns:a="http://schemas.openxmlformats.org/drawingml/2006/main" xmlns:r="http://schemas.openxmlformats.org/officeDocument/2006/relationships" xmlns:p="http://schemas.openxmlformats.org/presentationml/2006/main">
+  <p:cSld>
+    <p:spTree>
+      <p:nvGrpSpPr>
+        <p:cNvPr id="1" name=""/>
+        <p:cNvGrpSpPr/>
+        <p:nvPr/>
+      </p:nvGrpSpPr>
+      <p:grpSpPr>
+        <a:xfrm>
+          <a:off x="0" y="0"/>
+          <a:ext cx="0" cy="0"/>
+          <a:chOff x="0" y="0"/>
+          <a:chExt cx="0" cy="0"/>
+        </a:xfrm>
+      </p:grpSpPr>
+      <p:sp>
+        <p:nvSpPr>
+          <p:cNvPr id="2" name="標題 1"/>
+          <p:cNvSpPr>
+            <a:spLocks noGrp="1"/>
+          </p:cNvSpPr>
+          <p:nvPr>
+            <p:ph type="title"/>
+          </p:nvPr>
+        </p:nvSpPr>
+        <p:spPr/>
+        <p:txBody>
+          <a:bodyPr/>
+          <a:lstStyle/>
+          <a:p>
+            <a:r>
+              <a:rPr lang="en-US" altLang="zh-TW" i="1" dirty="0" smtClean="0"/>
+              <a:t>Goal</a:t>
+            </a:r>
+            <a:endParaRPr lang="zh-TW" altLang="en-US" i="1" dirty="0"/>
+          </a:p>
+        </p:txBody>
+      </p:sp>
+      <p:sp>
+        <p:nvSpPr>
+          <p:cNvPr id="3" name="內容版面配置區 2"/>
+          <p:cNvSpPr>
+            <a:spLocks noGrp="1"/>
+          </p:cNvSpPr>
+          <p:nvPr>
+            <p:ph idx="1"/>
+          </p:nvPr>
+        </p:nvSpPr>
+        <p:spPr/>
+        <p:txBody>
+          <a:bodyPr/>
+          <a:lstStyle/>
+          <a:p>
+            <a:r>
+              <a:rPr lang="en-US" altLang="zh-TW" dirty="0" smtClean="0"/>
+              <a:t>Assume a music period consists of a melody and a chord progression.</a:t>
+            </a:r>
+          </a:p>
+          <a:p>
+            <a:r>
+              <a:rPr lang="en-US" altLang="zh-TW" dirty="0" smtClean="0"/>
+              <a:t>Machine </a:t>
+            </a:r>
+            <a:r>
+              <a:rPr lang="en-US" altLang="zh-TW" dirty="0" smtClean="0"/>
+              <a:t>completes a </a:t>
+            </a:r>
+            <a:r>
+              <a:rPr lang="en-US" altLang="zh-TW" dirty="0" smtClean="0"/>
+              <a:t>music </a:t>
+            </a:r>
+            <a:r>
+              <a:rPr lang="en-US" altLang="zh-TW" dirty="0" smtClean="0"/>
+              <a:t>period </a:t>
+            </a:r>
+            <a:r>
+              <a:rPr lang="en-US" altLang="zh-TW" dirty="0" smtClean="0"/>
+              <a:t>given </a:t>
+            </a:r>
+            <a:r>
+              <a:rPr lang="en-US" altLang="zh-TW" dirty="0" smtClean="0"/>
+              <a:t>fixed </a:t>
+            </a:r>
+            <a:r>
+              <a:rPr lang="en-US" altLang="zh-TW" dirty="0" smtClean="0"/>
+              <a:t>melody fragments and chords at </a:t>
+            </a:r>
+            <a:r>
+              <a:rPr lang="en-US" altLang="zh-TW" dirty="0" smtClean="0"/>
+              <a:t>some </a:t>
+            </a:r>
+            <a:r>
+              <a:rPr lang="en-US" altLang="zh-TW" dirty="0" smtClean="0"/>
+              <a:t>beats.</a:t>
+            </a:r>
+            <a:endParaRPr lang="en-US" altLang="zh-TW" dirty="0" smtClean="0"/>
+          </a:p>
+          <a:p>
+            <a:r>
+              <a:rPr lang="en-US" altLang="zh-TW" dirty="0"/>
+              <a:t>Using a </a:t>
+            </a:r>
+            <a:r>
+              <a:rPr lang="en-US" altLang="zh-TW" dirty="0" smtClean="0"/>
+              <a:t>2-by-L </a:t>
+            </a:r>
+            <a:r>
+              <a:rPr lang="en-US" altLang="zh-TW" dirty="0"/>
+              <a:t>grid MRF </a:t>
+            </a:r>
+            <a:r>
+              <a:rPr lang="en-US" altLang="zh-TW" dirty="0" smtClean="0"/>
+              <a:t>to represent the </a:t>
+            </a:r>
+            <a:r>
+              <a:rPr lang="en-US" altLang="zh-TW" dirty="0" smtClean="0"/>
+              <a:t>period:</a:t>
+            </a:r>
+            <a:endParaRPr lang="en-US" altLang="zh-TW" dirty="0" smtClean="0"/>
+          </a:p>
+          <a:p>
+            <a:endParaRPr lang="en-US" altLang="zh-TW" dirty="0"/>
+          </a:p>
+          <a:p>
+            <a:endParaRPr lang="en-US" altLang="zh-TW" dirty="0" smtClean="0"/>
+          </a:p>
+          <a:p>
+            <a:endParaRPr lang="en-US" altLang="zh-TW" dirty="0"/>
+          </a:p>
+          <a:p>
+            <a:r>
+              <a:rPr lang="en-US" altLang="zh-TW" dirty="0" smtClean="0"/>
+              <a:t>Assign values (output) to variables in </a:t>
+            </a:r>
+            <a:r>
+              <a:rPr lang="en-US" altLang="zh-TW" dirty="0" smtClean="0"/>
+              <a:t>MRF </a:t>
+            </a:r>
+            <a:r>
+              <a:rPr lang="en-US" altLang="zh-TW" dirty="0"/>
+              <a:t>given </a:t>
+            </a:r>
+            <a:r>
+              <a:rPr lang="en-US" altLang="zh-TW" dirty="0" smtClean="0"/>
+              <a:t>values </a:t>
+            </a:r>
+            <a:r>
+              <a:rPr lang="en-US" altLang="zh-TW" dirty="0"/>
+              <a:t>(</a:t>
+            </a:r>
+            <a:r>
+              <a:rPr lang="en-US" altLang="zh-TW" dirty="0" smtClean="0"/>
+              <a:t>input) of </a:t>
+            </a:r>
+            <a:r>
+              <a:rPr lang="en-US" altLang="zh-TW" dirty="0"/>
+              <a:t>some </a:t>
+            </a:r>
+            <a:r>
+              <a:rPr lang="en-US" altLang="zh-TW" dirty="0" smtClean="0"/>
+              <a:t>variables </a:t>
+            </a:r>
+            <a:r>
+              <a:rPr lang="en-US" altLang="zh-TW" dirty="0"/>
+              <a:t>fixed</a:t>
+            </a:r>
+            <a:endParaRPr lang="en-US" altLang="zh-TW" dirty="0" smtClean="0"/>
+          </a:p>
+          <a:p>
+            <a:r>
+              <a:rPr lang="en-US" altLang="zh-TW" dirty="0" smtClean="0"/>
+              <a:t>Define </a:t>
+            </a:r>
+            <a:r>
+              <a:rPr lang="en-US" altLang="zh-TW" dirty="0" smtClean="0"/>
+              <a:t>“unit”</a:t>
+            </a:r>
+          </a:p>
+        </p:txBody>
+      </p:sp>
+      <p:pic>
+        <p:nvPicPr>
+          <p:cNvPr id="4" name="圖片 3"/>
+          <p:cNvPicPr>
+            <a:picLocks noChangeAspect="1"/>
+          </p:cNvPicPr>
+          <p:nvPr/>
+        </p:nvPicPr>
+        <p:blipFill>
+          <a:blip r:embed="rId2"/>
+          <a:stretch>
+            <a:fillRect/>
+          </a:stretch>
+        </p:blipFill>
+        <p:spPr>
+          <a:xfrm>
+            <a:off x="1261872" y="3545825"/>
+            <a:ext cx="5514975" cy="1114425"/>
+          </a:xfrm>
+          <a:prstGeom prst="rect">
+            <a:avLst/>
+          </a:prstGeom>
+        </p:spPr>
+      </p:pic>
+    </p:spTree>
+    <p:extLst>
+      <p:ext uri="{BB962C8B-B14F-4D97-AF65-F5344CB8AC3E}">
+        <p14:creationId xmlns:p14="http://schemas.microsoft.com/office/powerpoint/2010/main" val="1693277013"/>
+      </p:ext>
+    </p:extLst>
+  </p:cSld>
+  <p:clrMapOvr>
+    <a:masterClrMapping/>
+  </p:clrMapOvr>
+  <p:timing>
+    <p:tnLst>
+      <p:par>
+        <p:cTn id="1" dur="indefinite" restart="never" nodeType="tmRoot"/>
+      </p:par>
+    </p:tnLst>
+  </p:timing>
+</p:sld>
+</file>
+
+<file path=ppt/slides/slide3.xml><?xml version="1.0" encoding="utf-8"?>
 <p:sld xmlns:a="http://schemas.openxmlformats.org/drawingml/2006/main" xmlns:r="http://schemas.openxmlformats.org/officeDocument/2006/relationships" xmlns:p="http://schemas.openxmlformats.org/presentationml/2006/main">
   <p:cSld>
     <p:spTree>
@@ -3904,172 +4170,6 @@
 </p:sld>
 </file>
 
-<file path=ppt/slides/slide3.xml><?xml version="1.0" encoding="utf-8"?>
-<p:sld xmlns:a="http://schemas.openxmlformats.org/drawingml/2006/main" xmlns:r="http://schemas.openxmlformats.org/officeDocument/2006/relationships" xmlns:p="http://schemas.openxmlformats.org/presentationml/2006/main">
-  <p:cSld>
-    <p:spTree>
-      <p:nvGrpSpPr>
-        <p:cNvPr id="1" name=""/>
-        <p:cNvGrpSpPr/>
-        <p:nvPr/>
-      </p:nvGrpSpPr>
-      <p:grpSpPr>
-        <a:xfrm>
-          <a:off x="0" y="0"/>
-          <a:ext cx="0" cy="0"/>
-          <a:chOff x="0" y="0"/>
-          <a:chExt cx="0" cy="0"/>
-        </a:xfrm>
-      </p:grpSpPr>
-      <p:sp>
-        <p:nvSpPr>
-          <p:cNvPr id="2" name="標題 1"/>
-          <p:cNvSpPr>
-            <a:spLocks noGrp="1"/>
-          </p:cNvSpPr>
-          <p:nvPr>
-            <p:ph type="title"/>
-          </p:nvPr>
-        </p:nvSpPr>
-        <p:spPr/>
-        <p:txBody>
-          <a:bodyPr/>
-          <a:lstStyle/>
-          <a:p>
-            <a:r>
-              <a:rPr lang="en-US" altLang="zh-TW" i="1" dirty="0" smtClean="0"/>
-              <a:t>Goal</a:t>
-            </a:r>
-            <a:endParaRPr lang="zh-TW" altLang="en-US" i="1" dirty="0"/>
-          </a:p>
-        </p:txBody>
-      </p:sp>
-      <p:sp>
-        <p:nvSpPr>
-          <p:cNvPr id="3" name="內容版面配置區 2"/>
-          <p:cNvSpPr>
-            <a:spLocks noGrp="1"/>
-          </p:cNvSpPr>
-          <p:nvPr>
-            <p:ph idx="1"/>
-          </p:nvPr>
-        </p:nvSpPr>
-        <p:spPr/>
-        <p:txBody>
-          <a:bodyPr/>
-          <a:lstStyle/>
-          <a:p>
-            <a:r>
-              <a:rPr lang="en-US" altLang="zh-TW" dirty="0" smtClean="0"/>
-              <a:t>Machine completes a musical period (</a:t>
-            </a:r>
-            <a:r>
-              <a:rPr lang="zh-TW" altLang="en-US" dirty="0" smtClean="0"/>
-              <a:t>樂段</a:t>
-            </a:r>
-            <a:r>
-              <a:rPr lang="en-US" altLang="zh-TW" dirty="0" smtClean="0"/>
-              <a:t>) given fixed notes (</a:t>
-            </a:r>
-            <a:r>
-              <a:rPr lang="zh-TW" altLang="en-US" dirty="0" smtClean="0"/>
-              <a:t>音符</a:t>
-            </a:r>
-            <a:r>
-              <a:rPr lang="en-US" altLang="zh-TW" dirty="0" smtClean="0"/>
-              <a:t>) at some beats</a:t>
-            </a:r>
-            <a:r>
-              <a:rPr lang="zh-TW" altLang="en-US" dirty="0" smtClean="0"/>
-              <a:t> </a:t>
-            </a:r>
-            <a:r>
-              <a:rPr lang="en-US" altLang="zh-TW" dirty="0" smtClean="0"/>
-              <a:t>(</a:t>
-            </a:r>
-            <a:r>
-              <a:rPr lang="zh-TW" altLang="en-US" dirty="0" smtClean="0"/>
-              <a:t>拍子</a:t>
-            </a:r>
-            <a:r>
-              <a:rPr lang="en-US" altLang="zh-TW" dirty="0" smtClean="0"/>
-              <a:t>)</a:t>
-            </a:r>
-          </a:p>
-          <a:p>
-            <a:r>
-              <a:rPr lang="en-US" altLang="zh-TW" dirty="0" smtClean="0"/>
-              <a:t>We use MRF to represent the period, for example</a:t>
-            </a:r>
-          </a:p>
-          <a:p>
-            <a:endParaRPr lang="en-US" altLang="zh-TW" dirty="0"/>
-          </a:p>
-          <a:p>
-            <a:endParaRPr lang="en-US" altLang="zh-TW" dirty="0" smtClean="0"/>
-          </a:p>
-          <a:p>
-            <a:endParaRPr lang="en-US" altLang="zh-TW" dirty="0"/>
-          </a:p>
-          <a:p>
-            <a:r>
-              <a:rPr lang="en-US" altLang="zh-TW" dirty="0" smtClean="0"/>
-              <a:t>Assign values (output) to variables in a 2-by-N grid MRF, given some variables (input) fixed</a:t>
-            </a:r>
-            <a:endParaRPr lang="en-US" altLang="zh-TW" dirty="0"/>
-          </a:p>
-          <a:p>
-            <a:r>
-              <a:rPr lang="en-US" altLang="zh-TW" dirty="0" smtClean="0"/>
-              <a:t>Define “unit”</a:t>
-            </a:r>
-          </a:p>
-        </p:txBody>
-      </p:sp>
-      <p:pic>
-        <p:nvPicPr>
-          <p:cNvPr id="4" name="圖片 3"/>
-          <p:cNvPicPr>
-            <a:picLocks noChangeAspect="1"/>
-          </p:cNvPicPr>
-          <p:nvPr/>
-        </p:nvPicPr>
-        <p:blipFill>
-          <a:blip r:embed="rId2"/>
-          <a:stretch>
-            <a:fillRect/>
-          </a:stretch>
-        </p:blipFill>
-        <p:spPr>
-          <a:xfrm>
-            <a:off x="1261872" y="3020307"/>
-            <a:ext cx="5514975" cy="1114425"/>
-          </a:xfrm>
-          <a:prstGeom prst="rect">
-            <a:avLst/>
-          </a:prstGeom>
-        </p:spPr>
-      </p:pic>
-    </p:spTree>
-    <p:extLst>
-      <p:ext uri="{BB962C8B-B14F-4D97-AF65-F5344CB8AC3E}">
-        <p14:creationId xmlns:p14="http://schemas.microsoft.com/office/powerpoint/2010/main" val="1693277013"/>
-      </p:ext>
-    </p:extLst>
-  </p:cSld>
-  <p:clrMapOvr>
-    <a:masterClrMapping/>
-  </p:clrMapOvr>
-  <p:timing>
-    <p:tnLst>
-      <p:par>
-        <p:cTn id="1" dur="indefinite" restart="never" nodeType="tmRoot"/>
-      </p:par>
-    </p:tnLst>
-  </p:timing>
-</p:sld>
-</file>
-
 <file path=ppt/slides/slide4.xml><?xml version="1.0" encoding="utf-8"?>
 <p:sld xmlns:a="http://schemas.openxmlformats.org/drawingml/2006/main" xmlns:r="http://schemas.openxmlformats.org/officeDocument/2006/relationships" xmlns:p="http://schemas.openxmlformats.org/presentationml/2006/main">
   <p:cSld>
@@ -4127,7 +4227,11 @@
           <a:p>
             <a:r>
               <a:rPr lang="en-US" altLang="zh-TW" dirty="0" smtClean="0"/>
-              <a:t>1400 units from Clementi op36</a:t>
+              <a:t>About 1400 </a:t>
+            </a:r>
+            <a:r>
+              <a:rPr lang="en-US" altLang="zh-TW" dirty="0" smtClean="0"/>
+              <a:t>units from Clementi op36</a:t>
             </a:r>
           </a:p>
           <a:p>
@@ -4171,7 +4275,7 @@
       </p:sp>
       <p:pic>
         <p:nvPicPr>
-          <p:cNvPr id="5" name="圖片 4"/>
+          <p:cNvPr id="4" name="圖片 3"/>
           <p:cNvPicPr>
             <a:picLocks noChangeAspect="1"/>
           </p:cNvPicPr>
@@ -4191,8 +4295,32 @@
         </p:blipFill>
         <p:spPr>
           <a:xfrm>
-            <a:off x="394497" y="2867436"/>
-            <a:ext cx="10160251" cy="1504867"/>
+            <a:off x="668295" y="2902362"/>
+            <a:ext cx="9782513" cy="1448919"/>
+          </a:xfrm>
+          <a:prstGeom prst="rect">
+            <a:avLst/>
+          </a:prstGeom>
+        </p:spPr>
+      </p:pic>
+      <p:pic>
+        <p:nvPicPr>
+          <p:cNvPr id="6" name="圖片 5"/>
+          <p:cNvPicPr>
+            <a:picLocks noChangeAspect="1"/>
+          </p:cNvPicPr>
+          <p:nvPr/>
+        </p:nvPicPr>
+        <p:blipFill>
+          <a:blip r:embed="rId3"/>
+          <a:stretch>
+            <a:fillRect/>
+          </a:stretch>
+        </p:blipFill>
+        <p:spPr>
+          <a:xfrm>
+            <a:off x="1130919" y="5203190"/>
+            <a:ext cx="5514975" cy="1114425"/>
           </a:xfrm>
           <a:prstGeom prst="rect">
             <a:avLst/>
@@ -4259,8 +4387,8 @@
           </a:p>
         </p:txBody>
       </p:sp>
-      <mc:AlternateContent xmlns:mc="http://schemas.openxmlformats.org/markup-compatibility/2006" xmlns:a14="http://schemas.microsoft.com/office/drawing/2010/main">
-        <mc:Choice Requires="a14">
+      <mc:AlternateContent xmlns:mc="http://schemas.openxmlformats.org/markup-compatibility/2006">
+        <mc:Choice xmlns:a14="http://schemas.microsoft.com/office/drawing/2010/main" Requires="a14">
           <p:sp>
             <p:nvSpPr>
               <p:cNvPr id="3" name="內容版面配置區 2"/>
@@ -4277,6 +4405,103 @@
                 <a:normAutofit/>
               </a:bodyPr>
               <a:lstStyle/>
+              <a:p>
+                <a14:m>
+                  <m:oMath xmlns:m="http://schemas.openxmlformats.org/officeDocument/2006/math">
+                    <m:sSub>
+                      <m:sSubPr>
+                        <m:ctrlPr>
+                          <a:rPr lang="en-US" altLang="zh-TW" i="1" smtClean="0">
+                            <a:solidFill>
+                              <a:srgbClr val="FF0000"/>
+                            </a:solidFill>
+                            <a:latin typeface="Cambria Math" panose="02040503050406030204" pitchFamily="18" charset="0"/>
+                          </a:rPr>
+                        </m:ctrlPr>
+                      </m:sSubPr>
+                      <m:e>
+                        <m:r>
+                          <a:rPr lang="en-US" altLang="zh-TW" i="1">
+                            <a:solidFill>
+                              <a:srgbClr val="FF0000"/>
+                            </a:solidFill>
+                            <a:latin typeface="Cambria Math" panose="02040503050406030204" pitchFamily="18" charset="0"/>
+                          </a:rPr>
+                          <m:t>𝑚</m:t>
+                        </m:r>
+                      </m:e>
+                      <m:sub>
+                        <m:r>
+                          <a:rPr lang="en-US" altLang="zh-TW" i="1">
+                            <a:solidFill>
+                              <a:srgbClr val="FF0000"/>
+                            </a:solidFill>
+                            <a:latin typeface="Cambria Math" panose="02040503050406030204" pitchFamily="18" charset="0"/>
+                          </a:rPr>
+                          <m:t>𝑖</m:t>
+                        </m:r>
+                        <m:r>
+                          <a:rPr lang="en-US" altLang="zh-TW" i="1">
+                            <a:solidFill>
+                              <a:srgbClr val="FF0000"/>
+                            </a:solidFill>
+                            <a:latin typeface="Cambria Math" panose="02040503050406030204" pitchFamily="18" charset="0"/>
+                          </a:rPr>
+                          <m:t>,</m:t>
+                        </m:r>
+                        <m:r>
+                          <a:rPr lang="en-US" altLang="zh-TW" b="0" i="1" smtClean="0">
+                            <a:solidFill>
+                              <a:srgbClr val="FF0000"/>
+                            </a:solidFill>
+                            <a:latin typeface="Cambria Math" panose="02040503050406030204" pitchFamily="18" charset="0"/>
+                          </a:rPr>
+                          <m:t>𝑗</m:t>
+                        </m:r>
+                      </m:sub>
+                    </m:sSub>
+                  </m:oMath>
+                </a14:m>
+                <a:r>
+                  <a:rPr lang="en-US" altLang="zh-TW" b="0" i="1" dirty="0" smtClean="0">
+                    <a:solidFill>
+                      <a:srgbClr val="FF0000"/>
+                    </a:solidFill>
+                    <a:latin typeface="Cambria Math" panose="02040503050406030204" pitchFamily="18" charset="0"/>
+                  </a:rPr>
+                  <a:t> </a:t>
+                </a:r>
+                <a:r>
+                  <a:rPr lang="en-US" altLang="zh-TW" b="0" dirty="0" smtClean="0">
+                    <a:latin typeface="Cambria Math" panose="02040503050406030204" pitchFamily="18" charset="0"/>
+                  </a:rPr>
+                  <a:t>is the j-</a:t>
+                </a:r>
+                <a:r>
+                  <a:rPr lang="en-US" altLang="zh-TW" b="0" dirty="0" err="1" smtClean="0">
+                    <a:latin typeface="Cambria Math" panose="02040503050406030204" pitchFamily="18" charset="0"/>
+                  </a:rPr>
+                  <a:t>th</a:t>
+                </a:r>
+                <a:r>
+                  <a:rPr lang="en-US" altLang="zh-TW" b="0" dirty="0" smtClean="0">
+                    <a:latin typeface="Cambria Math" panose="02040503050406030204" pitchFamily="18" charset="0"/>
+                  </a:rPr>
+                  <a:t> note of the i-</a:t>
+                </a:r>
+                <a:r>
+                  <a:rPr lang="en-US" altLang="zh-TW" b="0" dirty="0" err="1" smtClean="0">
+                    <a:latin typeface="Cambria Math" panose="02040503050406030204" pitchFamily="18" charset="0"/>
+                  </a:rPr>
+                  <a:t>th</a:t>
+                </a:r>
+                <a:r>
+                  <a:rPr lang="en-US" altLang="zh-TW" b="0" dirty="0" smtClean="0">
+                    <a:latin typeface="Cambria Math" panose="02040503050406030204" pitchFamily="18" charset="0"/>
+                  </a:rPr>
+                  <a:t> unit.</a:t>
+                </a:r>
+              </a:p>
               <a:p>
                 <a14:m>
                   <m:oMath xmlns:m="http://schemas.openxmlformats.org/officeDocument/2006/math">
@@ -4333,15 +4558,6 @@
                               </a:rPr>
                               <m:t>𝑖</m:t>
                             </m:r>
-                            <m:r>
-                              <a:rPr lang="en-US" altLang="zh-TW" b="0" i="1" smtClean="0">
-                                <a:solidFill>
-                                  <a:srgbClr val="FF0000"/>
-                                </a:solidFill>
-                                <a:latin typeface="Cambria Math" panose="02040503050406030204" pitchFamily="18" charset="0"/>
-                              </a:rPr>
-                              <m:t>−1</m:t>
-                            </m:r>
                           </m:sub>
                         </m:sSub>
                         <m:r>
@@ -4384,6 +4600,15 @@
                                 <a:latin typeface="Cambria Math" panose="02040503050406030204" pitchFamily="18" charset="0"/>
                               </a:rPr>
                               <m:t>𝑖</m:t>
+                            </m:r>
+                            <m:r>
+                              <a:rPr lang="en-US" altLang="zh-TW" b="0" i="1" smtClean="0">
+                                <a:solidFill>
+                                  <a:srgbClr val="FF0000"/>
+                                </a:solidFill>
+                                <a:latin typeface="Cambria Math" panose="02040503050406030204" pitchFamily="18" charset="0"/>
+                              </a:rPr>
+                              <m:t>+1</m:t>
                             </m:r>
                           </m:sub>
                         </m:sSub>
@@ -4458,7 +4683,7 @@
                                 </a:solidFill>
                                 <a:latin typeface="Cambria Math" panose="02040503050406030204" pitchFamily="18" charset="0"/>
                               </a:rPr>
-                              <m:t>−1,3</m:t>
+                              <m:t>,3</m:t>
                             </m:r>
                           </m:sub>
                         </m:sSub>
@@ -4502,6 +4727,15 @@
                                 <a:latin typeface="Cambria Math" panose="02040503050406030204" pitchFamily="18" charset="0"/>
                               </a:rPr>
                               <m:t>𝑖</m:t>
+                            </m:r>
+                            <m:r>
+                              <a:rPr lang="en-US" altLang="zh-TW" b="0" i="1" smtClean="0">
+                                <a:solidFill>
+                                  <a:srgbClr val="FF0000"/>
+                                </a:solidFill>
+                                <a:latin typeface="Cambria Math" panose="02040503050406030204" pitchFamily="18" charset="0"/>
+                              </a:rPr>
+                              <m:t>+1</m:t>
                             </m:r>
                             <m:r>
                               <a:rPr lang="en-US" altLang="zh-TW" b="0" i="1" smtClean="0">
@@ -4577,15 +4811,6 @@
                           </a:rPr>
                           <m:t>𝑖</m:t>
                         </m:r>
-                        <m:r>
-                          <a:rPr lang="en-US" altLang="zh-TW" i="1">
-                            <a:solidFill>
-                              <a:srgbClr val="0070C0"/>
-                            </a:solidFill>
-                            <a:latin typeface="Cambria Math" panose="02040503050406030204" pitchFamily="18" charset="0"/>
-                          </a:rPr>
-                          <m:t>−1</m:t>
-                        </m:r>
                       </m:sub>
                     </m:sSub>
                     <m:r>
@@ -4628,6 +4853,15 @@
                             <a:latin typeface="Cambria Math" panose="02040503050406030204" pitchFamily="18" charset="0"/>
                           </a:rPr>
                           <m:t>𝑖</m:t>
+                        </m:r>
+                        <m:r>
+                          <a:rPr lang="en-US" altLang="zh-TW" b="0" i="1" smtClean="0">
+                            <a:solidFill>
+                              <a:srgbClr val="0070C0"/>
+                            </a:solidFill>
+                            <a:latin typeface="Cambria Math" panose="02040503050406030204" pitchFamily="18" charset="0"/>
+                          </a:rPr>
+                          <m:t>+1</m:t>
                         </m:r>
                       </m:sub>
                     </m:sSub>
@@ -4690,15 +4924,6 @@
                           </a:rPr>
                           <m:t>𝑖</m:t>
                         </m:r>
-                        <m:r>
-                          <a:rPr lang="en-US" altLang="zh-TW" i="1">
-                            <a:solidFill>
-                              <a:srgbClr val="0070C0"/>
-                            </a:solidFill>
-                            <a:latin typeface="Cambria Math" panose="02040503050406030204" pitchFamily="18" charset="0"/>
-                          </a:rPr>
-                          <m:t>−1</m:t>
-                        </m:r>
                       </m:sub>
                     </m:sSub>
                     <m:r>
@@ -4741,6 +4966,15 @@
                             <a:latin typeface="Cambria Math" panose="02040503050406030204" pitchFamily="18" charset="0"/>
                           </a:rPr>
                           <m:t>𝑖</m:t>
+                        </m:r>
+                        <m:r>
+                          <a:rPr lang="en-US" altLang="zh-TW" b="0" i="1" smtClean="0">
+                            <a:solidFill>
+                              <a:srgbClr val="0070C0"/>
+                            </a:solidFill>
+                            <a:latin typeface="Cambria Math" panose="02040503050406030204" pitchFamily="18" charset="0"/>
+                          </a:rPr>
+                          <m:t>+1</m:t>
                         </m:r>
                       </m:sub>
                     </m:sSub>
@@ -5654,14 +5888,17 @@
                       <a:schemeClr val="tx1"/>
                     </a:solidFill>
                   </a:rPr>
-                  <a:t>, a paradox and a complement</a:t>
+                  <a:t>, a paradox and a </a:t>
                 </a:r>
-              </a:p>
-              <a:p>
-                <a:pPr marL="0" indent="0">
-                  <a:buNone/>
-                </a:pPr>
-                <a:endParaRPr lang="en-US" altLang="zh-TW" dirty="0" smtClean="0">
+                <a:r>
+                  <a:rPr lang="en-US" altLang="zh-TW" dirty="0" smtClean="0">
+                    <a:solidFill>
+                      <a:schemeClr val="tx1"/>
+                    </a:solidFill>
+                  </a:rPr>
+                  <a:t>complement</a:t>
+                </a:r>
+                <a:endParaRPr lang="en-US" altLang="zh-TW" dirty="0">
                   <a:solidFill>
                     <a:srgbClr val="617044"/>
                   </a:solidFill>
@@ -5673,7 +5910,15 @@
                 </a:pPr>
                 <a:r>
                   <a:rPr lang="en-US" altLang="zh-TW" dirty="0" smtClean="0"/>
-                  <a:t>All probabilities comes from fractional counts.</a:t>
+                  <a:t>Those </a:t>
+                </a:r>
+                <a:r>
+                  <a:rPr lang="en-US" altLang="zh-TW" dirty="0" smtClean="0"/>
+                  <a:t>probabilities are derived from fractional </a:t>
+                </a:r>
+                <a:r>
+                  <a:rPr lang="en-US" altLang="zh-TW" dirty="0" smtClean="0"/>
+                  <a:t>counts.</a:t>
                 </a:r>
                 <a:endParaRPr lang="en-US" altLang="zh-TW" dirty="0"/>
               </a:p>
@@ -5745,7 +5990,7 @@
             </p:txBody>
           </p:sp>
         </mc:Choice>
-        <mc:Fallback xmlns="">
+        <mc:Fallback>
           <p:sp>
             <p:nvSpPr>
               <p:cNvPr id="3" name="內容版面配置區 2"/>
@@ -5760,7 +6005,7 @@
               <a:blipFill rotWithShape="0">
                 <a:blip r:embed="rId2"/>
                 <a:stretch>
-                  <a:fillRect l="-567"/>
+                  <a:fillRect l="-567" t="-1120"/>
                 </a:stretch>
               </a:blipFill>
             </p:spPr>
@@ -5795,7 +6040,7 @@
         </p:blipFill>
         <p:spPr>
           <a:xfrm>
-            <a:off x="2802064" y="5065712"/>
+            <a:off x="2928189" y="5065712"/>
             <a:ext cx="5514975" cy="1114425"/>
           </a:xfrm>
           <a:prstGeom prst="rect">
